--- a/paper/figures/flowchart.pptx
+++ b/paper/figures/flowchart.pptx
@@ -243,7 +243,7 @@
           <a:p>
             <a:fld id="{83E1F2E6-4236-A345-B1DA-533C51C1D65E}" type="datetimeFigureOut">
               <a:rPr lang="en-US" smtClean="0"/>
-              <a:t>5/25/21</a:t>
+              <a:t>5/31/21</a:t>
             </a:fld>
             <a:endParaRPr lang="en-US"/>
           </a:p>
@@ -413,7 +413,7 @@
           <a:p>
             <a:fld id="{83E1F2E6-4236-A345-B1DA-533C51C1D65E}" type="datetimeFigureOut">
               <a:rPr lang="en-US" smtClean="0"/>
-              <a:t>5/25/21</a:t>
+              <a:t>5/31/21</a:t>
             </a:fld>
             <a:endParaRPr lang="en-US"/>
           </a:p>
@@ -593,7 +593,7 @@
           <a:p>
             <a:fld id="{83E1F2E6-4236-A345-B1DA-533C51C1D65E}" type="datetimeFigureOut">
               <a:rPr lang="en-US" smtClean="0"/>
-              <a:t>5/25/21</a:t>
+              <a:t>5/31/21</a:t>
             </a:fld>
             <a:endParaRPr lang="en-US"/>
           </a:p>
@@ -763,7 +763,7 @@
           <a:p>
             <a:fld id="{83E1F2E6-4236-A345-B1DA-533C51C1D65E}" type="datetimeFigureOut">
               <a:rPr lang="en-US" smtClean="0"/>
-              <a:t>5/25/21</a:t>
+              <a:t>5/31/21</a:t>
             </a:fld>
             <a:endParaRPr lang="en-US"/>
           </a:p>
@@ -1009,7 +1009,7 @@
           <a:p>
             <a:fld id="{83E1F2E6-4236-A345-B1DA-533C51C1D65E}" type="datetimeFigureOut">
               <a:rPr lang="en-US" smtClean="0"/>
-              <a:t>5/25/21</a:t>
+              <a:t>5/31/21</a:t>
             </a:fld>
             <a:endParaRPr lang="en-US"/>
           </a:p>
@@ -1241,7 +1241,7 @@
           <a:p>
             <a:fld id="{83E1F2E6-4236-A345-B1DA-533C51C1D65E}" type="datetimeFigureOut">
               <a:rPr lang="en-US" smtClean="0"/>
-              <a:t>5/25/21</a:t>
+              <a:t>5/31/21</a:t>
             </a:fld>
             <a:endParaRPr lang="en-US"/>
           </a:p>
@@ -1608,7 +1608,7 @@
           <a:p>
             <a:fld id="{83E1F2E6-4236-A345-B1DA-533C51C1D65E}" type="datetimeFigureOut">
               <a:rPr lang="en-US" smtClean="0"/>
-              <a:t>5/25/21</a:t>
+              <a:t>5/31/21</a:t>
             </a:fld>
             <a:endParaRPr lang="en-US"/>
           </a:p>
@@ -1726,7 +1726,7 @@
           <a:p>
             <a:fld id="{83E1F2E6-4236-A345-B1DA-533C51C1D65E}" type="datetimeFigureOut">
               <a:rPr lang="en-US" smtClean="0"/>
-              <a:t>5/25/21</a:t>
+              <a:t>5/31/21</a:t>
             </a:fld>
             <a:endParaRPr lang="en-US"/>
           </a:p>
@@ -1821,7 +1821,7 @@
           <a:p>
             <a:fld id="{83E1F2E6-4236-A345-B1DA-533C51C1D65E}" type="datetimeFigureOut">
               <a:rPr lang="en-US" smtClean="0"/>
-              <a:t>5/25/21</a:t>
+              <a:t>5/31/21</a:t>
             </a:fld>
             <a:endParaRPr lang="en-US"/>
           </a:p>
@@ -2098,7 +2098,7 @@
           <a:p>
             <a:fld id="{83E1F2E6-4236-A345-B1DA-533C51C1D65E}" type="datetimeFigureOut">
               <a:rPr lang="en-US" smtClean="0"/>
-              <a:t>5/25/21</a:t>
+              <a:t>5/31/21</a:t>
             </a:fld>
             <a:endParaRPr lang="en-US"/>
           </a:p>
@@ -2355,7 +2355,7 @@
           <a:p>
             <a:fld id="{83E1F2E6-4236-A345-B1DA-533C51C1D65E}" type="datetimeFigureOut">
               <a:rPr lang="en-US" smtClean="0"/>
-              <a:t>5/25/21</a:t>
+              <a:t>5/31/21</a:t>
             </a:fld>
             <a:endParaRPr lang="en-US"/>
           </a:p>
@@ -2568,7 +2568,7 @@
           <a:p>
             <a:fld id="{83E1F2E6-4236-A345-B1DA-533C51C1D65E}" type="datetimeFigureOut">
               <a:rPr lang="en-US" smtClean="0"/>
-              <a:t>5/25/21</a:t>
+              <a:t>5/31/21</a:t>
             </a:fld>
             <a:endParaRPr lang="en-US"/>
           </a:p>
@@ -2988,9 +2988,9 @@
         <p:grpSpPr>
           <a:xfrm>
             <a:off x="917552" y="569965"/>
-            <a:ext cx="18217431" cy="2420418"/>
+            <a:ext cx="19040843" cy="2420418"/>
             <a:chOff x="-3277762" y="1417261"/>
-            <a:chExt cx="18217431" cy="2420418"/>
+            <a:chExt cx="19040843" cy="2420418"/>
           </a:xfrm>
         </p:grpSpPr>
         <p:sp>
@@ -3008,7 +3008,7 @@
           <p:spPr>
             <a:xfrm>
               <a:off x="-3277761" y="1417261"/>
-              <a:ext cx="18217429" cy="672512"/>
+              <a:ext cx="19040842" cy="672512"/>
             </a:xfrm>
             <a:prstGeom prst="rect">
               <a:avLst/>
@@ -3060,7 +3060,7 @@
           <p:spPr>
             <a:xfrm>
               <a:off x="-3277762" y="3545482"/>
-              <a:ext cx="18217431" cy="292197"/>
+              <a:ext cx="19040842" cy="292197"/>
             </a:xfrm>
             <a:prstGeom prst="rect">
               <a:avLst/>
@@ -3112,7 +3112,7 @@
           <p:spPr>
             <a:xfrm>
               <a:off x="-3277761" y="2921343"/>
-              <a:ext cx="18217429" cy="292197"/>
+              <a:ext cx="19040842" cy="292197"/>
             </a:xfrm>
             <a:prstGeom prst="rect">
               <a:avLst/>
@@ -4047,7 +4047,7 @@
             <a:effectLst/>
             <a:extLst>
               <a:ext uri="{C572A759-6A51-4108-AA02-DFA0A04FC94B}">
-                <ma14:wrappingTextBoxFlag xmlns:ma14="http://schemas.microsoft.com/office/mac/drawingml/2011/main" xmlns="" val="1"/>
+                <ma14:wrappingTextBoxFlag xmlns="" xmlns:ma14="http://schemas.microsoft.com/office/mac/drawingml/2011/main" val="1"/>
               </a:ext>
             </a:extLst>
           </p:spPr>
@@ -5148,7 +5148,7 @@
               <a:effectLst/>
               <a:extLst>
                 <a:ext uri="{C572A759-6A51-4108-AA02-DFA0A04FC94B}">
-                  <ma14:wrappingTextBoxFlag xmlns:ma14="http://schemas.microsoft.com/office/mac/drawingml/2011/main" xmlns="" val="1"/>
+                  <ma14:wrappingTextBoxFlag xmlns="" xmlns:ma14="http://schemas.microsoft.com/office/mac/drawingml/2011/main" val="1"/>
                 </a:ext>
               </a:extLst>
             </p:spPr>
@@ -8908,7 +8908,7 @@
             <a:effectLst/>
             <a:extLst>
               <a:ext uri="{C572A759-6A51-4108-AA02-DFA0A04FC94B}">
-                <ma14:wrappingTextBoxFlag xmlns:ma14="http://schemas.microsoft.com/office/mac/drawingml/2011/main" xmlns="" val="1"/>
+                <ma14:wrappingTextBoxFlag xmlns="" xmlns:ma14="http://schemas.microsoft.com/office/mac/drawingml/2011/main" val="1"/>
               </a:ext>
             </a:extLst>
           </p:spPr>
@@ -27738,7 +27738,7 @@
             <a:effectLst/>
             <a:extLst>
               <a:ext uri="{C572A759-6A51-4108-AA02-DFA0A04FC94B}">
-                <ma14:wrappingTextBoxFlag xmlns:ma14="http://schemas.microsoft.com/office/mac/drawingml/2011/main" xmlns="" val="1"/>
+                <ma14:wrappingTextBoxFlag xmlns="" xmlns:ma14="http://schemas.microsoft.com/office/mac/drawingml/2011/main" val="1"/>
               </a:ext>
             </a:extLst>
           </p:spPr>
@@ -27983,12 +27983,309 @@
           </mc:Fallback>
         </mc:AlternateContent>
       </p:grpSp>
+      <p:sp>
+        <p:nvSpPr>
+          <p:cNvPr id="68" name="Shape 1155">
+            <a:extLst>
+              <a:ext uri="{FF2B5EF4-FFF2-40B4-BE49-F238E27FC236}">
+                <a16:creationId xmlns:a16="http://schemas.microsoft.com/office/drawing/2014/main" id="{53B5EF16-8BBC-B548-9384-4485FFD2ABAB}"/>
+              </a:ext>
+            </a:extLst>
+          </p:cNvPr>
+          <p:cNvSpPr/>
+          <p:nvPr/>
+        </p:nvSpPr>
+        <p:spPr>
+          <a:xfrm rot="16200000">
+            <a:off x="12950143" y="1250952"/>
+            <a:ext cx="2876403" cy="1208844"/>
+          </a:xfrm>
+          <a:prstGeom prst="rect">
+            <a:avLst/>
+          </a:prstGeom>
+          <a:solidFill>
+            <a:schemeClr val="accent1">
+              <a:lumMod val="60000"/>
+              <a:lumOff val="40000"/>
+            </a:schemeClr>
+          </a:solidFill>
+          <a:ln w="25400" cap="flat">
+            <a:solidFill>
+              <a:schemeClr val="tx1"/>
+            </a:solidFill>
+            <a:miter lim="400000"/>
+          </a:ln>
+          <a:effectLst/>
+          <a:extLst>
+            <a:ext uri="{C572A759-6A51-4108-AA02-DFA0A04FC94B}">
+              <ma14:wrappingTextBoxFlag xmlns="" xmlns:ma14="http://schemas.microsoft.com/office/mac/drawingml/2011/main" val="1"/>
+            </a:ext>
+          </a:extLst>
+        </p:spPr>
+        <p:txBody>
+          <a:bodyPr wrap="square" lIns="0" tIns="0" rIns="0" bIns="0" numCol="1" anchor="ctr">
+            <a:noAutofit/>
+          </a:bodyPr>
+          <a:lstStyle>
+            <a:lvl1pPr defTabSz="584200">
+              <a:lnSpc>
+                <a:spcPts val="1800"/>
+              </a:lnSpc>
+              <a:tabLst>
+                <a:tab pos="1066800" algn="l"/>
+              </a:tabLst>
+              <a:defRPr sz="1500" b="1"/>
+            </a:lvl1pPr>
+          </a:lstStyle>
+          <a:p>
+            <a:pPr algn="ctr"/>
+            <a:r>
+              <a:rPr lang="en-US" sz="1600" dirty="0">
+                <a:latin typeface="Helvetica" pitchFamily="2" charset="0"/>
+              </a:rPr>
+              <a:t>DECONVOLUTION:</a:t>
+            </a:r>
+            <a:br>
+              <a:rPr lang="en-US" sz="1600" b="0" dirty="0">
+                <a:latin typeface="Helvetica" pitchFamily="2" charset="0"/>
+              </a:rPr>
+            </a:br>
+            <a:r>
+              <a:rPr lang="en-US" sz="1600" b="0" dirty="0">
+                <a:latin typeface="Helvetica" pitchFamily="2" charset="0"/>
+              </a:rPr>
+              <a:t>PFM with LARS;</a:t>
+            </a:r>
+            <a:br>
+              <a:rPr lang="en-US" sz="1600" b="0" dirty="0">
+                <a:latin typeface="Helvetica" pitchFamily="2" charset="0"/>
+              </a:rPr>
+            </a:br>
+            <a:r>
+              <a:rPr lang="en-US" sz="1600" b="0" dirty="0">
+                <a:latin typeface="Helvetica" pitchFamily="2" charset="0"/>
+              </a:rPr>
+              <a:t>TA with FISTA</a:t>
+            </a:r>
+            <a:endParaRPr sz="1600" b="0" dirty="0">
+              <a:latin typeface="Helvetica" pitchFamily="2" charset="0"/>
+            </a:endParaRPr>
+          </a:p>
+        </p:txBody>
+      </p:sp>
+      <p:sp>
+        <p:nvSpPr>
+          <p:cNvPr id="69" name="Right Arrow 68">
+            <a:extLst>
+              <a:ext uri="{FF2B5EF4-FFF2-40B4-BE49-F238E27FC236}">
+                <a16:creationId xmlns:a16="http://schemas.microsoft.com/office/drawing/2014/main" id="{7C936FEC-7CA5-8849-B087-57DF5DDB594B}"/>
+              </a:ext>
+            </a:extLst>
+          </p:cNvPr>
+          <p:cNvSpPr/>
+          <p:nvPr/>
+        </p:nvSpPr>
+        <p:spPr>
+          <a:xfrm>
+            <a:off x="13559808" y="1540655"/>
+            <a:ext cx="224114" cy="244933"/>
+          </a:xfrm>
+          <a:prstGeom prst="rightArrow">
+            <a:avLst/>
+          </a:prstGeom>
+          <a:solidFill>
+            <a:schemeClr val="tx1"/>
+          </a:solidFill>
+          <a:ln>
+            <a:solidFill>
+              <a:schemeClr val="tx1"/>
+            </a:solidFill>
+          </a:ln>
+        </p:spPr>
+        <p:style>
+          <a:lnRef idx="2">
+            <a:schemeClr val="accent1">
+              <a:shade val="50000"/>
+            </a:schemeClr>
+          </a:lnRef>
+          <a:fillRef idx="1">
+            <a:schemeClr val="accent1"/>
+          </a:fillRef>
+          <a:effectRef idx="0">
+            <a:schemeClr val="accent1"/>
+          </a:effectRef>
+          <a:fontRef idx="minor">
+            <a:schemeClr val="lt1"/>
+          </a:fontRef>
+        </p:style>
+        <p:txBody>
+          <a:bodyPr rtlCol="0" anchor="ctr"/>
+          <a:lstStyle/>
+          <a:p>
+            <a:pPr algn="ctr"/>
+            <a:endParaRPr lang="en-GB"/>
+          </a:p>
+        </p:txBody>
+      </p:sp>
+      <p:sp>
+        <p:nvSpPr>
+          <p:cNvPr id="70" name="Shape 1159">
+            <a:extLst>
+              <a:ext uri="{FF2B5EF4-FFF2-40B4-BE49-F238E27FC236}">
+                <a16:creationId xmlns:a16="http://schemas.microsoft.com/office/drawing/2014/main" id="{4A2DC02C-678D-7842-9F16-BEB4288EABD1}"/>
+              </a:ext>
+            </a:extLst>
+          </p:cNvPr>
+          <p:cNvSpPr/>
+          <p:nvPr/>
+        </p:nvSpPr>
+        <p:spPr>
+          <a:xfrm>
+            <a:off x="15258321" y="1316542"/>
+            <a:ext cx="1718525" cy="696545"/>
+          </a:xfrm>
+          <a:prstGeom prst="rect">
+            <a:avLst/>
+          </a:prstGeom>
+          <a:noFill/>
+          <a:ln w="25400" cap="flat">
+            <a:solidFill>
+              <a:schemeClr val="tx1"/>
+            </a:solidFill>
+            <a:miter lim="400000"/>
+          </a:ln>
+          <a:effectLst/>
+          <a:extLst>
+            <a:ext uri="{C572A759-6A51-4108-AA02-DFA0A04FC94B}">
+              <ma14:wrappingTextBoxFlag xmlns="" xmlns:ma14="http://schemas.microsoft.com/office/mac/drawingml/2011/main" val="1"/>
+            </a:ext>
+          </a:extLst>
+        </p:spPr>
+        <p:txBody>
+          <a:bodyPr wrap="square" lIns="0" tIns="0" rIns="0" bIns="0" numCol="1" anchor="ctr">
+            <a:noAutofit/>
+          </a:bodyPr>
+          <a:lstStyle>
+            <a:lvl1pPr defTabSz="584200">
+              <a:lnSpc>
+                <a:spcPts val="1800"/>
+              </a:lnSpc>
+              <a:tabLst>
+                <a:tab pos="1066800" algn="l"/>
+              </a:tabLst>
+              <a:defRPr sz="1500" b="1"/>
+            </a:lvl1pPr>
+          </a:lstStyle>
+          <a:p>
+            <a:pPr algn="ctr"/>
+            <a:r>
+              <a:rPr lang="es-ES" sz="1600" b="0" dirty="0" err="1">
+                <a:latin typeface="Helvetica" pitchFamily="2" charset="0"/>
+              </a:rPr>
+              <a:t>Estimated</a:t>
+            </a:r>
+            <a:r>
+              <a:rPr lang="es-ES" sz="1600" b="0" dirty="0">
+                <a:latin typeface="Helvetica" pitchFamily="2" charset="0"/>
+              </a:rPr>
+              <a:t> </a:t>
+            </a:r>
+            <a:r>
+              <a:rPr lang="es-ES" sz="1600" b="0" dirty="0" err="1">
+                <a:latin typeface="Helvetica" pitchFamily="2" charset="0"/>
+              </a:rPr>
+              <a:t>Activity</a:t>
+            </a:r>
+            <a:r>
+              <a:rPr lang="es-ES" sz="1600" b="0" dirty="0">
+                <a:latin typeface="Helvetica" pitchFamily="2" charset="0"/>
+              </a:rPr>
+              <a:t> </a:t>
+            </a:r>
+            <a:r>
+              <a:rPr lang="es-ES" sz="1600" b="0" dirty="0" err="1">
+                <a:latin typeface="Helvetica" pitchFamily="2" charset="0"/>
+              </a:rPr>
+              <a:t>Inducing</a:t>
+            </a:r>
+            <a:r>
+              <a:rPr lang="es-ES" sz="1600" b="0" dirty="0">
+                <a:latin typeface="Helvetica" pitchFamily="2" charset="0"/>
+              </a:rPr>
+              <a:t> </a:t>
+            </a:r>
+            <a:r>
+              <a:rPr lang="es-ES" sz="1600" b="0" dirty="0" err="1">
+                <a:latin typeface="Helvetica" pitchFamily="2" charset="0"/>
+              </a:rPr>
+              <a:t>Signal</a:t>
+            </a:r>
+            <a:endParaRPr sz="1600" b="0" dirty="0">
+              <a:latin typeface="Helvetica" pitchFamily="2" charset="0"/>
+            </a:endParaRPr>
+          </a:p>
+        </p:txBody>
+      </p:sp>
+      <p:sp>
+        <p:nvSpPr>
+          <p:cNvPr id="71" name="Right Arrow 70">
+            <a:extLst>
+              <a:ext uri="{FF2B5EF4-FFF2-40B4-BE49-F238E27FC236}">
+                <a16:creationId xmlns:a16="http://schemas.microsoft.com/office/drawing/2014/main" id="{10DAF26C-4D81-D344-A9AB-0A2C1AB560FF}"/>
+              </a:ext>
+            </a:extLst>
+          </p:cNvPr>
+          <p:cNvSpPr/>
+          <p:nvPr/>
+        </p:nvSpPr>
+        <p:spPr>
+          <a:xfrm>
+            <a:off x="15013266" y="1537803"/>
+            <a:ext cx="224114" cy="244933"/>
+          </a:xfrm>
+          <a:prstGeom prst="rightArrow">
+            <a:avLst/>
+          </a:prstGeom>
+          <a:solidFill>
+            <a:schemeClr val="tx1"/>
+          </a:solidFill>
+          <a:ln>
+            <a:solidFill>
+              <a:schemeClr val="tx1"/>
+            </a:solidFill>
+          </a:ln>
+        </p:spPr>
+        <p:style>
+          <a:lnRef idx="2">
+            <a:schemeClr val="accent1">
+              <a:shade val="50000"/>
+            </a:schemeClr>
+          </a:lnRef>
+          <a:fillRef idx="1">
+            <a:schemeClr val="accent1"/>
+          </a:fillRef>
+          <a:effectRef idx="0">
+            <a:schemeClr val="accent1"/>
+          </a:effectRef>
+          <a:fontRef idx="minor">
+            <a:schemeClr val="lt1"/>
+          </a:fontRef>
+        </p:style>
+        <p:txBody>
+          <a:bodyPr rtlCol="0" anchor="ctr"/>
+          <a:lstStyle/>
+          <a:p>
+            <a:pPr algn="ctr"/>
+            <a:endParaRPr lang="en-GB"/>
+          </a:p>
+        </p:txBody>
+      </p:sp>
       <p:grpSp>
         <p:nvGrpSpPr>
-          <p:cNvPr id="64" name="Group 63">
+          <p:cNvPr id="72" name="Group 71">
             <a:extLst>
               <a:ext uri="{FF2B5EF4-FFF2-40B4-BE49-F238E27FC236}">
-                <a16:creationId xmlns:a16="http://schemas.microsoft.com/office/drawing/2014/main" id="{13614EDD-49B7-E540-99E4-C63D8FDAA8FD}"/>
+                <a16:creationId xmlns:a16="http://schemas.microsoft.com/office/drawing/2014/main" id="{219FC061-26D7-1744-8E67-7A5511F0FB93}"/>
               </a:ext>
             </a:extLst>
           </p:cNvPr>
@@ -27997,1223 +28294,18 @@
         </p:nvGrpSpPr>
         <p:grpSpPr>
           <a:xfrm>
-            <a:off x="6927548" y="135080"/>
-            <a:ext cx="9345432" cy="3158496"/>
-            <a:chOff x="2732235" y="1444480"/>
-            <a:chExt cx="9345432" cy="3158496"/>
+            <a:off x="15297731" y="720522"/>
+            <a:ext cx="1718525" cy="454255"/>
+            <a:chOff x="2679032" y="4272236"/>
+            <a:chExt cx="2145048" cy="716859"/>
           </a:xfrm>
         </p:grpSpPr>
-        <p:grpSp>
-          <p:nvGrpSpPr>
-            <p:cNvPr id="65" name="Group 64">
+        <p:cxnSp>
+          <p:nvCxnSpPr>
+            <p:cNvPr id="75" name="Straight Connector 74">
               <a:extLst>
                 <a:ext uri="{FF2B5EF4-FFF2-40B4-BE49-F238E27FC236}">
-                  <a16:creationId xmlns:a16="http://schemas.microsoft.com/office/drawing/2014/main" id="{B353C784-0E3D-0746-9BCB-85E6A2569228}"/>
-                </a:ext>
-              </a:extLst>
-            </p:cNvPr>
-            <p:cNvGrpSpPr/>
-            <p:nvPr/>
-          </p:nvGrpSpPr>
-          <p:grpSpPr>
-            <a:xfrm>
-              <a:off x="9364495" y="1726573"/>
-              <a:ext cx="2713172" cy="2876403"/>
-              <a:chOff x="9364495" y="1264469"/>
-              <a:chExt cx="2713172" cy="2876403"/>
-            </a:xfrm>
-          </p:grpSpPr>
-          <p:sp>
-            <p:nvSpPr>
-              <p:cNvPr id="68" name="Shape 1155">
-                <a:extLst>
-                  <a:ext uri="{FF2B5EF4-FFF2-40B4-BE49-F238E27FC236}">
-                    <a16:creationId xmlns:a16="http://schemas.microsoft.com/office/drawing/2014/main" id="{53B5EF16-8BBC-B548-9384-4485FFD2ABAB}"/>
-                  </a:ext>
-                </a:extLst>
-              </p:cNvPr>
-              <p:cNvSpPr/>
-              <p:nvPr/>
-            </p:nvSpPr>
-            <p:spPr>
-              <a:xfrm rot="16200000">
-                <a:off x="8402713" y="2450366"/>
-                <a:ext cx="2876403" cy="504609"/>
-              </a:xfrm>
-              <a:prstGeom prst="rect">
-                <a:avLst/>
-              </a:prstGeom>
-              <a:solidFill>
-                <a:schemeClr val="accent1">
-                  <a:lumMod val="60000"/>
-                  <a:lumOff val="40000"/>
-                </a:schemeClr>
-              </a:solidFill>
-              <a:ln w="25400" cap="flat">
-                <a:solidFill>
-                  <a:schemeClr val="tx1"/>
-                </a:solidFill>
-                <a:miter lim="400000"/>
-              </a:ln>
-              <a:effectLst/>
-              <a:extLst>
-                <a:ext uri="{C572A759-6A51-4108-AA02-DFA0A04FC94B}">
-                  <ma14:wrappingTextBoxFlag xmlns:ma14="http://schemas.microsoft.com/office/mac/drawingml/2011/main" xmlns="" val="1"/>
-                </a:ext>
-              </a:extLst>
-            </p:spPr>
-            <p:txBody>
-              <a:bodyPr wrap="square" lIns="0" tIns="0" rIns="0" bIns="0" numCol="1" anchor="ctr">
-                <a:noAutofit/>
-              </a:bodyPr>
-              <a:lstStyle>
-                <a:lvl1pPr defTabSz="584200">
-                  <a:lnSpc>
-                    <a:spcPts val="1800"/>
-                  </a:lnSpc>
-                  <a:tabLst>
-                    <a:tab pos="1066800" algn="l"/>
-                  </a:tabLst>
-                  <a:defRPr sz="1500" b="1"/>
-                </a:lvl1pPr>
-              </a:lstStyle>
-              <a:p>
-                <a:pPr algn="ctr"/>
-                <a:r>
-                  <a:rPr lang="en-US" sz="1600" b="0" dirty="0">
-                    <a:latin typeface="Helvetica" pitchFamily="2" charset="0"/>
-                  </a:rPr>
-                  <a:t>DECONVOLUTION</a:t>
-                </a:r>
-                <a:endParaRPr sz="1600" b="0" dirty="0">
-                  <a:latin typeface="Helvetica" pitchFamily="2" charset="0"/>
-                </a:endParaRPr>
-              </a:p>
-            </p:txBody>
-          </p:sp>
-          <p:sp>
-            <p:nvSpPr>
-              <p:cNvPr id="69" name="Right Arrow 68">
-                <a:extLst>
-                  <a:ext uri="{FF2B5EF4-FFF2-40B4-BE49-F238E27FC236}">
-                    <a16:creationId xmlns:a16="http://schemas.microsoft.com/office/drawing/2014/main" id="{7C936FEC-7CA5-8849-B087-57DF5DDB594B}"/>
-                  </a:ext>
-                </a:extLst>
-              </p:cNvPr>
-              <p:cNvSpPr/>
-              <p:nvPr/>
-            </p:nvSpPr>
-            <p:spPr>
-              <a:xfrm>
-                <a:off x="9364495" y="2387951"/>
-                <a:ext cx="224114" cy="244933"/>
-              </a:xfrm>
-              <a:prstGeom prst="rightArrow">
-                <a:avLst/>
-              </a:prstGeom>
-              <a:solidFill>
-                <a:schemeClr val="tx1"/>
-              </a:solidFill>
-              <a:ln>
-                <a:solidFill>
-                  <a:schemeClr val="tx1"/>
-                </a:solidFill>
-              </a:ln>
-            </p:spPr>
-            <p:style>
-              <a:lnRef idx="2">
-                <a:schemeClr val="accent1">
-                  <a:shade val="50000"/>
-                </a:schemeClr>
-              </a:lnRef>
-              <a:fillRef idx="1">
-                <a:schemeClr val="accent1"/>
-              </a:fillRef>
-              <a:effectRef idx="0">
-                <a:schemeClr val="accent1"/>
-              </a:effectRef>
-              <a:fontRef idx="minor">
-                <a:schemeClr val="lt1"/>
-              </a:fontRef>
-            </p:style>
-            <p:txBody>
-              <a:bodyPr rtlCol="0" anchor="ctr"/>
-              <a:lstStyle/>
-              <a:p>
-                <a:pPr algn="ctr"/>
-                <a:endParaRPr lang="en-GB"/>
-              </a:p>
-            </p:txBody>
-          </p:sp>
-          <p:sp>
-            <p:nvSpPr>
-              <p:cNvPr id="70" name="Shape 1159">
-                <a:extLst>
-                  <a:ext uri="{FF2B5EF4-FFF2-40B4-BE49-F238E27FC236}">
-                    <a16:creationId xmlns:a16="http://schemas.microsoft.com/office/drawing/2014/main" id="{4A2DC02C-678D-7842-9F16-BEB4288EABD1}"/>
-                  </a:ext>
-                </a:extLst>
-              </p:cNvPr>
-              <p:cNvSpPr/>
-              <p:nvPr/>
-            </p:nvSpPr>
-            <p:spPr>
-              <a:xfrm>
-                <a:off x="10319732" y="2163838"/>
-                <a:ext cx="1718525" cy="696545"/>
-              </a:xfrm>
-              <a:prstGeom prst="rect">
-                <a:avLst/>
-              </a:prstGeom>
-              <a:noFill/>
-              <a:ln w="25400" cap="flat">
-                <a:solidFill>
-                  <a:schemeClr val="tx1"/>
-                </a:solidFill>
-                <a:miter lim="400000"/>
-              </a:ln>
-              <a:effectLst/>
-              <a:extLst>
-                <a:ext uri="{C572A759-6A51-4108-AA02-DFA0A04FC94B}">
-                  <ma14:wrappingTextBoxFlag xmlns:ma14="http://schemas.microsoft.com/office/mac/drawingml/2011/main" xmlns="" val="1"/>
-                </a:ext>
-              </a:extLst>
-            </p:spPr>
-            <p:txBody>
-              <a:bodyPr wrap="square" lIns="0" tIns="0" rIns="0" bIns="0" numCol="1" anchor="ctr">
-                <a:noAutofit/>
-              </a:bodyPr>
-              <a:lstStyle>
-                <a:lvl1pPr defTabSz="584200">
-                  <a:lnSpc>
-                    <a:spcPts val="1800"/>
-                  </a:lnSpc>
-                  <a:tabLst>
-                    <a:tab pos="1066800" algn="l"/>
-                  </a:tabLst>
-                  <a:defRPr sz="1500" b="1"/>
-                </a:lvl1pPr>
-              </a:lstStyle>
-              <a:p>
-                <a:pPr algn="ctr"/>
-                <a:r>
-                  <a:rPr lang="es-ES" sz="1600" b="0" dirty="0" err="1">
-                    <a:latin typeface="Helvetica" pitchFamily="2" charset="0"/>
-                  </a:rPr>
-                  <a:t>Estimated</a:t>
-                </a:r>
-                <a:r>
-                  <a:rPr lang="es-ES" sz="1600" b="0" dirty="0">
-                    <a:latin typeface="Helvetica" pitchFamily="2" charset="0"/>
-                  </a:rPr>
-                  <a:t> </a:t>
-                </a:r>
-                <a:r>
-                  <a:rPr lang="es-ES" sz="1600" b="0" dirty="0" err="1">
-                    <a:latin typeface="Helvetica" pitchFamily="2" charset="0"/>
-                  </a:rPr>
-                  <a:t>Activity</a:t>
-                </a:r>
-                <a:r>
-                  <a:rPr lang="es-ES" sz="1600" b="0" dirty="0">
-                    <a:latin typeface="Helvetica" pitchFamily="2" charset="0"/>
-                  </a:rPr>
-                  <a:t> </a:t>
-                </a:r>
-                <a:r>
-                  <a:rPr lang="es-ES" sz="1600" b="0" dirty="0" err="1">
-                    <a:latin typeface="Helvetica" pitchFamily="2" charset="0"/>
-                  </a:rPr>
-                  <a:t>Inducing</a:t>
-                </a:r>
-                <a:r>
-                  <a:rPr lang="es-ES" sz="1600" b="0" dirty="0">
-                    <a:latin typeface="Helvetica" pitchFamily="2" charset="0"/>
-                  </a:rPr>
-                  <a:t> </a:t>
-                </a:r>
-                <a:r>
-                  <a:rPr lang="es-ES" sz="1600" b="0" dirty="0" err="1">
-                    <a:latin typeface="Helvetica" pitchFamily="2" charset="0"/>
-                  </a:rPr>
-                  <a:t>Signal</a:t>
-                </a:r>
-                <a:endParaRPr sz="1600" b="0" dirty="0">
-                  <a:latin typeface="Helvetica" pitchFamily="2" charset="0"/>
-                </a:endParaRPr>
-              </a:p>
-            </p:txBody>
-          </p:sp>
-          <p:sp>
-            <p:nvSpPr>
-              <p:cNvPr id="71" name="Right Arrow 70">
-                <a:extLst>
-                  <a:ext uri="{FF2B5EF4-FFF2-40B4-BE49-F238E27FC236}">
-                    <a16:creationId xmlns:a16="http://schemas.microsoft.com/office/drawing/2014/main" id="{10DAF26C-4D81-D344-A9AB-0A2C1AB560FF}"/>
-                  </a:ext>
-                </a:extLst>
-              </p:cNvPr>
-              <p:cNvSpPr/>
-              <p:nvPr/>
-            </p:nvSpPr>
-            <p:spPr>
-              <a:xfrm>
-                <a:off x="10110071" y="2385099"/>
-                <a:ext cx="224114" cy="244933"/>
-              </a:xfrm>
-              <a:prstGeom prst="rightArrow">
-                <a:avLst/>
-              </a:prstGeom>
-              <a:solidFill>
-                <a:schemeClr val="tx1"/>
-              </a:solidFill>
-              <a:ln>
-                <a:solidFill>
-                  <a:schemeClr val="tx1"/>
-                </a:solidFill>
-              </a:ln>
-            </p:spPr>
-            <p:style>
-              <a:lnRef idx="2">
-                <a:schemeClr val="accent1">
-                  <a:shade val="50000"/>
-                </a:schemeClr>
-              </a:lnRef>
-              <a:fillRef idx="1">
-                <a:schemeClr val="accent1"/>
-              </a:fillRef>
-              <a:effectRef idx="0">
-                <a:schemeClr val="accent1"/>
-              </a:effectRef>
-              <a:fontRef idx="minor">
-                <a:schemeClr val="lt1"/>
-              </a:fontRef>
-            </p:style>
-            <p:txBody>
-              <a:bodyPr rtlCol="0" anchor="ctr"/>
-              <a:lstStyle/>
-              <a:p>
-                <a:pPr algn="ctr"/>
-                <a:endParaRPr lang="en-GB"/>
-              </a:p>
-            </p:txBody>
-          </p:sp>
-          <p:grpSp>
-            <p:nvGrpSpPr>
-              <p:cNvPr id="72" name="Group 71">
-                <a:extLst>
-                  <a:ext uri="{FF2B5EF4-FFF2-40B4-BE49-F238E27FC236}">
-                    <a16:creationId xmlns:a16="http://schemas.microsoft.com/office/drawing/2014/main" id="{219FC061-26D7-1744-8E67-7A5511F0FB93}"/>
-                  </a:ext>
-                </a:extLst>
-              </p:cNvPr>
-              <p:cNvGrpSpPr/>
-              <p:nvPr/>
-            </p:nvGrpSpPr>
-            <p:grpSpPr>
-              <a:xfrm>
-                <a:off x="10359142" y="1567818"/>
-                <a:ext cx="1718525" cy="454255"/>
-                <a:chOff x="2679032" y="4272236"/>
-                <a:chExt cx="2145048" cy="716859"/>
-              </a:xfrm>
-            </p:grpSpPr>
-            <p:cxnSp>
-              <p:nvCxnSpPr>
-                <p:cNvPr id="75" name="Straight Connector 74">
-                  <a:extLst>
-                    <a:ext uri="{FF2B5EF4-FFF2-40B4-BE49-F238E27FC236}">
-                      <a16:creationId xmlns:a16="http://schemas.microsoft.com/office/drawing/2014/main" id="{7D93B529-46FD-C343-8217-05A414720764}"/>
-                    </a:ext>
-                  </a:extLst>
-                </p:cNvPr>
-                <p:cNvCxnSpPr>
-                  <a:cxnSpLocks/>
-                </p:cNvCxnSpPr>
-                <p:nvPr/>
-              </p:nvCxnSpPr>
-              <p:spPr>
-                <a:xfrm>
-                  <a:off x="2775284" y="4892842"/>
-                  <a:ext cx="1828800" cy="0"/>
-                </a:xfrm>
-                <a:prstGeom prst="line">
-                  <a:avLst/>
-                </a:prstGeom>
-                <a:solidFill>
-                  <a:schemeClr val="bg1"/>
-                </a:solidFill>
-                <a:ln w="31750">
-                  <a:solidFill>
-                    <a:schemeClr val="tx1"/>
-                  </a:solidFill>
-                </a:ln>
-              </p:spPr>
-              <p:style>
-                <a:lnRef idx="1">
-                  <a:schemeClr val="accent1"/>
-                </a:lnRef>
-                <a:fillRef idx="0">
-                  <a:schemeClr val="accent1"/>
-                </a:fillRef>
-                <a:effectRef idx="0">
-                  <a:schemeClr val="accent1"/>
-                </a:effectRef>
-                <a:fontRef idx="minor">
-                  <a:schemeClr val="tx1"/>
-                </a:fontRef>
-              </p:style>
-            </p:cxnSp>
-            <p:cxnSp>
-              <p:nvCxnSpPr>
-                <p:cNvPr id="76" name="Straight Connector 75">
-                  <a:extLst>
-                    <a:ext uri="{FF2B5EF4-FFF2-40B4-BE49-F238E27FC236}">
-                      <a16:creationId xmlns:a16="http://schemas.microsoft.com/office/drawing/2014/main" id="{78C0C5AE-2B74-3D44-996E-101550ACE8E6}"/>
-                    </a:ext>
-                  </a:extLst>
-                </p:cNvPr>
-                <p:cNvCxnSpPr>
-                  <a:cxnSpLocks/>
-                </p:cNvCxnSpPr>
-                <p:nvPr/>
-              </p:nvCxnSpPr>
-              <p:spPr>
-                <a:xfrm flipV="1">
-                  <a:off x="2967789" y="4272238"/>
-                  <a:ext cx="0" cy="620604"/>
-                </a:xfrm>
-                <a:prstGeom prst="line">
-                  <a:avLst/>
-                </a:prstGeom>
-                <a:solidFill>
-                  <a:schemeClr val="bg1"/>
-                </a:solidFill>
-                <a:ln w="31750">
-                  <a:solidFill>
-                    <a:schemeClr val="tx1"/>
-                  </a:solidFill>
-                </a:ln>
-              </p:spPr>
-              <p:style>
-                <a:lnRef idx="1">
-                  <a:schemeClr val="accent1"/>
-                </a:lnRef>
-                <a:fillRef idx="0">
-                  <a:schemeClr val="accent1"/>
-                </a:fillRef>
-                <a:effectRef idx="0">
-                  <a:schemeClr val="accent1"/>
-                </a:effectRef>
-                <a:fontRef idx="minor">
-                  <a:schemeClr val="tx1"/>
-                </a:fontRef>
-              </p:style>
-            </p:cxnSp>
-            <p:cxnSp>
-              <p:nvCxnSpPr>
-                <p:cNvPr id="77" name="Straight Connector 76">
-                  <a:extLst>
-                    <a:ext uri="{FF2B5EF4-FFF2-40B4-BE49-F238E27FC236}">
-                      <a16:creationId xmlns:a16="http://schemas.microsoft.com/office/drawing/2014/main" id="{B783B5FB-DE6E-034B-B5D9-FF428D2C4971}"/>
-                    </a:ext>
-                  </a:extLst>
-                </p:cNvPr>
-                <p:cNvCxnSpPr>
-                  <a:cxnSpLocks/>
-                </p:cNvCxnSpPr>
-                <p:nvPr/>
-              </p:nvCxnSpPr>
-              <p:spPr>
-                <a:xfrm flipV="1">
-                  <a:off x="3039979" y="4272238"/>
-                  <a:ext cx="0" cy="620606"/>
-                </a:xfrm>
-                <a:prstGeom prst="line">
-                  <a:avLst/>
-                </a:prstGeom>
-                <a:solidFill>
-                  <a:schemeClr val="bg1"/>
-                </a:solidFill>
-                <a:ln w="31750">
-                  <a:solidFill>
-                    <a:schemeClr val="tx1"/>
-                  </a:solidFill>
-                </a:ln>
-              </p:spPr>
-              <p:style>
-                <a:lnRef idx="1">
-                  <a:schemeClr val="accent1"/>
-                </a:lnRef>
-                <a:fillRef idx="0">
-                  <a:schemeClr val="accent1"/>
-                </a:fillRef>
-                <a:effectRef idx="0">
-                  <a:schemeClr val="accent1"/>
-                </a:effectRef>
-                <a:fontRef idx="minor">
-                  <a:schemeClr val="tx1"/>
-                </a:fontRef>
-              </p:style>
-            </p:cxnSp>
-            <p:cxnSp>
-              <p:nvCxnSpPr>
-                <p:cNvPr id="78" name="Straight Connector 77">
-                  <a:extLst>
-                    <a:ext uri="{FF2B5EF4-FFF2-40B4-BE49-F238E27FC236}">
-                      <a16:creationId xmlns:a16="http://schemas.microsoft.com/office/drawing/2014/main" id="{5C738802-986C-5543-A6DD-9E040F7A4415}"/>
-                    </a:ext>
-                  </a:extLst>
-                </p:cNvPr>
-                <p:cNvCxnSpPr>
-                  <a:cxnSpLocks/>
-                </p:cNvCxnSpPr>
-                <p:nvPr/>
-              </p:nvCxnSpPr>
-              <p:spPr>
-                <a:xfrm flipV="1">
-                  <a:off x="3449052" y="4272238"/>
-                  <a:ext cx="0" cy="620606"/>
-                </a:xfrm>
-                <a:prstGeom prst="line">
-                  <a:avLst/>
-                </a:prstGeom>
-                <a:solidFill>
-                  <a:schemeClr val="bg1"/>
-                </a:solidFill>
-                <a:ln w="31750">
-                  <a:solidFill>
-                    <a:schemeClr val="tx1"/>
-                  </a:solidFill>
-                </a:ln>
-              </p:spPr>
-              <p:style>
-                <a:lnRef idx="1">
-                  <a:schemeClr val="accent1"/>
-                </a:lnRef>
-                <a:fillRef idx="0">
-                  <a:schemeClr val="accent1"/>
-                </a:fillRef>
-                <a:effectRef idx="0">
-                  <a:schemeClr val="accent1"/>
-                </a:effectRef>
-                <a:fontRef idx="minor">
-                  <a:schemeClr val="tx1"/>
-                </a:fontRef>
-              </p:style>
-            </p:cxnSp>
-            <p:cxnSp>
-              <p:nvCxnSpPr>
-                <p:cNvPr id="79" name="Straight Connector 78">
-                  <a:extLst>
-                    <a:ext uri="{FF2B5EF4-FFF2-40B4-BE49-F238E27FC236}">
-                      <a16:creationId xmlns:a16="http://schemas.microsoft.com/office/drawing/2014/main" id="{1E68F6DB-BD94-EE45-A1F8-B8192B3F7FD2}"/>
-                    </a:ext>
-                  </a:extLst>
-                </p:cNvPr>
-                <p:cNvCxnSpPr>
-                  <a:cxnSpLocks/>
-                </p:cNvCxnSpPr>
-                <p:nvPr/>
-              </p:nvCxnSpPr>
-              <p:spPr>
-                <a:xfrm flipV="1">
-                  <a:off x="3521243" y="4272238"/>
-                  <a:ext cx="0" cy="620606"/>
-                </a:xfrm>
-                <a:prstGeom prst="line">
-                  <a:avLst/>
-                </a:prstGeom>
-                <a:solidFill>
-                  <a:schemeClr val="bg1"/>
-                </a:solidFill>
-                <a:ln w="31750">
-                  <a:solidFill>
-                    <a:schemeClr val="tx1"/>
-                  </a:solidFill>
-                </a:ln>
-              </p:spPr>
-              <p:style>
-                <a:lnRef idx="1">
-                  <a:schemeClr val="accent1"/>
-                </a:lnRef>
-                <a:fillRef idx="0">
-                  <a:schemeClr val="accent1"/>
-                </a:fillRef>
-                <a:effectRef idx="0">
-                  <a:schemeClr val="accent1"/>
-                </a:effectRef>
-                <a:fontRef idx="minor">
-                  <a:schemeClr val="tx1"/>
-                </a:fontRef>
-              </p:style>
-            </p:cxnSp>
-            <p:cxnSp>
-              <p:nvCxnSpPr>
-                <p:cNvPr id="80" name="Straight Connector 79">
-                  <a:extLst>
-                    <a:ext uri="{FF2B5EF4-FFF2-40B4-BE49-F238E27FC236}">
-                      <a16:creationId xmlns:a16="http://schemas.microsoft.com/office/drawing/2014/main" id="{364B11BC-9050-DE4A-BC0C-E37C94B38976}"/>
-                    </a:ext>
-                  </a:extLst>
-                </p:cNvPr>
-                <p:cNvCxnSpPr>
-                  <a:cxnSpLocks/>
-                </p:cNvCxnSpPr>
-                <p:nvPr/>
-              </p:nvCxnSpPr>
-              <p:spPr>
-                <a:xfrm flipV="1">
-                  <a:off x="3673642" y="4272236"/>
-                  <a:ext cx="0" cy="620606"/>
-                </a:xfrm>
-                <a:prstGeom prst="line">
-                  <a:avLst/>
-                </a:prstGeom>
-                <a:solidFill>
-                  <a:schemeClr val="bg1"/>
-                </a:solidFill>
-                <a:ln w="31750">
-                  <a:solidFill>
-                    <a:schemeClr val="tx1"/>
-                  </a:solidFill>
-                </a:ln>
-              </p:spPr>
-              <p:style>
-                <a:lnRef idx="1">
-                  <a:schemeClr val="accent1"/>
-                </a:lnRef>
-                <a:fillRef idx="0">
-                  <a:schemeClr val="accent1"/>
-                </a:fillRef>
-                <a:effectRef idx="0">
-                  <a:schemeClr val="accent1"/>
-                </a:effectRef>
-                <a:fontRef idx="minor">
-                  <a:schemeClr val="tx1"/>
-                </a:fontRef>
-              </p:style>
-            </p:cxnSp>
-            <p:cxnSp>
-              <p:nvCxnSpPr>
-                <p:cNvPr id="81" name="Straight Connector 80">
-                  <a:extLst>
-                    <a:ext uri="{FF2B5EF4-FFF2-40B4-BE49-F238E27FC236}">
-                      <a16:creationId xmlns:a16="http://schemas.microsoft.com/office/drawing/2014/main" id="{D9ADFC1E-8577-6F40-A0CB-53CED459E11F}"/>
-                    </a:ext>
-                  </a:extLst>
-                </p:cNvPr>
-                <p:cNvCxnSpPr>
-                  <a:cxnSpLocks/>
-                </p:cNvCxnSpPr>
-                <p:nvPr/>
-              </p:nvCxnSpPr>
-              <p:spPr>
-                <a:xfrm flipV="1">
-                  <a:off x="3745832" y="4272238"/>
-                  <a:ext cx="0" cy="620606"/>
-                </a:xfrm>
-                <a:prstGeom prst="line">
-                  <a:avLst/>
-                </a:prstGeom>
-                <a:solidFill>
-                  <a:schemeClr val="bg1"/>
-                </a:solidFill>
-                <a:ln w="31750">
-                  <a:solidFill>
-                    <a:schemeClr val="tx1"/>
-                  </a:solidFill>
-                </a:ln>
-              </p:spPr>
-              <p:style>
-                <a:lnRef idx="1">
-                  <a:schemeClr val="accent1"/>
-                </a:lnRef>
-                <a:fillRef idx="0">
-                  <a:schemeClr val="accent1"/>
-                </a:fillRef>
-                <a:effectRef idx="0">
-                  <a:schemeClr val="accent1"/>
-                </a:effectRef>
-                <a:fontRef idx="minor">
-                  <a:schemeClr val="tx1"/>
-                </a:fontRef>
-              </p:style>
-            </p:cxnSp>
-            <p:cxnSp>
-              <p:nvCxnSpPr>
-                <p:cNvPr id="82" name="Straight Connector 81">
-                  <a:extLst>
-                    <a:ext uri="{FF2B5EF4-FFF2-40B4-BE49-F238E27FC236}">
-                      <a16:creationId xmlns:a16="http://schemas.microsoft.com/office/drawing/2014/main" id="{1EBFF66B-4318-D34C-AB4E-0C635A148D2C}"/>
-                    </a:ext>
-                  </a:extLst>
-                </p:cNvPr>
-                <p:cNvCxnSpPr>
-                  <a:cxnSpLocks/>
-                </p:cNvCxnSpPr>
-                <p:nvPr/>
-              </p:nvCxnSpPr>
-              <p:spPr>
-                <a:xfrm flipV="1">
-                  <a:off x="3818022" y="4272238"/>
-                  <a:ext cx="0" cy="620606"/>
-                </a:xfrm>
-                <a:prstGeom prst="line">
-                  <a:avLst/>
-                </a:prstGeom>
-                <a:solidFill>
-                  <a:schemeClr val="bg1"/>
-                </a:solidFill>
-                <a:ln w="31750">
-                  <a:solidFill>
-                    <a:schemeClr val="tx1"/>
-                  </a:solidFill>
-                </a:ln>
-              </p:spPr>
-              <p:style>
-                <a:lnRef idx="1">
-                  <a:schemeClr val="accent1"/>
-                </a:lnRef>
-                <a:fillRef idx="0">
-                  <a:schemeClr val="accent1"/>
-                </a:fillRef>
-                <a:effectRef idx="0">
-                  <a:schemeClr val="accent1"/>
-                </a:effectRef>
-                <a:fontRef idx="minor">
-                  <a:schemeClr val="tx1"/>
-                </a:fontRef>
-              </p:style>
-            </p:cxnSp>
-            <p:cxnSp>
-              <p:nvCxnSpPr>
-                <p:cNvPr id="83" name="Straight Connector 82">
-                  <a:extLst>
-                    <a:ext uri="{FF2B5EF4-FFF2-40B4-BE49-F238E27FC236}">
-                      <a16:creationId xmlns:a16="http://schemas.microsoft.com/office/drawing/2014/main" id="{84B12A09-CF89-D94F-A688-45114508CDF7}"/>
-                    </a:ext>
-                  </a:extLst>
-                </p:cNvPr>
-                <p:cNvCxnSpPr>
-                  <a:cxnSpLocks/>
-                </p:cNvCxnSpPr>
-                <p:nvPr/>
-              </p:nvCxnSpPr>
-              <p:spPr>
-                <a:xfrm flipV="1">
-                  <a:off x="4150206" y="4272238"/>
-                  <a:ext cx="0" cy="620606"/>
-                </a:xfrm>
-                <a:prstGeom prst="line">
-                  <a:avLst/>
-                </a:prstGeom>
-                <a:solidFill>
-                  <a:schemeClr val="bg1"/>
-                </a:solidFill>
-                <a:ln w="31750">
-                  <a:solidFill>
-                    <a:schemeClr val="tx1"/>
-                  </a:solidFill>
-                </a:ln>
-              </p:spPr>
-              <p:style>
-                <a:lnRef idx="1">
-                  <a:schemeClr val="accent1"/>
-                </a:lnRef>
-                <a:fillRef idx="0">
-                  <a:schemeClr val="accent1"/>
-                </a:fillRef>
-                <a:effectRef idx="0">
-                  <a:schemeClr val="accent1"/>
-                </a:effectRef>
-                <a:fontRef idx="minor">
-                  <a:schemeClr val="tx1"/>
-                </a:fontRef>
-              </p:style>
-            </p:cxnSp>
-            <p:cxnSp>
-              <p:nvCxnSpPr>
-                <p:cNvPr id="84" name="Straight Connector 83">
-                  <a:extLst>
-                    <a:ext uri="{FF2B5EF4-FFF2-40B4-BE49-F238E27FC236}">
-                      <a16:creationId xmlns:a16="http://schemas.microsoft.com/office/drawing/2014/main" id="{0E714B0B-82ED-674E-8827-82B779AB457C}"/>
-                    </a:ext>
-                  </a:extLst>
-                </p:cNvPr>
-                <p:cNvCxnSpPr>
-                  <a:cxnSpLocks/>
-                </p:cNvCxnSpPr>
-                <p:nvPr/>
-              </p:nvCxnSpPr>
-              <p:spPr>
-                <a:xfrm>
-                  <a:off x="2679032" y="4989095"/>
-                  <a:ext cx="2037347" cy="0"/>
-                </a:xfrm>
-                <a:prstGeom prst="line">
-                  <a:avLst/>
-                </a:prstGeom>
-                <a:solidFill>
-                  <a:schemeClr val="bg1"/>
-                </a:solidFill>
-                <a:ln w="31750">
-                  <a:solidFill>
-                    <a:schemeClr val="tx1"/>
-                  </a:solidFill>
-                  <a:tailEnd type="triangle"/>
-                </a:ln>
-              </p:spPr>
-              <p:style>
-                <a:lnRef idx="1">
-                  <a:schemeClr val="accent1"/>
-                </a:lnRef>
-                <a:fillRef idx="0">
-                  <a:schemeClr val="accent1"/>
-                </a:fillRef>
-                <a:effectRef idx="0">
-                  <a:schemeClr val="accent1"/>
-                </a:effectRef>
-                <a:fontRef idx="minor">
-                  <a:schemeClr val="tx1"/>
-                </a:fontRef>
-              </p:style>
-            </p:cxnSp>
-            <p:sp>
-              <p:nvSpPr>
-                <p:cNvPr id="85" name="TextBox 84">
-                  <a:extLst>
-                    <a:ext uri="{FF2B5EF4-FFF2-40B4-BE49-F238E27FC236}">
-                      <a16:creationId xmlns:a16="http://schemas.microsoft.com/office/drawing/2014/main" id="{65D95083-A18F-4B4A-BA18-7CA1728513CE}"/>
-                    </a:ext>
-                  </a:extLst>
-                </p:cNvPr>
-                <p:cNvSpPr txBox="1"/>
-                <p:nvPr/>
-              </p:nvSpPr>
-              <p:spPr>
-                <a:xfrm>
-                  <a:off x="4205415" y="4536528"/>
-                  <a:ext cx="618665" cy="437131"/>
-                </a:xfrm>
-                <a:prstGeom prst="rect">
-                  <a:avLst/>
-                </a:prstGeom>
-                <a:noFill/>
-                <a:ln>
-                  <a:noFill/>
-                </a:ln>
-              </p:spPr>
-              <p:txBody>
-                <a:bodyPr wrap="none" rtlCol="0">
-                  <a:spAutoFit/>
-                </a:bodyPr>
-                <a:lstStyle/>
-                <a:p>
-                  <a:r>
-                    <a:rPr lang="en-US" sz="1200" dirty="0"/>
-                    <a:t>Time</a:t>
-                  </a:r>
-                </a:p>
-              </p:txBody>
-            </p:sp>
-          </p:grpSp>
-          <mc:AlternateContent xmlns:mc="http://schemas.openxmlformats.org/markup-compatibility/2006" xmlns:a14="http://schemas.microsoft.com/office/drawing/2010/main">
-            <mc:Choice Requires="a14">
-              <p:sp>
-                <p:nvSpPr>
-                  <p:cNvPr id="73" name="TextBox 72">
-                    <a:extLst>
-                      <a:ext uri="{FF2B5EF4-FFF2-40B4-BE49-F238E27FC236}">
-                        <a16:creationId xmlns:a16="http://schemas.microsoft.com/office/drawing/2014/main" id="{7B8CDB41-DE12-8442-BDA7-8600B03D0424}"/>
-                      </a:ext>
-                    </a:extLst>
-                  </p:cNvPr>
-                  <p:cNvSpPr txBox="1"/>
-                  <p:nvPr/>
-                </p:nvSpPr>
-                <p:spPr>
-                  <a:xfrm>
-                    <a:off x="10938166" y="3271919"/>
-                    <a:ext cx="551305" cy="246221"/>
-                  </a:xfrm>
-                  <a:prstGeom prst="rect">
-                    <a:avLst/>
-                  </a:prstGeom>
-                  <a:noFill/>
-                </p:spPr>
-                <p:txBody>
-                  <a:bodyPr wrap="none" lIns="0" tIns="0" rIns="0" bIns="0" rtlCol="0">
-                    <a:spAutoFit/>
-                  </a:bodyPr>
-                  <a:lstStyle/>
-                  <a:p>
-                    <a:pPr/>
-                    <a14:m>
-                      <m:oMathPara xmlns:m="http://schemas.openxmlformats.org/officeDocument/2006/math">
-                        <m:oMathParaPr>
-                          <m:jc m:val="centerGroup"/>
-                        </m:oMathParaPr>
-                        <m:oMath xmlns:m="http://schemas.openxmlformats.org/officeDocument/2006/math">
-                          <m:r>
-                            <a:rPr lang="es-ES" sz="1600" i="1" smtClean="0">
-                              <a:latin typeface="Cambria Math" panose="02040503050406030204" pitchFamily="18" charset="0"/>
-                              <a:ea typeface="Cambria Math" panose="02040503050406030204" pitchFamily="18" charset="0"/>
-                            </a:rPr>
-                            <m:t>∆</m:t>
-                          </m:r>
-                          <m:acc>
-                            <m:accPr>
-                              <m:chr m:val="̂"/>
-                              <m:ctrlPr>
-                                <a:rPr lang="es-ES" sz="1600" i="1">
-                                  <a:latin typeface="Cambria Math" panose="02040503050406030204" pitchFamily="18" charset="0"/>
-                                  <a:ea typeface="Cambria Math" panose="02040503050406030204" pitchFamily="18" charset="0"/>
-                                </a:rPr>
-                              </m:ctrlPr>
-                            </m:accPr>
-                            <m:e>
-                              <m:r>
-                                <a:rPr lang="es-ES" sz="1600" b="0" i="1" smtClean="0">
-                                  <a:latin typeface="Cambria Math" panose="02040503050406030204" pitchFamily="18" charset="0"/>
-                                  <a:ea typeface="Cambria Math" panose="02040503050406030204" pitchFamily="18" charset="0"/>
-                                </a:rPr>
-                                <m:t>𝑠</m:t>
-                              </m:r>
-                            </m:e>
-                          </m:acc>
-                          <m:d>
-                            <m:dPr>
-                              <m:begChr m:val="["/>
-                              <m:endChr m:val="]"/>
-                              <m:ctrlPr>
-                                <a:rPr lang="es-ES" sz="1600" i="1">
-                                  <a:latin typeface="Cambria Math" panose="02040503050406030204" pitchFamily="18" charset="0"/>
-                                  <a:ea typeface="Cambria Math" panose="02040503050406030204" pitchFamily="18" charset="0"/>
-                                </a:rPr>
-                              </m:ctrlPr>
-                            </m:dPr>
-                            <m:e>
-                              <m:r>
-                                <a:rPr lang="es-ES" sz="1600" i="1">
-                                  <a:latin typeface="Cambria Math" panose="02040503050406030204" pitchFamily="18" charset="0"/>
-                                  <a:ea typeface="Cambria Math" panose="02040503050406030204" pitchFamily="18" charset="0"/>
-                                </a:rPr>
-                                <m:t>𝑛</m:t>
-                              </m:r>
-                            </m:e>
-                          </m:d>
-                        </m:oMath>
-                      </m:oMathPara>
-                    </a14:m>
-                    <a:endParaRPr lang="en-GB" sz="1600" dirty="0"/>
-                  </a:p>
-                </p:txBody>
-              </p:sp>
-            </mc:Choice>
-            <mc:Fallback xmlns="">
-              <p:sp>
-                <p:nvSpPr>
-                  <p:cNvPr id="73" name="TextBox 72">
-                    <a:extLst>
-                      <a:ext uri="{FF2B5EF4-FFF2-40B4-BE49-F238E27FC236}">
-                        <a16:creationId xmlns:a16="http://schemas.microsoft.com/office/drawing/2014/main" id="{7B8CDB41-DE12-8442-BDA7-8600B03D0424}"/>
-                      </a:ext>
-                    </a:extLst>
-                  </p:cNvPr>
-                  <p:cNvSpPr txBox="1">
-                    <a:spLocks noRot="1" noChangeAspect="1" noMove="1" noResize="1" noEditPoints="1" noAdjustHandles="1" noChangeArrowheads="1" noChangeShapeType="1" noTextEdit="1"/>
-                  </p:cNvSpPr>
-                  <p:nvPr/>
-                </p:nvSpPr>
-                <p:spPr>
-                  <a:xfrm>
-                    <a:off x="10938166" y="3271919"/>
-                    <a:ext cx="551305" cy="246221"/>
-                  </a:xfrm>
-                  <a:prstGeom prst="rect">
-                    <a:avLst/>
-                  </a:prstGeom>
-                  <a:blipFill>
-                    <a:blip r:embed="rId18"/>
-                    <a:stretch>
-                      <a:fillRect l="-6667" t="-20000" b="-5000"/>
-                    </a:stretch>
-                  </a:blipFill>
-                </p:spPr>
-                <p:txBody>
-                  <a:bodyPr/>
-                  <a:lstStyle/>
-                  <a:p>
-                    <a:r>
-                      <a:rPr lang="en-US">
-                        <a:noFill/>
-                      </a:rPr>
-                      <a:t> </a:t>
-                    </a:r>
-                  </a:p>
-                </p:txBody>
-              </p:sp>
-            </mc:Fallback>
-          </mc:AlternateContent>
-          <mc:AlternateContent xmlns:mc="http://schemas.openxmlformats.org/markup-compatibility/2006" xmlns:a14="http://schemas.microsoft.com/office/drawing/2010/main">
-            <mc:Choice Requires="a14">
-              <p:sp>
-                <p:nvSpPr>
-                  <p:cNvPr id="74" name="TextBox 73">
-                    <a:extLst>
-                      <a:ext uri="{FF2B5EF4-FFF2-40B4-BE49-F238E27FC236}">
-                        <a16:creationId xmlns:a16="http://schemas.microsoft.com/office/drawing/2014/main" id="{74621D12-5B83-A740-B345-C57B1678A833}"/>
-                      </a:ext>
-                    </a:extLst>
-                  </p:cNvPr>
-                  <p:cNvSpPr txBox="1"/>
-                  <p:nvPr/>
-                </p:nvSpPr>
-                <p:spPr>
-                  <a:xfrm>
-                    <a:off x="10274120" y="3562961"/>
-                    <a:ext cx="1691617" cy="246221"/>
-                  </a:xfrm>
-                  <a:prstGeom prst="rect">
-                    <a:avLst/>
-                  </a:prstGeom>
-                  <a:noFill/>
-                </p:spPr>
-                <p:txBody>
-                  <a:bodyPr wrap="none" lIns="0" tIns="0" rIns="0" bIns="0" rtlCol="0">
-                    <a:spAutoFit/>
-                  </a:bodyPr>
-                  <a:lstStyle/>
-                  <a:p>
-                    <a:pPr/>
-                    <a14:m>
-                      <m:oMathPara xmlns:m="http://schemas.openxmlformats.org/officeDocument/2006/math">
-                        <m:oMathParaPr>
-                          <m:jc m:val="centerGroup"/>
-                        </m:oMathParaPr>
-                        <m:oMath xmlns:m="http://schemas.openxmlformats.org/officeDocument/2006/math">
-                          <m:r>
-                            <a:rPr lang="es-ES" sz="1600" i="1" smtClean="0">
-                              <a:latin typeface="Cambria Math" panose="02040503050406030204" pitchFamily="18" charset="0"/>
-                              <a:ea typeface="Cambria Math" panose="02040503050406030204" pitchFamily="18" charset="0"/>
-                            </a:rPr>
-                            <m:t>∆</m:t>
-                          </m:r>
-                          <m:r>
-                            <a:rPr lang="es-ES" sz="1600" b="1" i="1" smtClean="0">
-                              <a:latin typeface="Cambria Math" panose="02040503050406030204" pitchFamily="18" charset="0"/>
-                              <a:ea typeface="Cambria Math" panose="02040503050406030204" pitchFamily="18" charset="0"/>
-                            </a:rPr>
-                            <m:t>𝒔</m:t>
-                          </m:r>
-                          <m:r>
-                            <a:rPr lang="es-ES" sz="1600" b="1">
-                              <a:latin typeface="Cambria Math" panose="02040503050406030204" pitchFamily="18" charset="0"/>
-                              <a:ea typeface="Cambria Math" panose="02040503050406030204" pitchFamily="18" charset="0"/>
-                            </a:rPr>
-                            <m:t>=</m:t>
-                          </m:r>
-                          <m:d>
-                            <m:dPr>
-                              <m:begChr m:val="["/>
-                              <m:endChr m:val="]"/>
-                              <m:ctrlPr>
-                                <a:rPr lang="es-ES" sz="1600" b="1" i="1">
-                                  <a:latin typeface="Cambria Math" panose="02040503050406030204" pitchFamily="18" charset="0"/>
-                                  <a:ea typeface="Cambria Math" panose="02040503050406030204" pitchFamily="18" charset="0"/>
-                                </a:rPr>
-                              </m:ctrlPr>
-                            </m:dPr>
-                            <m:e>
-                              <m:sSub>
-                                <m:sSubPr>
-                                  <m:ctrlPr>
-                                    <a:rPr lang="es-ES" sz="1600" b="1" i="1">
-                                      <a:latin typeface="Cambria Math" panose="02040503050406030204" pitchFamily="18" charset="0"/>
-                                      <a:ea typeface="Cambria Math" panose="02040503050406030204" pitchFamily="18" charset="0"/>
-                                    </a:rPr>
-                                  </m:ctrlPr>
-                                </m:sSubPr>
-                                <m:e>
-                                  <m:r>
-                                    <a:rPr lang="es-ES" sz="1600" b="1" i="1">
-                                      <a:latin typeface="Cambria Math" panose="02040503050406030204" pitchFamily="18" charset="0"/>
-                                      <a:ea typeface="Cambria Math" panose="02040503050406030204" pitchFamily="18" charset="0"/>
-                                    </a:rPr>
-                                    <m:t>∆</m:t>
-                                  </m:r>
-                                  <m:r>
-                                    <a:rPr lang="es-ES" sz="1600" b="0" i="1" smtClean="0">
-                                      <a:latin typeface="Cambria Math" panose="02040503050406030204" pitchFamily="18" charset="0"/>
-                                      <a:ea typeface="Cambria Math" panose="02040503050406030204" pitchFamily="18" charset="0"/>
-                                    </a:rPr>
-                                    <m:t>𝑠</m:t>
-                                  </m:r>
-                                </m:e>
-                                <m:sub>
-                                  <m:r>
-                                    <a:rPr lang="es-ES" sz="1600" b="1" i="1">
-                                      <a:latin typeface="Cambria Math" panose="02040503050406030204" pitchFamily="18" charset="0"/>
-                                      <a:ea typeface="Cambria Math" panose="02040503050406030204" pitchFamily="18" charset="0"/>
-                                    </a:rPr>
-                                    <m:t>𝟏</m:t>
-                                  </m:r>
-                                </m:sub>
-                              </m:sSub>
-                              <m:r>
-                                <a:rPr lang="es-ES" sz="1600" b="1" i="1">
-                                  <a:latin typeface="Cambria Math" panose="02040503050406030204" pitchFamily="18" charset="0"/>
-                                  <a:ea typeface="Cambria Math" panose="02040503050406030204" pitchFamily="18" charset="0"/>
-                                </a:rPr>
-                                <m:t>,⋯,</m:t>
-                              </m:r>
-                              <m:sSub>
-                                <m:sSubPr>
-                                  <m:ctrlPr>
-                                    <a:rPr lang="es-ES" sz="1600" b="1" i="1">
-                                      <a:latin typeface="Cambria Math" panose="02040503050406030204" pitchFamily="18" charset="0"/>
-                                      <a:ea typeface="Cambria Math" panose="02040503050406030204" pitchFamily="18" charset="0"/>
-                                    </a:rPr>
-                                  </m:ctrlPr>
-                                </m:sSubPr>
-                                <m:e>
-                                  <m:r>
-                                    <a:rPr lang="es-ES" sz="1600" b="1" i="1">
-                                      <a:latin typeface="Cambria Math" panose="02040503050406030204" pitchFamily="18" charset="0"/>
-                                      <a:ea typeface="Cambria Math" panose="02040503050406030204" pitchFamily="18" charset="0"/>
-                                    </a:rPr>
-                                    <m:t>∆</m:t>
-                                  </m:r>
-                                  <m:r>
-                                    <a:rPr lang="es-ES" sz="1600" b="0" i="1" smtClean="0">
-                                      <a:latin typeface="Cambria Math" panose="02040503050406030204" pitchFamily="18" charset="0"/>
-                                      <a:ea typeface="Cambria Math" panose="02040503050406030204" pitchFamily="18" charset="0"/>
-                                    </a:rPr>
-                                    <m:t>𝑠</m:t>
-                                  </m:r>
-                                </m:e>
-                                <m:sub>
-                                  <m:r>
-                                    <a:rPr lang="es-ES" sz="1600" i="1">
-                                      <a:latin typeface="Cambria Math" panose="02040503050406030204" pitchFamily="18" charset="0"/>
-                                      <a:ea typeface="Cambria Math" panose="02040503050406030204" pitchFamily="18" charset="0"/>
-                                    </a:rPr>
-                                    <m:t>𝑁</m:t>
-                                  </m:r>
-                                </m:sub>
-                              </m:sSub>
-                            </m:e>
-                          </m:d>
-                        </m:oMath>
-                      </m:oMathPara>
-                    </a14:m>
-                    <a:endParaRPr lang="en-GB" sz="1600" b="1" dirty="0"/>
-                  </a:p>
-                </p:txBody>
-              </p:sp>
-            </mc:Choice>
-            <mc:Fallback xmlns="">
-              <p:sp>
-                <p:nvSpPr>
-                  <p:cNvPr id="74" name="TextBox 73">
-                    <a:extLst>
-                      <a:ext uri="{FF2B5EF4-FFF2-40B4-BE49-F238E27FC236}">
-                        <a16:creationId xmlns:a16="http://schemas.microsoft.com/office/drawing/2014/main" id="{74621D12-5B83-A740-B345-C57B1678A833}"/>
-                      </a:ext>
-                    </a:extLst>
-                  </p:cNvPr>
-                  <p:cNvSpPr txBox="1">
-                    <a:spLocks noRot="1" noChangeAspect="1" noMove="1" noResize="1" noEditPoints="1" noAdjustHandles="1" noChangeArrowheads="1" noChangeShapeType="1" noTextEdit="1"/>
-                  </p:cNvSpPr>
-                  <p:nvPr/>
-                </p:nvSpPr>
-                <p:spPr>
-                  <a:xfrm>
-                    <a:off x="10274120" y="3562961"/>
-                    <a:ext cx="1691617" cy="246221"/>
-                  </a:xfrm>
-                  <a:prstGeom prst="rect">
-                    <a:avLst/>
-                  </a:prstGeom>
-                  <a:blipFill>
-                    <a:blip r:embed="rId19"/>
-                    <a:stretch>
-                      <a:fillRect l="-2239" b="-14286"/>
-                    </a:stretch>
-                  </a:blipFill>
-                </p:spPr>
-                <p:txBody>
-                  <a:bodyPr/>
-                  <a:lstStyle/>
-                  <a:p>
-                    <a:r>
-                      <a:rPr lang="en-US">
-                        <a:noFill/>
-                      </a:rPr>
-                      <a:t> </a:t>
-                    </a:r>
-                  </a:p>
-                </p:txBody>
-              </p:sp>
-            </mc:Fallback>
-          </mc:AlternateContent>
-        </p:grpSp>
-        <p:sp>
-          <p:nvSpPr>
-            <p:cNvPr id="66" name="Bent-Up Arrow 65">
-              <a:extLst>
-                <a:ext uri="{FF2B5EF4-FFF2-40B4-BE49-F238E27FC236}">
-                  <a16:creationId xmlns:a16="http://schemas.microsoft.com/office/drawing/2014/main" id="{CA172326-2520-AB42-B105-469BF1329ED0}"/>
-                </a:ext>
-              </a:extLst>
-            </p:cNvPr>
-            <p:cNvSpPr/>
-            <p:nvPr/>
-          </p:nvSpPr>
-          <p:spPr>
-            <a:xfrm flipV="1">
-              <a:off x="2732235" y="1444480"/>
-              <a:ext cx="7172194" cy="257748"/>
-            </a:xfrm>
-            <a:prstGeom prst="bentUpArrow">
-              <a:avLst/>
-            </a:prstGeom>
-            <a:solidFill>
-              <a:schemeClr val="tx1"/>
-            </a:solidFill>
-          </p:spPr>
-          <p:style>
-            <a:lnRef idx="2">
-              <a:schemeClr val="accent1">
-                <a:shade val="50000"/>
-              </a:schemeClr>
-            </a:lnRef>
-            <a:fillRef idx="1">
-              <a:schemeClr val="accent1"/>
-            </a:fillRef>
-            <a:effectRef idx="0">
-              <a:schemeClr val="accent1"/>
-            </a:effectRef>
-            <a:fontRef idx="minor">
-              <a:schemeClr val="lt1"/>
-            </a:fontRef>
-          </p:style>
-          <p:txBody>
-            <a:bodyPr rtlCol="0" anchor="ctr"/>
-            <a:lstStyle/>
-            <a:p>
-              <a:pPr algn="ctr"/>
-              <a:endParaRPr lang="en-GB"/>
-            </a:p>
-          </p:txBody>
-        </p:sp>
-        <p:cxnSp>
-          <p:nvCxnSpPr>
-            <p:cNvPr id="67" name="Straight Connector 66">
-              <a:extLst>
-                <a:ext uri="{FF2B5EF4-FFF2-40B4-BE49-F238E27FC236}">
-                  <a16:creationId xmlns:a16="http://schemas.microsoft.com/office/drawing/2014/main" id="{3E565EC7-51ED-294E-99F5-00466D172F4C}"/>
+                  <a16:creationId xmlns:a16="http://schemas.microsoft.com/office/drawing/2014/main" id="{7D93B529-46FD-C343-8217-05A414720764}"/>
                 </a:ext>
               </a:extLst>
             </p:cNvPr>
@@ -29223,14 +28315,17 @@
             <p:nvPr/>
           </p:nvCxnSpPr>
           <p:spPr>
-            <a:xfrm flipH="1">
-              <a:off x="2743745" y="1488789"/>
-              <a:ext cx="1" cy="402667"/>
+            <a:xfrm>
+              <a:off x="2775284" y="4892842"/>
+              <a:ext cx="1828800" cy="0"/>
             </a:xfrm>
             <a:prstGeom prst="line">
               <a:avLst/>
             </a:prstGeom>
-            <a:ln w="73025">
+            <a:solidFill>
+              <a:schemeClr val="bg1"/>
+            </a:solidFill>
+            <a:ln w="31750">
               <a:solidFill>
                 <a:schemeClr val="tx1"/>
               </a:solidFill>
@@ -29251,7 +28346,892 @@
             </a:fontRef>
           </p:style>
         </p:cxnSp>
+        <p:cxnSp>
+          <p:nvCxnSpPr>
+            <p:cNvPr id="76" name="Straight Connector 75">
+              <a:extLst>
+                <a:ext uri="{FF2B5EF4-FFF2-40B4-BE49-F238E27FC236}">
+                  <a16:creationId xmlns:a16="http://schemas.microsoft.com/office/drawing/2014/main" id="{78C0C5AE-2B74-3D44-996E-101550ACE8E6}"/>
+                </a:ext>
+              </a:extLst>
+            </p:cNvPr>
+            <p:cNvCxnSpPr>
+              <a:cxnSpLocks/>
+            </p:cNvCxnSpPr>
+            <p:nvPr/>
+          </p:nvCxnSpPr>
+          <p:spPr>
+            <a:xfrm flipV="1">
+              <a:off x="2967789" y="4272238"/>
+              <a:ext cx="0" cy="620604"/>
+            </a:xfrm>
+            <a:prstGeom prst="line">
+              <a:avLst/>
+            </a:prstGeom>
+            <a:solidFill>
+              <a:schemeClr val="bg1"/>
+            </a:solidFill>
+            <a:ln w="31750">
+              <a:solidFill>
+                <a:schemeClr val="tx1"/>
+              </a:solidFill>
+            </a:ln>
+          </p:spPr>
+          <p:style>
+            <a:lnRef idx="1">
+              <a:schemeClr val="accent1"/>
+            </a:lnRef>
+            <a:fillRef idx="0">
+              <a:schemeClr val="accent1"/>
+            </a:fillRef>
+            <a:effectRef idx="0">
+              <a:schemeClr val="accent1"/>
+            </a:effectRef>
+            <a:fontRef idx="minor">
+              <a:schemeClr val="tx1"/>
+            </a:fontRef>
+          </p:style>
+        </p:cxnSp>
+        <p:cxnSp>
+          <p:nvCxnSpPr>
+            <p:cNvPr id="77" name="Straight Connector 76">
+              <a:extLst>
+                <a:ext uri="{FF2B5EF4-FFF2-40B4-BE49-F238E27FC236}">
+                  <a16:creationId xmlns:a16="http://schemas.microsoft.com/office/drawing/2014/main" id="{B783B5FB-DE6E-034B-B5D9-FF428D2C4971}"/>
+                </a:ext>
+              </a:extLst>
+            </p:cNvPr>
+            <p:cNvCxnSpPr>
+              <a:cxnSpLocks/>
+            </p:cNvCxnSpPr>
+            <p:nvPr/>
+          </p:nvCxnSpPr>
+          <p:spPr>
+            <a:xfrm flipV="1">
+              <a:off x="3039979" y="4272238"/>
+              <a:ext cx="0" cy="620606"/>
+            </a:xfrm>
+            <a:prstGeom prst="line">
+              <a:avLst/>
+            </a:prstGeom>
+            <a:solidFill>
+              <a:schemeClr val="bg1"/>
+            </a:solidFill>
+            <a:ln w="31750">
+              <a:solidFill>
+                <a:schemeClr val="tx1"/>
+              </a:solidFill>
+            </a:ln>
+          </p:spPr>
+          <p:style>
+            <a:lnRef idx="1">
+              <a:schemeClr val="accent1"/>
+            </a:lnRef>
+            <a:fillRef idx="0">
+              <a:schemeClr val="accent1"/>
+            </a:fillRef>
+            <a:effectRef idx="0">
+              <a:schemeClr val="accent1"/>
+            </a:effectRef>
+            <a:fontRef idx="minor">
+              <a:schemeClr val="tx1"/>
+            </a:fontRef>
+          </p:style>
+        </p:cxnSp>
+        <p:cxnSp>
+          <p:nvCxnSpPr>
+            <p:cNvPr id="78" name="Straight Connector 77">
+              <a:extLst>
+                <a:ext uri="{FF2B5EF4-FFF2-40B4-BE49-F238E27FC236}">
+                  <a16:creationId xmlns:a16="http://schemas.microsoft.com/office/drawing/2014/main" id="{5C738802-986C-5543-A6DD-9E040F7A4415}"/>
+                </a:ext>
+              </a:extLst>
+            </p:cNvPr>
+            <p:cNvCxnSpPr>
+              <a:cxnSpLocks/>
+            </p:cNvCxnSpPr>
+            <p:nvPr/>
+          </p:nvCxnSpPr>
+          <p:spPr>
+            <a:xfrm flipV="1">
+              <a:off x="3449052" y="4272238"/>
+              <a:ext cx="0" cy="620606"/>
+            </a:xfrm>
+            <a:prstGeom prst="line">
+              <a:avLst/>
+            </a:prstGeom>
+            <a:solidFill>
+              <a:schemeClr val="bg1"/>
+            </a:solidFill>
+            <a:ln w="31750">
+              <a:solidFill>
+                <a:schemeClr val="tx1"/>
+              </a:solidFill>
+            </a:ln>
+          </p:spPr>
+          <p:style>
+            <a:lnRef idx="1">
+              <a:schemeClr val="accent1"/>
+            </a:lnRef>
+            <a:fillRef idx="0">
+              <a:schemeClr val="accent1"/>
+            </a:fillRef>
+            <a:effectRef idx="0">
+              <a:schemeClr val="accent1"/>
+            </a:effectRef>
+            <a:fontRef idx="minor">
+              <a:schemeClr val="tx1"/>
+            </a:fontRef>
+          </p:style>
+        </p:cxnSp>
+        <p:cxnSp>
+          <p:nvCxnSpPr>
+            <p:cNvPr id="79" name="Straight Connector 78">
+              <a:extLst>
+                <a:ext uri="{FF2B5EF4-FFF2-40B4-BE49-F238E27FC236}">
+                  <a16:creationId xmlns:a16="http://schemas.microsoft.com/office/drawing/2014/main" id="{1E68F6DB-BD94-EE45-A1F8-B8192B3F7FD2}"/>
+                </a:ext>
+              </a:extLst>
+            </p:cNvPr>
+            <p:cNvCxnSpPr>
+              <a:cxnSpLocks/>
+            </p:cNvCxnSpPr>
+            <p:nvPr/>
+          </p:nvCxnSpPr>
+          <p:spPr>
+            <a:xfrm flipV="1">
+              <a:off x="3521243" y="4272238"/>
+              <a:ext cx="0" cy="620606"/>
+            </a:xfrm>
+            <a:prstGeom prst="line">
+              <a:avLst/>
+            </a:prstGeom>
+            <a:solidFill>
+              <a:schemeClr val="bg1"/>
+            </a:solidFill>
+            <a:ln w="31750">
+              <a:solidFill>
+                <a:schemeClr val="tx1"/>
+              </a:solidFill>
+            </a:ln>
+          </p:spPr>
+          <p:style>
+            <a:lnRef idx="1">
+              <a:schemeClr val="accent1"/>
+            </a:lnRef>
+            <a:fillRef idx="0">
+              <a:schemeClr val="accent1"/>
+            </a:fillRef>
+            <a:effectRef idx="0">
+              <a:schemeClr val="accent1"/>
+            </a:effectRef>
+            <a:fontRef idx="minor">
+              <a:schemeClr val="tx1"/>
+            </a:fontRef>
+          </p:style>
+        </p:cxnSp>
+        <p:cxnSp>
+          <p:nvCxnSpPr>
+            <p:cNvPr id="80" name="Straight Connector 79">
+              <a:extLst>
+                <a:ext uri="{FF2B5EF4-FFF2-40B4-BE49-F238E27FC236}">
+                  <a16:creationId xmlns:a16="http://schemas.microsoft.com/office/drawing/2014/main" id="{364B11BC-9050-DE4A-BC0C-E37C94B38976}"/>
+                </a:ext>
+              </a:extLst>
+            </p:cNvPr>
+            <p:cNvCxnSpPr>
+              <a:cxnSpLocks/>
+            </p:cNvCxnSpPr>
+            <p:nvPr/>
+          </p:nvCxnSpPr>
+          <p:spPr>
+            <a:xfrm flipV="1">
+              <a:off x="3673642" y="4272236"/>
+              <a:ext cx="0" cy="620606"/>
+            </a:xfrm>
+            <a:prstGeom prst="line">
+              <a:avLst/>
+            </a:prstGeom>
+            <a:solidFill>
+              <a:schemeClr val="bg1"/>
+            </a:solidFill>
+            <a:ln w="31750">
+              <a:solidFill>
+                <a:schemeClr val="tx1"/>
+              </a:solidFill>
+            </a:ln>
+          </p:spPr>
+          <p:style>
+            <a:lnRef idx="1">
+              <a:schemeClr val="accent1"/>
+            </a:lnRef>
+            <a:fillRef idx="0">
+              <a:schemeClr val="accent1"/>
+            </a:fillRef>
+            <a:effectRef idx="0">
+              <a:schemeClr val="accent1"/>
+            </a:effectRef>
+            <a:fontRef idx="minor">
+              <a:schemeClr val="tx1"/>
+            </a:fontRef>
+          </p:style>
+        </p:cxnSp>
+        <p:cxnSp>
+          <p:nvCxnSpPr>
+            <p:cNvPr id="81" name="Straight Connector 80">
+              <a:extLst>
+                <a:ext uri="{FF2B5EF4-FFF2-40B4-BE49-F238E27FC236}">
+                  <a16:creationId xmlns:a16="http://schemas.microsoft.com/office/drawing/2014/main" id="{D9ADFC1E-8577-6F40-A0CB-53CED459E11F}"/>
+                </a:ext>
+              </a:extLst>
+            </p:cNvPr>
+            <p:cNvCxnSpPr>
+              <a:cxnSpLocks/>
+            </p:cNvCxnSpPr>
+            <p:nvPr/>
+          </p:nvCxnSpPr>
+          <p:spPr>
+            <a:xfrm flipV="1">
+              <a:off x="3745832" y="4272238"/>
+              <a:ext cx="0" cy="620606"/>
+            </a:xfrm>
+            <a:prstGeom prst="line">
+              <a:avLst/>
+            </a:prstGeom>
+            <a:solidFill>
+              <a:schemeClr val="bg1"/>
+            </a:solidFill>
+            <a:ln w="31750">
+              <a:solidFill>
+                <a:schemeClr val="tx1"/>
+              </a:solidFill>
+            </a:ln>
+          </p:spPr>
+          <p:style>
+            <a:lnRef idx="1">
+              <a:schemeClr val="accent1"/>
+            </a:lnRef>
+            <a:fillRef idx="0">
+              <a:schemeClr val="accent1"/>
+            </a:fillRef>
+            <a:effectRef idx="0">
+              <a:schemeClr val="accent1"/>
+            </a:effectRef>
+            <a:fontRef idx="minor">
+              <a:schemeClr val="tx1"/>
+            </a:fontRef>
+          </p:style>
+        </p:cxnSp>
+        <p:cxnSp>
+          <p:nvCxnSpPr>
+            <p:cNvPr id="82" name="Straight Connector 81">
+              <a:extLst>
+                <a:ext uri="{FF2B5EF4-FFF2-40B4-BE49-F238E27FC236}">
+                  <a16:creationId xmlns:a16="http://schemas.microsoft.com/office/drawing/2014/main" id="{1EBFF66B-4318-D34C-AB4E-0C635A148D2C}"/>
+                </a:ext>
+              </a:extLst>
+            </p:cNvPr>
+            <p:cNvCxnSpPr>
+              <a:cxnSpLocks/>
+            </p:cNvCxnSpPr>
+            <p:nvPr/>
+          </p:nvCxnSpPr>
+          <p:spPr>
+            <a:xfrm flipV="1">
+              <a:off x="3818022" y="4272238"/>
+              <a:ext cx="0" cy="620606"/>
+            </a:xfrm>
+            <a:prstGeom prst="line">
+              <a:avLst/>
+            </a:prstGeom>
+            <a:solidFill>
+              <a:schemeClr val="bg1"/>
+            </a:solidFill>
+            <a:ln w="31750">
+              <a:solidFill>
+                <a:schemeClr val="tx1"/>
+              </a:solidFill>
+            </a:ln>
+          </p:spPr>
+          <p:style>
+            <a:lnRef idx="1">
+              <a:schemeClr val="accent1"/>
+            </a:lnRef>
+            <a:fillRef idx="0">
+              <a:schemeClr val="accent1"/>
+            </a:fillRef>
+            <a:effectRef idx="0">
+              <a:schemeClr val="accent1"/>
+            </a:effectRef>
+            <a:fontRef idx="minor">
+              <a:schemeClr val="tx1"/>
+            </a:fontRef>
+          </p:style>
+        </p:cxnSp>
+        <p:cxnSp>
+          <p:nvCxnSpPr>
+            <p:cNvPr id="83" name="Straight Connector 82">
+              <a:extLst>
+                <a:ext uri="{FF2B5EF4-FFF2-40B4-BE49-F238E27FC236}">
+                  <a16:creationId xmlns:a16="http://schemas.microsoft.com/office/drawing/2014/main" id="{84B12A09-CF89-D94F-A688-45114508CDF7}"/>
+                </a:ext>
+              </a:extLst>
+            </p:cNvPr>
+            <p:cNvCxnSpPr>
+              <a:cxnSpLocks/>
+            </p:cNvCxnSpPr>
+            <p:nvPr/>
+          </p:nvCxnSpPr>
+          <p:spPr>
+            <a:xfrm flipV="1">
+              <a:off x="4150206" y="4272238"/>
+              <a:ext cx="0" cy="620606"/>
+            </a:xfrm>
+            <a:prstGeom prst="line">
+              <a:avLst/>
+            </a:prstGeom>
+            <a:solidFill>
+              <a:schemeClr val="bg1"/>
+            </a:solidFill>
+            <a:ln w="31750">
+              <a:solidFill>
+                <a:schemeClr val="tx1"/>
+              </a:solidFill>
+            </a:ln>
+          </p:spPr>
+          <p:style>
+            <a:lnRef idx="1">
+              <a:schemeClr val="accent1"/>
+            </a:lnRef>
+            <a:fillRef idx="0">
+              <a:schemeClr val="accent1"/>
+            </a:fillRef>
+            <a:effectRef idx="0">
+              <a:schemeClr val="accent1"/>
+            </a:effectRef>
+            <a:fontRef idx="minor">
+              <a:schemeClr val="tx1"/>
+            </a:fontRef>
+          </p:style>
+        </p:cxnSp>
+        <p:cxnSp>
+          <p:nvCxnSpPr>
+            <p:cNvPr id="84" name="Straight Connector 83">
+              <a:extLst>
+                <a:ext uri="{FF2B5EF4-FFF2-40B4-BE49-F238E27FC236}">
+                  <a16:creationId xmlns:a16="http://schemas.microsoft.com/office/drawing/2014/main" id="{0E714B0B-82ED-674E-8827-82B779AB457C}"/>
+                </a:ext>
+              </a:extLst>
+            </p:cNvPr>
+            <p:cNvCxnSpPr>
+              <a:cxnSpLocks/>
+            </p:cNvCxnSpPr>
+            <p:nvPr/>
+          </p:nvCxnSpPr>
+          <p:spPr>
+            <a:xfrm>
+              <a:off x="2679032" y="4989095"/>
+              <a:ext cx="2037347" cy="0"/>
+            </a:xfrm>
+            <a:prstGeom prst="line">
+              <a:avLst/>
+            </a:prstGeom>
+            <a:solidFill>
+              <a:schemeClr val="bg1"/>
+            </a:solidFill>
+            <a:ln w="31750">
+              <a:solidFill>
+                <a:schemeClr val="tx1"/>
+              </a:solidFill>
+              <a:tailEnd type="triangle"/>
+            </a:ln>
+          </p:spPr>
+          <p:style>
+            <a:lnRef idx="1">
+              <a:schemeClr val="accent1"/>
+            </a:lnRef>
+            <a:fillRef idx="0">
+              <a:schemeClr val="accent1"/>
+            </a:fillRef>
+            <a:effectRef idx="0">
+              <a:schemeClr val="accent1"/>
+            </a:effectRef>
+            <a:fontRef idx="minor">
+              <a:schemeClr val="tx1"/>
+            </a:fontRef>
+          </p:style>
+        </p:cxnSp>
+        <p:sp>
+          <p:nvSpPr>
+            <p:cNvPr id="85" name="TextBox 84">
+              <a:extLst>
+                <a:ext uri="{FF2B5EF4-FFF2-40B4-BE49-F238E27FC236}">
+                  <a16:creationId xmlns:a16="http://schemas.microsoft.com/office/drawing/2014/main" id="{65D95083-A18F-4B4A-BA18-7CA1728513CE}"/>
+                </a:ext>
+              </a:extLst>
+            </p:cNvPr>
+            <p:cNvSpPr txBox="1"/>
+            <p:nvPr/>
+          </p:nvSpPr>
+          <p:spPr>
+            <a:xfrm>
+              <a:off x="4205415" y="4536528"/>
+              <a:ext cx="618665" cy="437131"/>
+            </a:xfrm>
+            <a:prstGeom prst="rect">
+              <a:avLst/>
+            </a:prstGeom>
+            <a:noFill/>
+            <a:ln>
+              <a:noFill/>
+            </a:ln>
+          </p:spPr>
+          <p:txBody>
+            <a:bodyPr wrap="none" rtlCol="0">
+              <a:spAutoFit/>
+            </a:bodyPr>
+            <a:lstStyle/>
+            <a:p>
+              <a:r>
+                <a:rPr lang="en-US" sz="1200" dirty="0"/>
+                <a:t>Time</a:t>
+              </a:r>
+            </a:p>
+          </p:txBody>
+        </p:sp>
       </p:grpSp>
+      <mc:AlternateContent xmlns:mc="http://schemas.openxmlformats.org/markup-compatibility/2006">
+        <mc:Choice xmlns:a14="http://schemas.microsoft.com/office/drawing/2010/main" Requires="a14">
+          <p:sp>
+            <p:nvSpPr>
+              <p:cNvPr id="73" name="TextBox 72">
+                <a:extLst>
+                  <a:ext uri="{FF2B5EF4-FFF2-40B4-BE49-F238E27FC236}">
+                    <a16:creationId xmlns:a16="http://schemas.microsoft.com/office/drawing/2014/main" id="{7B8CDB41-DE12-8442-BDA7-8600B03D0424}"/>
+                  </a:ext>
+                </a:extLst>
+              </p:cNvPr>
+              <p:cNvSpPr txBox="1"/>
+              <p:nvPr/>
+            </p:nvSpPr>
+            <p:spPr>
+              <a:xfrm>
+                <a:off x="15876755" y="2424623"/>
+                <a:ext cx="551305" cy="246221"/>
+              </a:xfrm>
+              <a:prstGeom prst="rect">
+                <a:avLst/>
+              </a:prstGeom>
+              <a:noFill/>
+            </p:spPr>
+            <p:txBody>
+              <a:bodyPr wrap="none" lIns="0" tIns="0" rIns="0" bIns="0" rtlCol="0">
+                <a:spAutoFit/>
+              </a:bodyPr>
+              <a:lstStyle/>
+              <a:p>
+                <a:pPr/>
+                <a14:m>
+                  <m:oMathPara xmlns:m="http://schemas.openxmlformats.org/officeDocument/2006/math">
+                    <m:oMathParaPr>
+                      <m:jc m:val="centerGroup"/>
+                    </m:oMathParaPr>
+                    <m:oMath xmlns:m="http://schemas.openxmlformats.org/officeDocument/2006/math">
+                      <m:r>
+                        <a:rPr lang="es-ES" sz="1600" i="1" smtClean="0">
+                          <a:latin typeface="Cambria Math" panose="02040503050406030204" pitchFamily="18" charset="0"/>
+                          <a:ea typeface="Cambria Math" panose="02040503050406030204" pitchFamily="18" charset="0"/>
+                        </a:rPr>
+                        <m:t>∆</m:t>
+                      </m:r>
+                      <m:acc>
+                        <m:accPr>
+                          <m:chr m:val="̂"/>
+                          <m:ctrlPr>
+                            <a:rPr lang="es-ES" sz="1600" i="1">
+                              <a:latin typeface="Cambria Math" panose="02040503050406030204" pitchFamily="18" charset="0"/>
+                              <a:ea typeface="Cambria Math" panose="02040503050406030204" pitchFamily="18" charset="0"/>
+                            </a:rPr>
+                          </m:ctrlPr>
+                        </m:accPr>
+                        <m:e>
+                          <m:r>
+                            <a:rPr lang="es-ES" sz="1600" b="0" i="1" smtClean="0">
+                              <a:latin typeface="Cambria Math" panose="02040503050406030204" pitchFamily="18" charset="0"/>
+                              <a:ea typeface="Cambria Math" panose="02040503050406030204" pitchFamily="18" charset="0"/>
+                            </a:rPr>
+                            <m:t>𝑠</m:t>
+                          </m:r>
+                        </m:e>
+                      </m:acc>
+                      <m:d>
+                        <m:dPr>
+                          <m:begChr m:val="["/>
+                          <m:endChr m:val="]"/>
+                          <m:ctrlPr>
+                            <a:rPr lang="es-ES" sz="1600" i="1">
+                              <a:latin typeface="Cambria Math" panose="02040503050406030204" pitchFamily="18" charset="0"/>
+                              <a:ea typeface="Cambria Math" panose="02040503050406030204" pitchFamily="18" charset="0"/>
+                            </a:rPr>
+                          </m:ctrlPr>
+                        </m:dPr>
+                        <m:e>
+                          <m:r>
+                            <a:rPr lang="es-ES" sz="1600" i="1">
+                              <a:latin typeface="Cambria Math" panose="02040503050406030204" pitchFamily="18" charset="0"/>
+                              <a:ea typeface="Cambria Math" panose="02040503050406030204" pitchFamily="18" charset="0"/>
+                            </a:rPr>
+                            <m:t>𝑛</m:t>
+                          </m:r>
+                        </m:e>
+                      </m:d>
+                    </m:oMath>
+                  </m:oMathPara>
+                </a14:m>
+                <a:endParaRPr lang="en-GB" sz="1600" dirty="0"/>
+              </a:p>
+            </p:txBody>
+          </p:sp>
+        </mc:Choice>
+        <mc:Fallback>
+          <p:sp>
+            <p:nvSpPr>
+              <p:cNvPr id="73" name="TextBox 72">
+                <a:extLst>
+                  <a:ext uri="{FF2B5EF4-FFF2-40B4-BE49-F238E27FC236}">
+                    <a16:creationId xmlns:a16="http://schemas.microsoft.com/office/drawing/2014/main" id="{7B8CDB41-DE12-8442-BDA7-8600B03D0424}"/>
+                  </a:ext>
+                </a:extLst>
+              </p:cNvPr>
+              <p:cNvSpPr txBox="1">
+                <a:spLocks noRot="1" noChangeAspect="1" noMove="1" noResize="1" noEditPoints="1" noAdjustHandles="1" noChangeArrowheads="1" noChangeShapeType="1" noTextEdit="1"/>
+              </p:cNvSpPr>
+              <p:nvPr/>
+            </p:nvSpPr>
+            <p:spPr>
+              <a:xfrm>
+                <a:off x="15876755" y="2424623"/>
+                <a:ext cx="551305" cy="246221"/>
+              </a:xfrm>
+              <a:prstGeom prst="rect">
+                <a:avLst/>
+              </a:prstGeom>
+              <a:blipFill>
+                <a:blip r:embed="rId18"/>
+                <a:stretch>
+                  <a:fillRect l="-4444" t="-20000" b="-5000"/>
+                </a:stretch>
+              </a:blipFill>
+            </p:spPr>
+            <p:txBody>
+              <a:bodyPr/>
+              <a:lstStyle/>
+              <a:p>
+                <a:r>
+                  <a:rPr lang="en-US">
+                    <a:noFill/>
+                  </a:rPr>
+                  <a:t> </a:t>
+                </a:r>
+              </a:p>
+            </p:txBody>
+          </p:sp>
+        </mc:Fallback>
+      </mc:AlternateContent>
+      <mc:AlternateContent xmlns:mc="http://schemas.openxmlformats.org/markup-compatibility/2006">
+        <mc:Choice xmlns:a14="http://schemas.microsoft.com/office/drawing/2010/main" Requires="a14">
+          <p:sp>
+            <p:nvSpPr>
+              <p:cNvPr id="74" name="TextBox 73">
+                <a:extLst>
+                  <a:ext uri="{FF2B5EF4-FFF2-40B4-BE49-F238E27FC236}">
+                    <a16:creationId xmlns:a16="http://schemas.microsoft.com/office/drawing/2014/main" id="{74621D12-5B83-A740-B345-C57B1678A833}"/>
+                  </a:ext>
+                </a:extLst>
+              </p:cNvPr>
+              <p:cNvSpPr txBox="1"/>
+              <p:nvPr/>
+            </p:nvSpPr>
+            <p:spPr>
+              <a:xfrm>
+                <a:off x="15212709" y="2715665"/>
+                <a:ext cx="1691617" cy="246221"/>
+              </a:xfrm>
+              <a:prstGeom prst="rect">
+                <a:avLst/>
+              </a:prstGeom>
+              <a:noFill/>
+            </p:spPr>
+            <p:txBody>
+              <a:bodyPr wrap="none" lIns="0" tIns="0" rIns="0" bIns="0" rtlCol="0">
+                <a:spAutoFit/>
+              </a:bodyPr>
+              <a:lstStyle/>
+              <a:p>
+                <a:pPr/>
+                <a14:m>
+                  <m:oMathPara xmlns:m="http://schemas.openxmlformats.org/officeDocument/2006/math">
+                    <m:oMathParaPr>
+                      <m:jc m:val="centerGroup"/>
+                    </m:oMathParaPr>
+                    <m:oMath xmlns:m="http://schemas.openxmlformats.org/officeDocument/2006/math">
+                      <m:r>
+                        <a:rPr lang="es-ES" sz="1600" i="1" smtClean="0">
+                          <a:latin typeface="Cambria Math" panose="02040503050406030204" pitchFamily="18" charset="0"/>
+                          <a:ea typeface="Cambria Math" panose="02040503050406030204" pitchFamily="18" charset="0"/>
+                        </a:rPr>
+                        <m:t>∆</m:t>
+                      </m:r>
+                      <m:r>
+                        <a:rPr lang="es-ES" sz="1600" b="1" i="1" smtClean="0">
+                          <a:latin typeface="Cambria Math" panose="02040503050406030204" pitchFamily="18" charset="0"/>
+                          <a:ea typeface="Cambria Math" panose="02040503050406030204" pitchFamily="18" charset="0"/>
+                        </a:rPr>
+                        <m:t>𝒔</m:t>
+                      </m:r>
+                      <m:r>
+                        <a:rPr lang="es-ES" sz="1600" b="1">
+                          <a:latin typeface="Cambria Math" panose="02040503050406030204" pitchFamily="18" charset="0"/>
+                          <a:ea typeface="Cambria Math" panose="02040503050406030204" pitchFamily="18" charset="0"/>
+                        </a:rPr>
+                        <m:t>=</m:t>
+                      </m:r>
+                      <m:d>
+                        <m:dPr>
+                          <m:begChr m:val="["/>
+                          <m:endChr m:val="]"/>
+                          <m:ctrlPr>
+                            <a:rPr lang="es-ES" sz="1600" b="1" i="1">
+                              <a:latin typeface="Cambria Math" panose="02040503050406030204" pitchFamily="18" charset="0"/>
+                              <a:ea typeface="Cambria Math" panose="02040503050406030204" pitchFamily="18" charset="0"/>
+                            </a:rPr>
+                          </m:ctrlPr>
+                        </m:dPr>
+                        <m:e>
+                          <m:sSub>
+                            <m:sSubPr>
+                              <m:ctrlPr>
+                                <a:rPr lang="es-ES" sz="1600" b="1" i="1">
+                                  <a:latin typeface="Cambria Math" panose="02040503050406030204" pitchFamily="18" charset="0"/>
+                                  <a:ea typeface="Cambria Math" panose="02040503050406030204" pitchFamily="18" charset="0"/>
+                                </a:rPr>
+                              </m:ctrlPr>
+                            </m:sSubPr>
+                            <m:e>
+                              <m:r>
+                                <a:rPr lang="es-ES" sz="1600" b="1" i="1">
+                                  <a:latin typeface="Cambria Math" panose="02040503050406030204" pitchFamily="18" charset="0"/>
+                                  <a:ea typeface="Cambria Math" panose="02040503050406030204" pitchFamily="18" charset="0"/>
+                                </a:rPr>
+                                <m:t>∆</m:t>
+                              </m:r>
+                              <m:r>
+                                <a:rPr lang="es-ES" sz="1600" b="0" i="1" smtClean="0">
+                                  <a:latin typeface="Cambria Math" panose="02040503050406030204" pitchFamily="18" charset="0"/>
+                                  <a:ea typeface="Cambria Math" panose="02040503050406030204" pitchFamily="18" charset="0"/>
+                                </a:rPr>
+                                <m:t>𝑠</m:t>
+                              </m:r>
+                            </m:e>
+                            <m:sub>
+                              <m:r>
+                                <a:rPr lang="es-ES" sz="1600" b="1" i="1">
+                                  <a:latin typeface="Cambria Math" panose="02040503050406030204" pitchFamily="18" charset="0"/>
+                                  <a:ea typeface="Cambria Math" panose="02040503050406030204" pitchFamily="18" charset="0"/>
+                                </a:rPr>
+                                <m:t>𝟏</m:t>
+                              </m:r>
+                            </m:sub>
+                          </m:sSub>
+                          <m:r>
+                            <a:rPr lang="es-ES" sz="1600" b="1" i="1">
+                              <a:latin typeface="Cambria Math" panose="02040503050406030204" pitchFamily="18" charset="0"/>
+                              <a:ea typeface="Cambria Math" panose="02040503050406030204" pitchFamily="18" charset="0"/>
+                            </a:rPr>
+                            <m:t>,⋯,</m:t>
+                          </m:r>
+                          <m:sSub>
+                            <m:sSubPr>
+                              <m:ctrlPr>
+                                <a:rPr lang="es-ES" sz="1600" b="1" i="1">
+                                  <a:latin typeface="Cambria Math" panose="02040503050406030204" pitchFamily="18" charset="0"/>
+                                  <a:ea typeface="Cambria Math" panose="02040503050406030204" pitchFamily="18" charset="0"/>
+                                </a:rPr>
+                              </m:ctrlPr>
+                            </m:sSubPr>
+                            <m:e>
+                              <m:r>
+                                <a:rPr lang="es-ES" sz="1600" b="1" i="1">
+                                  <a:latin typeface="Cambria Math" panose="02040503050406030204" pitchFamily="18" charset="0"/>
+                                  <a:ea typeface="Cambria Math" panose="02040503050406030204" pitchFamily="18" charset="0"/>
+                                </a:rPr>
+                                <m:t>∆</m:t>
+                              </m:r>
+                              <m:r>
+                                <a:rPr lang="es-ES" sz="1600" b="0" i="1" smtClean="0">
+                                  <a:latin typeface="Cambria Math" panose="02040503050406030204" pitchFamily="18" charset="0"/>
+                                  <a:ea typeface="Cambria Math" panose="02040503050406030204" pitchFamily="18" charset="0"/>
+                                </a:rPr>
+                                <m:t>𝑠</m:t>
+                              </m:r>
+                            </m:e>
+                            <m:sub>
+                              <m:r>
+                                <a:rPr lang="es-ES" sz="1600" i="1">
+                                  <a:latin typeface="Cambria Math" panose="02040503050406030204" pitchFamily="18" charset="0"/>
+                                  <a:ea typeface="Cambria Math" panose="02040503050406030204" pitchFamily="18" charset="0"/>
+                                </a:rPr>
+                                <m:t>𝑁</m:t>
+                              </m:r>
+                            </m:sub>
+                          </m:sSub>
+                        </m:e>
+                      </m:d>
+                    </m:oMath>
+                  </m:oMathPara>
+                </a14:m>
+                <a:endParaRPr lang="en-GB" sz="1600" b="1" dirty="0"/>
+              </a:p>
+            </p:txBody>
+          </p:sp>
+        </mc:Choice>
+        <mc:Fallback>
+          <p:sp>
+            <p:nvSpPr>
+              <p:cNvPr id="74" name="TextBox 73">
+                <a:extLst>
+                  <a:ext uri="{FF2B5EF4-FFF2-40B4-BE49-F238E27FC236}">
+                    <a16:creationId xmlns:a16="http://schemas.microsoft.com/office/drawing/2014/main" id="{74621D12-5B83-A740-B345-C57B1678A833}"/>
+                  </a:ext>
+                </a:extLst>
+              </p:cNvPr>
+              <p:cNvSpPr txBox="1">
+                <a:spLocks noRot="1" noChangeAspect="1" noMove="1" noResize="1" noEditPoints="1" noAdjustHandles="1" noChangeArrowheads="1" noChangeShapeType="1" noTextEdit="1"/>
+              </p:cNvSpPr>
+              <p:nvPr/>
+            </p:nvSpPr>
+            <p:spPr>
+              <a:xfrm>
+                <a:off x="15212709" y="2715665"/>
+                <a:ext cx="1691617" cy="246221"/>
+              </a:xfrm>
+              <a:prstGeom prst="rect">
+                <a:avLst/>
+              </a:prstGeom>
+              <a:blipFill>
+                <a:blip r:embed="rId19"/>
+                <a:stretch>
+                  <a:fillRect l="-2985" b="-14286"/>
+                </a:stretch>
+              </a:blipFill>
+            </p:spPr>
+            <p:txBody>
+              <a:bodyPr/>
+              <a:lstStyle/>
+              <a:p>
+                <a:r>
+                  <a:rPr lang="en-US">
+                    <a:noFill/>
+                  </a:rPr>
+                  <a:t> </a:t>
+                </a:r>
+              </a:p>
+            </p:txBody>
+          </p:sp>
+        </mc:Fallback>
+      </mc:AlternateContent>
+      <p:sp>
+        <p:nvSpPr>
+          <p:cNvPr id="66" name="Bent-Up Arrow 65">
+            <a:extLst>
+              <a:ext uri="{FF2B5EF4-FFF2-40B4-BE49-F238E27FC236}">
+                <a16:creationId xmlns:a16="http://schemas.microsoft.com/office/drawing/2014/main" id="{CA172326-2520-AB42-B105-469BF1329ED0}"/>
+              </a:ext>
+            </a:extLst>
+          </p:cNvPr>
+          <p:cNvSpPr/>
+          <p:nvPr/>
+        </p:nvSpPr>
+        <p:spPr>
+          <a:xfrm flipV="1">
+            <a:off x="6927547" y="135080"/>
+            <a:ext cx="7490475" cy="257748"/>
+          </a:xfrm>
+          <a:prstGeom prst="bentUpArrow">
+            <a:avLst/>
+          </a:prstGeom>
+          <a:solidFill>
+            <a:schemeClr val="tx1"/>
+          </a:solidFill>
+        </p:spPr>
+        <p:style>
+          <a:lnRef idx="2">
+            <a:schemeClr val="accent1">
+              <a:shade val="50000"/>
+            </a:schemeClr>
+          </a:lnRef>
+          <a:fillRef idx="1">
+            <a:schemeClr val="accent1"/>
+          </a:fillRef>
+          <a:effectRef idx="0">
+            <a:schemeClr val="accent1"/>
+          </a:effectRef>
+          <a:fontRef idx="minor">
+            <a:schemeClr val="lt1"/>
+          </a:fontRef>
+        </p:style>
+        <p:txBody>
+          <a:bodyPr rtlCol="0" anchor="ctr"/>
+          <a:lstStyle/>
+          <a:p>
+            <a:pPr algn="ctr"/>
+            <a:endParaRPr lang="en-GB"/>
+          </a:p>
+        </p:txBody>
+      </p:sp>
+      <p:cxnSp>
+        <p:nvCxnSpPr>
+          <p:cNvPr id="67" name="Straight Connector 66">
+            <a:extLst>
+              <a:ext uri="{FF2B5EF4-FFF2-40B4-BE49-F238E27FC236}">
+                <a16:creationId xmlns:a16="http://schemas.microsoft.com/office/drawing/2014/main" id="{3E565EC7-51ED-294E-99F5-00466D172F4C}"/>
+              </a:ext>
+            </a:extLst>
+          </p:cNvPr>
+          <p:cNvCxnSpPr>
+            <a:cxnSpLocks/>
+          </p:cNvCxnSpPr>
+          <p:nvPr/>
+        </p:nvCxnSpPr>
+        <p:spPr>
+          <a:xfrm flipH="1">
+            <a:off x="6939058" y="179389"/>
+            <a:ext cx="1" cy="402667"/>
+          </a:xfrm>
+          <a:prstGeom prst="line">
+            <a:avLst/>
+          </a:prstGeom>
+          <a:ln w="73025">
+            <a:solidFill>
+              <a:schemeClr val="tx1"/>
+            </a:solidFill>
+          </a:ln>
+        </p:spPr>
+        <p:style>
+          <a:lnRef idx="1">
+            <a:schemeClr val="accent1"/>
+          </a:lnRef>
+          <a:fillRef idx="0">
+            <a:schemeClr val="accent1"/>
+          </a:fillRef>
+          <a:effectRef idx="0">
+            <a:schemeClr val="accent1"/>
+          </a:effectRef>
+          <a:fontRef idx="minor">
+            <a:schemeClr val="tx1"/>
+          </a:fontRef>
+        </p:style>
+      </p:cxnSp>
       <p:sp>
         <p:nvSpPr>
           <p:cNvPr id="86" name="Shape 1159">
@@ -29282,7 +29262,7 @@
           <a:effectLst/>
           <a:extLst>
             <a:ext uri="{C572A759-6A51-4108-AA02-DFA0A04FC94B}">
-              <ma14:wrappingTextBoxFlag xmlns:ma14="http://schemas.microsoft.com/office/mac/drawingml/2011/main" xmlns="" val="1"/>
+              <ma14:wrappingTextBoxFlag xmlns="" xmlns:ma14="http://schemas.microsoft.com/office/mac/drawingml/2011/main" val="1"/>
             </a:ext>
           </a:extLst>
         </p:spPr>
@@ -29401,7 +29381,7 @@
         </p:nvSpPr>
         <p:spPr>
           <a:xfrm>
-            <a:off x="17344570" y="1316542"/>
+            <a:off x="18087846" y="1316542"/>
             <a:ext cx="1718525" cy="696545"/>
           </a:xfrm>
           <a:prstGeom prst="rect">
@@ -29417,7 +29397,7 @@
           <a:effectLst/>
           <a:extLst>
             <a:ext uri="{C572A759-6A51-4108-AA02-DFA0A04FC94B}">
-              <ma14:wrappingTextBoxFlag xmlns:ma14="http://schemas.microsoft.com/office/mac/drawingml/2011/main" xmlns="" val="1"/>
+              <ma14:wrappingTextBoxFlag xmlns="" xmlns:ma14="http://schemas.microsoft.com/office/mac/drawingml/2011/main" val="1"/>
             </a:ext>
           </a:extLst>
         </p:spPr>
@@ -29939,7 +29919,7 @@
         </p:nvSpPr>
         <p:spPr>
           <a:xfrm>
-            <a:off x="16536179" y="1258283"/>
+            <a:off x="17279455" y="1258283"/>
             <a:ext cx="503664" cy="830997"/>
           </a:xfrm>
           <a:prstGeom prst="rect">
@@ -29976,7 +29956,7 @@
         </p:nvSpPr>
         <p:spPr>
           <a:xfrm>
-            <a:off x="16515978" y="1396994"/>
+            <a:off x="17259254" y="1396994"/>
             <a:ext cx="540000" cy="540000"/>
           </a:xfrm>
           <a:prstGeom prst="donut">
@@ -30036,7 +30016,7 @@
         </p:nvSpPr>
         <p:spPr>
           <a:xfrm>
-            <a:off x="16266159" y="1537803"/>
+            <a:off x="17009435" y="1537803"/>
             <a:ext cx="224114" cy="244933"/>
           </a:xfrm>
           <a:prstGeom prst="rightArrow">
@@ -30090,7 +30070,7 @@
         </p:nvSpPr>
         <p:spPr>
           <a:xfrm>
-            <a:off x="17100079" y="1537803"/>
+            <a:off x="17843355" y="1537803"/>
             <a:ext cx="224114" cy="244933"/>
           </a:xfrm>
           <a:prstGeom prst="rightArrow">
@@ -30572,8 +30552,8 @@
           </p:sp>
         </mc:Fallback>
       </mc:AlternateContent>
-      <mc:AlternateContent xmlns:mc="http://schemas.openxmlformats.org/markup-compatibility/2006" xmlns:a14="http://schemas.microsoft.com/office/drawing/2010/main">
-        <mc:Choice Requires="a14">
+      <mc:AlternateContent xmlns:mc="http://schemas.openxmlformats.org/markup-compatibility/2006">
+        <mc:Choice xmlns:a14="http://schemas.microsoft.com/office/drawing/2010/main" Requires="a14">
           <p:sp>
             <p:nvSpPr>
               <p:cNvPr id="102" name="TextBox 101">
@@ -30588,7 +30568,7 @@
             </p:nvSpPr>
             <p:spPr>
               <a:xfrm>
-                <a:off x="17954197" y="2391856"/>
+                <a:off x="18697473" y="2391856"/>
                 <a:ext cx="551305" cy="246221"/>
               </a:xfrm>
               <a:prstGeom prst="rect">
@@ -30665,7 +30645,7 @@
             </p:txBody>
           </p:sp>
         </mc:Choice>
-        <mc:Fallback xmlns="">
+        <mc:Fallback>
           <p:sp>
             <p:nvSpPr>
               <p:cNvPr id="102" name="TextBox 101">
@@ -30682,7 +30662,7 @@
             </p:nvSpPr>
             <p:spPr>
               <a:xfrm>
-                <a:off x="17954197" y="2391856"/>
+                <a:off x="18697473" y="2391856"/>
                 <a:ext cx="551305" cy="246221"/>
               </a:xfrm>
               <a:prstGeom prst="rect">
@@ -30691,7 +30671,7 @@
               <a:blipFill>
                 <a:blip r:embed="rId25"/>
                 <a:stretch>
-                  <a:fillRect l="-8889" t="-15000" b="-10000"/>
+                  <a:fillRect l="-9091" t="-15000" b="-10000"/>
                 </a:stretch>
               </a:blipFill>
             </p:spPr>
@@ -30710,8 +30690,8 @@
           </p:sp>
         </mc:Fallback>
       </mc:AlternateContent>
-      <mc:AlternateContent xmlns:mc="http://schemas.openxmlformats.org/markup-compatibility/2006" xmlns:a14="http://schemas.microsoft.com/office/drawing/2010/main">
-        <mc:Choice Requires="a14">
+      <mc:AlternateContent xmlns:mc="http://schemas.openxmlformats.org/markup-compatibility/2006">
+        <mc:Choice xmlns:a14="http://schemas.microsoft.com/office/drawing/2010/main" Requires="a14">
           <p:sp>
             <p:nvSpPr>
               <p:cNvPr id="103" name="TextBox 102">
@@ -30726,7 +30706,7 @@
             </p:nvSpPr>
             <p:spPr>
               <a:xfrm>
-                <a:off x="17358023" y="2732931"/>
+                <a:off x="18101299" y="2732931"/>
                 <a:ext cx="1776961" cy="246221"/>
               </a:xfrm>
               <a:prstGeom prst="rect">
@@ -30867,7 +30847,7 @@
             </p:txBody>
           </p:sp>
         </mc:Choice>
-        <mc:Fallback xmlns="">
+        <mc:Fallback>
           <p:sp>
             <p:nvSpPr>
               <p:cNvPr id="103" name="TextBox 102">
@@ -30884,7 +30864,7 @@
             </p:nvSpPr>
             <p:spPr>
               <a:xfrm>
-                <a:off x="17358023" y="2732931"/>
+                <a:off x="18101299" y="2732931"/>
                 <a:ext cx="1776961" cy="246221"/>
               </a:xfrm>
               <a:prstGeom prst="rect">
@@ -30982,7 +30962,7 @@
         </p:nvSpPr>
         <p:spPr>
           <a:xfrm>
-            <a:off x="17134797" y="369441"/>
+            <a:off x="17878073" y="369441"/>
             <a:ext cx="2080323" cy="2947517"/>
           </a:xfrm>
           <a:prstGeom prst="rect">
@@ -31038,8 +31018,8 @@
         </p:nvSpPr>
         <p:spPr>
           <a:xfrm>
-            <a:off x="756783" y="3708050"/>
-            <a:ext cx="18521291" cy="4903055"/>
+            <a:off x="756783" y="3708051"/>
+            <a:ext cx="19201611" cy="4391763"/>
           </a:xfrm>
           <a:prstGeom prst="rect">
             <a:avLst/>
@@ -31089,7 +31069,7 @@
         </p:nvSpPr>
         <p:spPr>
           <a:xfrm rot="16200000">
-            <a:off x="-221976" y="5928744"/>
+            <a:off x="-145079" y="5673100"/>
             <a:ext cx="2427890" cy="461665"/>
           </a:xfrm>
           <a:prstGeom prst="rect">
@@ -31110,8 +31090,8 @@
           </a:p>
         </p:txBody>
       </p:sp>
-      <mc:AlternateContent xmlns:mc="http://schemas.openxmlformats.org/markup-compatibility/2006" xmlns:a14="http://schemas.microsoft.com/office/drawing/2010/main">
-        <mc:Choice Requires="a14">
+      <mc:AlternateContent xmlns:mc="http://schemas.openxmlformats.org/markup-compatibility/2006">
+        <mc:Choice xmlns:a14="http://schemas.microsoft.com/office/drawing/2010/main" Requires="a14">
           <p:sp>
             <p:nvSpPr>
               <p:cNvPr id="112" name="TextBox 111">
@@ -31126,7 +31106,7 @@
             </p:nvSpPr>
             <p:spPr>
               <a:xfrm>
-                <a:off x="16748419" y="2412738"/>
+                <a:off x="17491695" y="2412738"/>
                 <a:ext cx="182742" cy="246221"/>
               </a:xfrm>
               <a:prstGeom prst="rect">
@@ -31164,7 +31144,7 @@
             </p:txBody>
           </p:sp>
         </mc:Choice>
-        <mc:Fallback xmlns="">
+        <mc:Fallback>
           <p:sp>
             <p:nvSpPr>
               <p:cNvPr id="112" name="TextBox 111">
@@ -31181,14 +31161,14 @@
             </p:nvSpPr>
             <p:spPr>
               <a:xfrm>
-                <a:off x="16748419" y="2412738"/>
+                <a:off x="17491695" y="2412738"/>
                 <a:ext cx="182742" cy="246221"/>
               </a:xfrm>
               <a:prstGeom prst="rect">
                 <a:avLst/>
               </a:prstGeom>
               <a:blipFill>
-                <a:blip r:embed="rId28"/>
+                <a:blip r:embed="rId27"/>
                 <a:stretch>
                   <a:fillRect l="-26667" r="-26667" b="-5000"/>
                 </a:stretch>
@@ -31209,8 +31189,8 @@
           </p:sp>
         </mc:Fallback>
       </mc:AlternateContent>
-      <mc:AlternateContent xmlns:mc="http://schemas.openxmlformats.org/markup-compatibility/2006" xmlns:a14="http://schemas.microsoft.com/office/drawing/2010/main">
-        <mc:Choice Requires="a14">
+      <mc:AlternateContent xmlns:mc="http://schemas.openxmlformats.org/markup-compatibility/2006">
+        <mc:Choice xmlns:a14="http://schemas.microsoft.com/office/drawing/2010/main" Requires="a14">
           <p:sp>
             <p:nvSpPr>
               <p:cNvPr id="113" name="TextBox 112">
@@ -31225,7 +31205,7 @@
             </p:nvSpPr>
             <p:spPr>
               <a:xfrm>
-                <a:off x="16627616" y="2714414"/>
+                <a:off x="17370892" y="2714414"/>
                 <a:ext cx="445635" cy="246221"/>
               </a:xfrm>
               <a:prstGeom prst="rect">
@@ -31258,7 +31238,7 @@
             </p:txBody>
           </p:sp>
         </mc:Choice>
-        <mc:Fallback xmlns="">
+        <mc:Fallback>
           <p:sp>
             <p:nvSpPr>
               <p:cNvPr id="113" name="TextBox 112">
@@ -31275,16 +31255,16 @@
             </p:nvSpPr>
             <p:spPr>
               <a:xfrm>
-                <a:off x="16627616" y="2714414"/>
+                <a:off x="17370892" y="2714414"/>
                 <a:ext cx="445635" cy="246221"/>
               </a:xfrm>
               <a:prstGeom prst="rect">
                 <a:avLst/>
               </a:prstGeom>
               <a:blipFill>
-                <a:blip r:embed="rId29"/>
+                <a:blip r:embed="rId28"/>
                 <a:stretch>
-                  <a:fillRect l="-27778" t="-23810" r="-8333" b="-42857"/>
+                  <a:fillRect l="-30556" t="-23810" r="-8333" b="-42857"/>
                 </a:stretch>
               </a:blipFill>
             </p:spPr>
@@ -31684,341 +31664,320 @@
           </p:txBody>
         </p:sp>
       </p:grpSp>
-      <p:grpSp>
-        <p:nvGrpSpPr>
-          <p:cNvPr id="135" name="Group 134">
+      <p:cxnSp>
+        <p:nvCxnSpPr>
+          <p:cNvPr id="136" name="Straight Connector 135">
             <a:extLst>
               <a:ext uri="{FF2B5EF4-FFF2-40B4-BE49-F238E27FC236}">
-                <a16:creationId xmlns:a16="http://schemas.microsoft.com/office/drawing/2014/main" id="{9ADF11BC-F914-3648-9CA7-7016E7455BE2}"/>
+                <a16:creationId xmlns:a16="http://schemas.microsoft.com/office/drawing/2014/main" id="{7EE9033F-E8EA-634B-BE07-AA16802286AC}"/>
               </a:ext>
             </a:extLst>
           </p:cNvPr>
-          <p:cNvGrpSpPr/>
+          <p:cNvCxnSpPr>
+            <a:cxnSpLocks/>
+          </p:cNvCxnSpPr>
           <p:nvPr/>
-        </p:nvGrpSpPr>
-        <p:grpSpPr>
+        </p:nvCxnSpPr>
+        <p:spPr>
           <a:xfrm>
-            <a:off x="17490452" y="583828"/>
-            <a:ext cx="1679248" cy="651817"/>
-            <a:chOff x="1068865" y="580528"/>
-            <a:chExt cx="1679248" cy="651817"/>
+            <a:off x="18233728" y="932947"/>
+            <a:ext cx="1465160" cy="0"/>
           </a:xfrm>
-        </p:grpSpPr>
-        <p:cxnSp>
-          <p:nvCxnSpPr>
-            <p:cNvPr id="136" name="Straight Connector 135">
-              <a:extLst>
-                <a:ext uri="{FF2B5EF4-FFF2-40B4-BE49-F238E27FC236}">
-                  <a16:creationId xmlns:a16="http://schemas.microsoft.com/office/drawing/2014/main" id="{7EE9033F-E8EA-634B-BE07-AA16802286AC}"/>
-                </a:ext>
-              </a:extLst>
-            </p:cNvPr>
-            <p:cNvCxnSpPr>
-              <a:cxnSpLocks/>
-            </p:cNvCxnSpPr>
-            <p:nvPr/>
-          </p:nvCxnSpPr>
-          <p:spPr>
-            <a:xfrm>
-              <a:off x="1068865" y="929647"/>
-              <a:ext cx="1465160" cy="0"/>
-            </a:xfrm>
-            <a:prstGeom prst="line">
-              <a:avLst/>
-            </a:prstGeom>
+          <a:prstGeom prst="line">
+            <a:avLst/>
+          </a:prstGeom>
+          <a:solidFill>
+            <a:schemeClr val="bg1"/>
+          </a:solidFill>
+          <a:ln w="31750">
             <a:solidFill>
-              <a:schemeClr val="bg1"/>
+              <a:schemeClr val="tx1"/>
             </a:solidFill>
-            <a:ln w="31750">
-              <a:solidFill>
-                <a:schemeClr val="tx1"/>
-              </a:solidFill>
-            </a:ln>
-          </p:spPr>
-          <p:style>
-            <a:lnRef idx="1">
-              <a:schemeClr val="accent1"/>
-            </a:lnRef>
-            <a:fillRef idx="0">
-              <a:schemeClr val="accent1"/>
-            </a:fillRef>
-            <a:effectRef idx="0">
-              <a:schemeClr val="accent1"/>
-            </a:effectRef>
-            <a:fontRef idx="minor">
+          </a:ln>
+        </p:spPr>
+        <p:style>
+          <a:lnRef idx="1">
+            <a:schemeClr val="accent1"/>
+          </a:lnRef>
+          <a:fillRef idx="0">
+            <a:schemeClr val="accent1"/>
+          </a:fillRef>
+          <a:effectRef idx="0">
+            <a:schemeClr val="accent1"/>
+          </a:effectRef>
+          <a:fontRef idx="minor">
+            <a:schemeClr val="tx1"/>
+          </a:fontRef>
+        </p:style>
+      </p:cxnSp>
+      <p:cxnSp>
+        <p:nvCxnSpPr>
+          <p:cNvPr id="137" name="Straight Connector 136">
+            <a:extLst>
+              <a:ext uri="{FF2B5EF4-FFF2-40B4-BE49-F238E27FC236}">
+                <a16:creationId xmlns:a16="http://schemas.microsoft.com/office/drawing/2014/main" id="{B7259791-C033-E842-86D3-6BD533020DEC}"/>
+              </a:ext>
+            </a:extLst>
+          </p:cNvPr>
+          <p:cNvCxnSpPr>
+            <a:cxnSpLocks/>
+          </p:cNvCxnSpPr>
+          <p:nvPr/>
+        </p:nvCxnSpPr>
+        <p:spPr>
+          <a:xfrm flipV="1">
+            <a:off x="18387955" y="583829"/>
+            <a:ext cx="0" cy="349118"/>
+          </a:xfrm>
+          <a:prstGeom prst="line">
+            <a:avLst/>
+          </a:prstGeom>
+          <a:solidFill>
+            <a:schemeClr val="bg1"/>
+          </a:solidFill>
+          <a:ln w="31750">
+            <a:solidFill>
               <a:schemeClr val="tx1"/>
-            </a:fontRef>
-          </p:style>
-        </p:cxnSp>
-        <p:cxnSp>
-          <p:nvCxnSpPr>
-            <p:cNvPr id="137" name="Straight Connector 136">
-              <a:extLst>
-                <a:ext uri="{FF2B5EF4-FFF2-40B4-BE49-F238E27FC236}">
-                  <a16:creationId xmlns:a16="http://schemas.microsoft.com/office/drawing/2014/main" id="{B7259791-C033-E842-86D3-6BD533020DEC}"/>
-                </a:ext>
-              </a:extLst>
-            </p:cNvPr>
-            <p:cNvCxnSpPr>
-              <a:cxnSpLocks/>
-            </p:cNvCxnSpPr>
-            <p:nvPr/>
-          </p:nvCxnSpPr>
-          <p:spPr>
-            <a:xfrm flipV="1">
-              <a:off x="1223092" y="580529"/>
-              <a:ext cx="0" cy="349118"/>
-            </a:xfrm>
-            <a:prstGeom prst="line">
-              <a:avLst/>
-            </a:prstGeom>
+            </a:solidFill>
+          </a:ln>
+        </p:spPr>
+        <p:style>
+          <a:lnRef idx="1">
+            <a:schemeClr val="accent1"/>
+          </a:lnRef>
+          <a:fillRef idx="0">
+            <a:schemeClr val="accent1"/>
+          </a:fillRef>
+          <a:effectRef idx="0">
+            <a:schemeClr val="accent1"/>
+          </a:effectRef>
+          <a:fontRef idx="minor">
+            <a:schemeClr val="tx1"/>
+          </a:fontRef>
+        </p:style>
+      </p:cxnSp>
+      <p:cxnSp>
+        <p:nvCxnSpPr>
+          <p:cNvPr id="138" name="Straight Connector 137">
+            <a:extLst>
+              <a:ext uri="{FF2B5EF4-FFF2-40B4-BE49-F238E27FC236}">
+                <a16:creationId xmlns:a16="http://schemas.microsoft.com/office/drawing/2014/main" id="{8BAC74B6-5837-3143-A5AE-B2C4AE1E6328}"/>
+              </a:ext>
+            </a:extLst>
+          </p:cNvPr>
+          <p:cNvCxnSpPr>
+            <a:cxnSpLocks/>
+          </p:cNvCxnSpPr>
+          <p:nvPr/>
+        </p:nvCxnSpPr>
+        <p:spPr>
+          <a:xfrm flipV="1">
+            <a:off x="18503626" y="932947"/>
+            <a:ext cx="0" cy="302696"/>
+          </a:xfrm>
+          <a:prstGeom prst="line">
+            <a:avLst/>
+          </a:prstGeom>
+          <a:solidFill>
+            <a:schemeClr val="bg1"/>
+          </a:solidFill>
+          <a:ln w="31750">
             <a:solidFill>
-              <a:schemeClr val="bg1"/>
+              <a:schemeClr val="tx1"/>
             </a:solidFill>
-            <a:ln w="31750">
-              <a:solidFill>
-                <a:schemeClr val="tx1"/>
-              </a:solidFill>
-            </a:ln>
-          </p:spPr>
-          <p:style>
-            <a:lnRef idx="1">
-              <a:schemeClr val="accent1"/>
-            </a:lnRef>
-            <a:fillRef idx="0">
-              <a:schemeClr val="accent1"/>
-            </a:fillRef>
-            <a:effectRef idx="0">
-              <a:schemeClr val="accent1"/>
-            </a:effectRef>
-            <a:fontRef idx="minor">
+          </a:ln>
+        </p:spPr>
+        <p:style>
+          <a:lnRef idx="1">
+            <a:schemeClr val="accent1"/>
+          </a:lnRef>
+          <a:fillRef idx="0">
+            <a:schemeClr val="accent1"/>
+          </a:fillRef>
+          <a:effectRef idx="0">
+            <a:schemeClr val="accent1"/>
+          </a:effectRef>
+          <a:fontRef idx="minor">
+            <a:schemeClr val="tx1"/>
+          </a:fontRef>
+        </p:style>
+      </p:cxnSp>
+      <p:cxnSp>
+        <p:nvCxnSpPr>
+          <p:cNvPr id="139" name="Straight Connector 138">
+            <a:extLst>
+              <a:ext uri="{FF2B5EF4-FFF2-40B4-BE49-F238E27FC236}">
+                <a16:creationId xmlns:a16="http://schemas.microsoft.com/office/drawing/2014/main" id="{1F3AE854-5C8D-7C4A-BA23-449F47F31969}"/>
+              </a:ext>
+            </a:extLst>
+          </p:cNvPr>
+          <p:cNvCxnSpPr>
+            <a:cxnSpLocks/>
+          </p:cNvCxnSpPr>
+          <p:nvPr/>
+        </p:nvCxnSpPr>
+        <p:spPr>
+          <a:xfrm flipV="1">
+            <a:off x="18773524" y="583828"/>
+            <a:ext cx="0" cy="349119"/>
+          </a:xfrm>
+          <a:prstGeom prst="line">
+            <a:avLst/>
+          </a:prstGeom>
+          <a:solidFill>
+            <a:schemeClr val="bg1"/>
+          </a:solidFill>
+          <a:ln w="31750">
+            <a:solidFill>
               <a:schemeClr val="tx1"/>
-            </a:fontRef>
-          </p:style>
-        </p:cxnSp>
-        <p:cxnSp>
-          <p:nvCxnSpPr>
-            <p:cNvPr id="138" name="Straight Connector 137">
-              <a:extLst>
-                <a:ext uri="{FF2B5EF4-FFF2-40B4-BE49-F238E27FC236}">
-                  <a16:creationId xmlns:a16="http://schemas.microsoft.com/office/drawing/2014/main" id="{8BAC74B6-5837-3143-A5AE-B2C4AE1E6328}"/>
-                </a:ext>
-              </a:extLst>
-            </p:cNvPr>
-            <p:cNvCxnSpPr>
-              <a:cxnSpLocks/>
-            </p:cNvCxnSpPr>
-            <p:nvPr/>
-          </p:nvCxnSpPr>
-          <p:spPr>
-            <a:xfrm flipV="1">
-              <a:off x="1338763" y="929647"/>
-              <a:ext cx="0" cy="302696"/>
-            </a:xfrm>
-            <a:prstGeom prst="line">
-              <a:avLst/>
-            </a:prstGeom>
+            </a:solidFill>
+          </a:ln>
+        </p:spPr>
+        <p:style>
+          <a:lnRef idx="1">
+            <a:schemeClr val="accent1"/>
+          </a:lnRef>
+          <a:fillRef idx="0">
+            <a:schemeClr val="accent1"/>
+          </a:fillRef>
+          <a:effectRef idx="0">
+            <a:schemeClr val="accent1"/>
+          </a:effectRef>
+          <a:fontRef idx="minor">
+            <a:schemeClr val="tx1"/>
+          </a:fontRef>
+        </p:style>
+      </p:cxnSp>
+      <p:cxnSp>
+        <p:nvCxnSpPr>
+          <p:cNvPr id="140" name="Straight Connector 139">
+            <a:extLst>
+              <a:ext uri="{FF2B5EF4-FFF2-40B4-BE49-F238E27FC236}">
+                <a16:creationId xmlns:a16="http://schemas.microsoft.com/office/drawing/2014/main" id="{E33C79E5-368B-0B41-8377-A96429A4CF81}"/>
+              </a:ext>
+            </a:extLst>
+          </p:cNvPr>
+          <p:cNvCxnSpPr>
+            <a:cxnSpLocks/>
+          </p:cNvCxnSpPr>
+          <p:nvPr/>
+        </p:nvCxnSpPr>
+        <p:spPr>
+          <a:xfrm flipV="1">
+            <a:off x="19069127" y="932947"/>
+            <a:ext cx="0" cy="302698"/>
+          </a:xfrm>
+          <a:prstGeom prst="line">
+            <a:avLst/>
+          </a:prstGeom>
+          <a:solidFill>
+            <a:schemeClr val="bg1"/>
+          </a:solidFill>
+          <a:ln w="31750">
             <a:solidFill>
-              <a:schemeClr val="bg1"/>
+              <a:schemeClr val="tx1"/>
             </a:solidFill>
-            <a:ln w="31750">
-              <a:solidFill>
-                <a:schemeClr val="tx1"/>
-              </a:solidFill>
-            </a:ln>
-          </p:spPr>
-          <p:style>
-            <a:lnRef idx="1">
-              <a:schemeClr val="accent1"/>
-            </a:lnRef>
-            <a:fillRef idx="0">
-              <a:schemeClr val="accent1"/>
-            </a:fillRef>
-            <a:effectRef idx="0">
-              <a:schemeClr val="accent1"/>
-            </a:effectRef>
-            <a:fontRef idx="minor">
+          </a:ln>
+        </p:spPr>
+        <p:style>
+          <a:lnRef idx="1">
+            <a:schemeClr val="accent1"/>
+          </a:lnRef>
+          <a:fillRef idx="0">
+            <a:schemeClr val="accent1"/>
+          </a:fillRef>
+          <a:effectRef idx="0">
+            <a:schemeClr val="accent1"/>
+          </a:effectRef>
+          <a:fontRef idx="minor">
+            <a:schemeClr val="tx1"/>
+          </a:fontRef>
+        </p:style>
+      </p:cxnSp>
+      <p:cxnSp>
+        <p:nvCxnSpPr>
+          <p:cNvPr id="141" name="Straight Connector 140">
+            <a:extLst>
+              <a:ext uri="{FF2B5EF4-FFF2-40B4-BE49-F238E27FC236}">
+                <a16:creationId xmlns:a16="http://schemas.microsoft.com/office/drawing/2014/main" id="{7DEB2B49-ADE6-7D42-BBDB-25E3556780AF}"/>
+              </a:ext>
+            </a:extLst>
+          </p:cNvPr>
+          <p:cNvCxnSpPr>
+            <a:cxnSpLocks/>
+          </p:cNvCxnSpPr>
+          <p:nvPr/>
+        </p:nvCxnSpPr>
+        <p:spPr>
+          <a:xfrm flipV="1">
+            <a:off x="19335260" y="583828"/>
+            <a:ext cx="0" cy="349119"/>
+          </a:xfrm>
+          <a:prstGeom prst="line">
+            <a:avLst/>
+          </a:prstGeom>
+          <a:solidFill>
+            <a:schemeClr val="bg1"/>
+          </a:solidFill>
+          <a:ln w="31750">
+            <a:solidFill>
               <a:schemeClr val="tx1"/>
-            </a:fontRef>
-          </p:style>
-        </p:cxnSp>
-        <p:cxnSp>
-          <p:nvCxnSpPr>
-            <p:cNvPr id="139" name="Straight Connector 138">
-              <a:extLst>
-                <a:ext uri="{FF2B5EF4-FFF2-40B4-BE49-F238E27FC236}">
-                  <a16:creationId xmlns:a16="http://schemas.microsoft.com/office/drawing/2014/main" id="{1F3AE854-5C8D-7C4A-BA23-449F47F31969}"/>
-                </a:ext>
-              </a:extLst>
-            </p:cNvPr>
-            <p:cNvCxnSpPr>
-              <a:cxnSpLocks/>
-            </p:cNvCxnSpPr>
-            <p:nvPr/>
-          </p:nvCxnSpPr>
-          <p:spPr>
-            <a:xfrm flipV="1">
-              <a:off x="1608661" y="580528"/>
-              <a:ext cx="0" cy="349119"/>
-            </a:xfrm>
-            <a:prstGeom prst="line">
-              <a:avLst/>
-            </a:prstGeom>
-            <a:solidFill>
-              <a:schemeClr val="bg1"/>
             </a:solidFill>
-            <a:ln w="31750">
-              <a:solidFill>
-                <a:schemeClr val="tx1"/>
-              </a:solidFill>
-            </a:ln>
-          </p:spPr>
-          <p:style>
-            <a:lnRef idx="1">
-              <a:schemeClr val="accent1"/>
-            </a:lnRef>
-            <a:fillRef idx="0">
-              <a:schemeClr val="accent1"/>
-            </a:fillRef>
-            <a:effectRef idx="0">
-              <a:schemeClr val="accent1"/>
-            </a:effectRef>
-            <a:fontRef idx="minor">
-              <a:schemeClr val="tx1"/>
-            </a:fontRef>
-          </p:style>
-        </p:cxnSp>
-        <p:cxnSp>
-          <p:nvCxnSpPr>
-            <p:cNvPr id="140" name="Straight Connector 139">
-              <a:extLst>
-                <a:ext uri="{FF2B5EF4-FFF2-40B4-BE49-F238E27FC236}">
-                  <a16:creationId xmlns:a16="http://schemas.microsoft.com/office/drawing/2014/main" id="{E33C79E5-368B-0B41-8377-A96429A4CF81}"/>
-                </a:ext>
-              </a:extLst>
-            </p:cNvPr>
-            <p:cNvCxnSpPr>
-              <a:cxnSpLocks/>
-            </p:cNvCxnSpPr>
-            <p:nvPr/>
-          </p:nvCxnSpPr>
-          <p:spPr>
-            <a:xfrm flipV="1">
-              <a:off x="1904264" y="929647"/>
-              <a:ext cx="0" cy="302698"/>
-            </a:xfrm>
-            <a:prstGeom prst="line">
-              <a:avLst/>
-            </a:prstGeom>
-            <a:solidFill>
-              <a:schemeClr val="bg1"/>
-            </a:solidFill>
-            <a:ln w="31750">
-              <a:solidFill>
-                <a:schemeClr val="tx1"/>
-              </a:solidFill>
-            </a:ln>
-          </p:spPr>
-          <p:style>
-            <a:lnRef idx="1">
-              <a:schemeClr val="accent1"/>
-            </a:lnRef>
-            <a:fillRef idx="0">
-              <a:schemeClr val="accent1"/>
-            </a:fillRef>
-            <a:effectRef idx="0">
-              <a:schemeClr val="accent1"/>
-            </a:effectRef>
-            <a:fontRef idx="minor">
-              <a:schemeClr val="tx1"/>
-            </a:fontRef>
-          </p:style>
-        </p:cxnSp>
-        <p:cxnSp>
-          <p:nvCxnSpPr>
-            <p:cNvPr id="141" name="Straight Connector 140">
-              <a:extLst>
-                <a:ext uri="{FF2B5EF4-FFF2-40B4-BE49-F238E27FC236}">
-                  <a16:creationId xmlns:a16="http://schemas.microsoft.com/office/drawing/2014/main" id="{7DEB2B49-ADE6-7D42-BBDB-25E3556780AF}"/>
-                </a:ext>
-              </a:extLst>
-            </p:cNvPr>
-            <p:cNvCxnSpPr>
-              <a:cxnSpLocks/>
-            </p:cNvCxnSpPr>
-            <p:nvPr/>
-          </p:nvCxnSpPr>
-          <p:spPr>
-            <a:xfrm flipV="1">
-              <a:off x="2170397" y="580528"/>
-              <a:ext cx="0" cy="349119"/>
-            </a:xfrm>
-            <a:prstGeom prst="line">
-              <a:avLst/>
-            </a:prstGeom>
-            <a:solidFill>
-              <a:schemeClr val="bg1"/>
-            </a:solidFill>
-            <a:ln w="31750">
-              <a:solidFill>
-                <a:schemeClr val="tx1"/>
-              </a:solidFill>
-            </a:ln>
-          </p:spPr>
-          <p:style>
-            <a:lnRef idx="1">
-              <a:schemeClr val="accent1"/>
-            </a:lnRef>
-            <a:fillRef idx="0">
-              <a:schemeClr val="accent1"/>
-            </a:fillRef>
-            <a:effectRef idx="0">
-              <a:schemeClr val="accent1"/>
-            </a:effectRef>
-            <a:fontRef idx="minor">
-              <a:schemeClr val="tx1"/>
-            </a:fontRef>
-          </p:style>
-        </p:cxnSp>
-        <p:sp>
-          <p:nvSpPr>
-            <p:cNvPr id="143" name="TextBox 142">
-              <a:extLst>
-                <a:ext uri="{FF2B5EF4-FFF2-40B4-BE49-F238E27FC236}">
-                  <a16:creationId xmlns:a16="http://schemas.microsoft.com/office/drawing/2014/main" id="{EAFFD207-AC9A-8746-ACBB-23CAC9F2C4CB}"/>
-                </a:ext>
-              </a:extLst>
-            </p:cNvPr>
-            <p:cNvSpPr txBox="1"/>
-            <p:nvPr/>
-          </p:nvSpPr>
-          <p:spPr>
-            <a:xfrm>
-              <a:off x="2252464" y="653411"/>
-              <a:ext cx="495649" cy="276999"/>
-            </a:xfrm>
-            <a:prstGeom prst="rect">
-              <a:avLst/>
-            </a:prstGeom>
+          </a:ln>
+        </p:spPr>
+        <p:style>
+          <a:lnRef idx="1">
+            <a:schemeClr val="accent1"/>
+          </a:lnRef>
+          <a:fillRef idx="0">
+            <a:schemeClr val="accent1"/>
+          </a:fillRef>
+          <a:effectRef idx="0">
+            <a:schemeClr val="accent1"/>
+          </a:effectRef>
+          <a:fontRef idx="minor">
+            <a:schemeClr val="tx1"/>
+          </a:fontRef>
+        </p:style>
+      </p:cxnSp>
+      <p:sp>
+        <p:nvSpPr>
+          <p:cNvPr id="143" name="TextBox 142">
+            <a:extLst>
+              <a:ext uri="{FF2B5EF4-FFF2-40B4-BE49-F238E27FC236}">
+                <a16:creationId xmlns:a16="http://schemas.microsoft.com/office/drawing/2014/main" id="{EAFFD207-AC9A-8746-ACBB-23CAC9F2C4CB}"/>
+              </a:ext>
+            </a:extLst>
+          </p:cNvPr>
+          <p:cNvSpPr txBox="1"/>
+          <p:nvPr/>
+        </p:nvSpPr>
+        <p:spPr>
+          <a:xfrm>
+            <a:off x="19417327" y="656711"/>
+            <a:ext cx="495649" cy="276999"/>
+          </a:xfrm>
+          <a:prstGeom prst="rect">
+            <a:avLst/>
+          </a:prstGeom>
+          <a:noFill/>
+          <a:ln>
             <a:noFill/>
-            <a:ln>
-              <a:noFill/>
-            </a:ln>
-          </p:spPr>
-          <p:txBody>
-            <a:bodyPr wrap="none" rtlCol="0">
-              <a:spAutoFit/>
-            </a:bodyPr>
-            <a:lstStyle/>
-            <a:p>
-              <a:r>
-                <a:rPr lang="en-US" sz="1200" dirty="0"/>
-                <a:t>Time</a:t>
-              </a:r>
-            </a:p>
-          </p:txBody>
-        </p:sp>
-      </p:grpSp>
+          </a:ln>
+        </p:spPr>
+        <p:txBody>
+          <a:bodyPr wrap="none" rtlCol="0">
+            <a:spAutoFit/>
+          </a:bodyPr>
+          <a:lstStyle/>
+          <a:p>
+            <a:r>
+              <a:rPr lang="en-US" sz="1200" dirty="0"/>
+              <a:t>Time</a:t>
+            </a:r>
+          </a:p>
+        </p:txBody>
+      </p:sp>
       <p:cxnSp>
         <p:nvCxnSpPr>
           <p:cNvPr id="144" name="Straight Connector 143">
@@ -32035,7 +31994,7 @@
         </p:nvCxnSpPr>
         <p:spPr>
           <a:xfrm flipV="1">
-            <a:off x="18165829" y="934960"/>
+            <a:off x="18909105" y="934960"/>
             <a:ext cx="0" cy="302698"/>
           </a:xfrm>
           <a:prstGeom prst="line">
@@ -32134,13 +32093,13 @@
         </p:nvCxnSpPr>
         <p:spPr>
           <a:xfrm flipV="1">
-            <a:off x="14209486" y="369441"/>
-            <a:ext cx="3965473" cy="11282"/>
+            <a:off x="14559608" y="369441"/>
+            <a:ext cx="4358627" cy="17983"/>
           </a:xfrm>
           <a:prstGeom prst="bentConnector4">
             <a:avLst>
-              <a:gd name="adj1" fmla="val 388"/>
-              <a:gd name="adj2" fmla="val 2126236"/>
+              <a:gd name="adj1" fmla="val -236"/>
+              <a:gd name="adj2" fmla="val 1371201"/>
             </a:avLst>
           </a:prstGeom>
           <a:ln w="38100">
@@ -32744,8 +32703,8 @@
           </p:sp>
         </mc:Fallback>
       </mc:AlternateContent>
-      <mc:AlternateContent xmlns:mc="http://schemas.openxmlformats.org/markup-compatibility/2006" xmlns:a14="http://schemas.microsoft.com/office/drawing/2010/main">
-        <mc:Choice Requires="a14">
+      <mc:AlternateContent xmlns:mc="http://schemas.openxmlformats.org/markup-compatibility/2006">
+        <mc:Choice xmlns:a14="http://schemas.microsoft.com/office/drawing/2010/main" Requires="a14">
           <p:sp>
             <p:nvSpPr>
               <p:cNvPr id="145" name="TextBox 144">
@@ -32760,7 +32719,7 @@
             </p:nvSpPr>
             <p:spPr>
               <a:xfrm>
-                <a:off x="14487845" y="3011611"/>
+                <a:off x="15231121" y="3011611"/>
                 <a:ext cx="1691617" cy="246221"/>
               </a:xfrm>
               <a:prstGeom prst="rect">
@@ -32901,7 +32860,7 @@
             </p:txBody>
           </p:sp>
         </mc:Choice>
-        <mc:Fallback xmlns="">
+        <mc:Fallback>
           <p:sp>
             <p:nvSpPr>
               <p:cNvPr id="145" name="TextBox 144">
@@ -32918,7 +32877,7 @@
             </p:nvSpPr>
             <p:spPr>
               <a:xfrm>
-                <a:off x="14487845" y="3011611"/>
+                <a:off x="15231121" y="3011611"/>
                 <a:ext cx="1691617" cy="246221"/>
               </a:xfrm>
               <a:prstGeom prst="rect">
@@ -32946,8 +32905,8 @@
           </p:sp>
         </mc:Fallback>
       </mc:AlternateContent>
-      <mc:AlternateContent xmlns:mc="http://schemas.openxmlformats.org/markup-compatibility/2006" xmlns:a14="http://schemas.microsoft.com/office/drawing/2010/main">
-        <mc:Choice Requires="a14">
+      <mc:AlternateContent xmlns:mc="http://schemas.openxmlformats.org/markup-compatibility/2006">
+        <mc:Choice xmlns:a14="http://schemas.microsoft.com/office/drawing/2010/main" Requires="a14">
           <p:sp>
             <p:nvSpPr>
               <p:cNvPr id="147" name="TextBox 146">
@@ -32962,7 +32921,7 @@
             </p:nvSpPr>
             <p:spPr>
               <a:xfrm>
-                <a:off x="16627616" y="3002542"/>
+                <a:off x="17370892" y="3002542"/>
                 <a:ext cx="445635" cy="246221"/>
               </a:xfrm>
               <a:prstGeom prst="rect">
@@ -32995,7 +32954,7 @@
             </p:txBody>
           </p:sp>
         </mc:Choice>
-        <mc:Fallback xmlns="">
+        <mc:Fallback>
           <p:sp>
             <p:nvSpPr>
               <p:cNvPr id="147" name="TextBox 146">
@@ -33012,7 +32971,7 @@
             </p:nvSpPr>
             <p:spPr>
               <a:xfrm>
-                <a:off x="16627616" y="3002542"/>
+                <a:off x="17370892" y="3002542"/>
                 <a:ext cx="445635" cy="246221"/>
               </a:xfrm>
               <a:prstGeom prst="rect">
@@ -33021,7 +32980,7 @@
               <a:blipFill>
                 <a:blip r:embed="rId36"/>
                 <a:stretch>
-                  <a:fillRect l="-27778" t="-25000" r="-8333" b="-45000"/>
+                  <a:fillRect l="-30556" t="-25000" r="-8333" b="-45000"/>
                 </a:stretch>
               </a:blipFill>
             </p:spPr>
@@ -33040,8 +32999,8 @@
           </p:sp>
         </mc:Fallback>
       </mc:AlternateContent>
-      <mc:AlternateContent xmlns:mc="http://schemas.openxmlformats.org/markup-compatibility/2006" xmlns:a14="http://schemas.microsoft.com/office/drawing/2010/main">
-        <mc:Choice Requires="a14">
+      <mc:AlternateContent xmlns:mc="http://schemas.openxmlformats.org/markup-compatibility/2006">
+        <mc:Choice xmlns:a14="http://schemas.microsoft.com/office/drawing/2010/main" Requires="a14">
           <p:sp>
             <p:nvSpPr>
               <p:cNvPr id="148" name="TextBox 147">
@@ -33056,7 +33015,7 @@
             </p:nvSpPr>
             <p:spPr>
               <a:xfrm>
-                <a:off x="17366234" y="3006953"/>
+                <a:off x="18109510" y="3006953"/>
                 <a:ext cx="1776961" cy="246221"/>
               </a:xfrm>
               <a:prstGeom prst="rect">
@@ -33197,7 +33156,7 @@
             </p:txBody>
           </p:sp>
         </mc:Choice>
-        <mc:Fallback xmlns="">
+        <mc:Fallback>
           <p:sp>
             <p:nvSpPr>
               <p:cNvPr id="148" name="TextBox 147">
@@ -33214,7 +33173,7 @@
             </p:nvSpPr>
             <p:spPr>
               <a:xfrm>
-                <a:off x="17366234" y="3006953"/>
+                <a:off x="18109510" y="3006953"/>
                 <a:ext cx="1776961" cy="246221"/>
               </a:xfrm>
               <a:prstGeom prst="rect">
@@ -33223,7 +33182,7 @@
               <a:blipFill>
                 <a:blip r:embed="rId37"/>
                 <a:stretch>
-                  <a:fillRect l="-2128" b="-14286"/>
+                  <a:fillRect l="-2857" b="-14286"/>
                 </a:stretch>
               </a:blipFill>
             </p:spPr>
@@ -33622,8 +33581,8 @@
         </p:nvSpPr>
         <p:spPr>
           <a:xfrm>
-            <a:off x="12324608" y="3801433"/>
-            <a:ext cx="5411759" cy="369332"/>
+            <a:off x="15317245" y="3818086"/>
+            <a:ext cx="2519754" cy="369332"/>
           </a:xfrm>
           <a:prstGeom prst="rect">
             <a:avLst/>
@@ -33638,7 +33597,7 @@
           <a:p>
             <a:r>
               <a:rPr lang="en-US" b="1" dirty="0"/>
-              <a:t>Fast Iterative Shrinkage-Thresholding Algorithm (FISTA)</a:t>
+              <a:t>FISTA: 𝜆 in each iteration </a:t>
             </a:r>
           </a:p>
         </p:txBody>
@@ -33657,8 +33616,8 @@
         </p:nvSpPr>
         <p:spPr>
           <a:xfrm>
-            <a:off x="4253967" y="3803946"/>
-            <a:ext cx="3031749" cy="369332"/>
+            <a:off x="8919748" y="3821953"/>
+            <a:ext cx="2537976" cy="369332"/>
           </a:xfrm>
           <a:prstGeom prst="rect">
             <a:avLst/>
@@ -33673,7 +33632,7 @@
           <a:p>
             <a:r>
               <a:rPr lang="en-US" b="1" dirty="0"/>
-              <a:t>Least Angle Regression (LARS)</a:t>
+              <a:t>LARS: 𝜆 in each iteration</a:t>
             </a:r>
           </a:p>
         </p:txBody>
@@ -33694,13 +33653,13 @@
         </p:nvCxnSpPr>
         <p:spPr>
           <a:xfrm>
-            <a:off x="10782900" y="3708050"/>
-            <a:ext cx="0" cy="4903055"/>
+            <a:off x="13195849" y="3708050"/>
+            <a:ext cx="0" cy="4391764"/>
           </a:xfrm>
           <a:prstGeom prst="line">
             <a:avLst/>
           </a:prstGeom>
-          <a:ln w="12700">
+          <a:ln w="28575">
             <a:prstDash val="sysDot"/>
           </a:ln>
         </p:spPr>
@@ -33719,1964 +33678,12 @@
           </a:fontRef>
         </p:style>
       </p:cxnSp>
-      <mc:AlternateContent xmlns:mc="http://schemas.openxmlformats.org/markup-compatibility/2006">
-        <mc:Choice xmlns:a14="http://schemas.microsoft.com/office/drawing/2010/main" Requires="a14">
-          <p:sp>
-            <p:nvSpPr>
-              <p:cNvPr id="156" name="TextBox 155">
-                <a:extLst>
-                  <a:ext uri="{FF2B5EF4-FFF2-40B4-BE49-F238E27FC236}">
-                    <a16:creationId xmlns:a16="http://schemas.microsoft.com/office/drawing/2014/main" id="{F984368F-A389-354C-988A-B03C2B6E5FE0}"/>
-                  </a:ext>
-                </a:extLst>
-              </p:cNvPr>
-              <p:cNvSpPr txBox="1"/>
-              <p:nvPr/>
-            </p:nvSpPr>
-            <p:spPr>
-              <a:xfrm>
-                <a:off x="1189268" y="4259590"/>
-                <a:ext cx="3401494" cy="4401205"/>
-              </a:xfrm>
-              <a:prstGeom prst="rect">
-                <a:avLst/>
-              </a:prstGeom>
-              <a:noFill/>
-            </p:spPr>
-            <p:txBody>
-              <a:bodyPr wrap="square" rtlCol="0">
-                <a:spAutoFit/>
-              </a:bodyPr>
-              <a:lstStyle/>
-              <a:p>
-                <a:pPr marL="342900" indent="-342900">
-                  <a:buFont typeface="+mj-lt"/>
-                  <a:buAutoNum type="arabicPeriod"/>
-                </a:pPr>
-                <a:r>
-                  <a:rPr lang="en-US" sz="1400" dirty="0"/>
-                  <a:t>Start with all coefficients </a:t>
-                </a:r>
-                <a14:m>
-                  <m:oMath xmlns:m="http://schemas.openxmlformats.org/officeDocument/2006/math">
-                    <m:r>
-                      <a:rPr lang="en-US" sz="1400" b="1" i="1" dirty="0" smtClean="0">
-                        <a:latin typeface="Cambria Math" panose="02040503050406030204" pitchFamily="18" charset="0"/>
-                      </a:rPr>
-                      <m:t>𝒔</m:t>
-                    </m:r>
-                  </m:oMath>
-                </a14:m>
-                <a:r>
-                  <a:rPr lang="en-US" sz="1400" dirty="0"/>
-                  <a:t> equal to zero.</a:t>
-                </a:r>
-              </a:p>
-              <a:p>
-                <a:pPr marL="342900" indent="-342900">
-                  <a:buFont typeface="+mj-lt"/>
-                  <a:buAutoNum type="arabicPeriod"/>
-                </a:pPr>
-                <a:r>
-                  <a:rPr lang="en-US" sz="1400" dirty="0"/>
-                  <a:t>Find the predictor </a:t>
-                </a:r>
-                <a14:m>
-                  <m:oMath xmlns:m="http://schemas.openxmlformats.org/officeDocument/2006/math">
-                    <m:r>
-                      <a:rPr lang="en-US" sz="1400" b="1" i="1" dirty="0" smtClean="0">
-                        <a:latin typeface="Cambria Math" panose="02040503050406030204" pitchFamily="18" charset="0"/>
-                      </a:rPr>
-                      <m:t>𝒙</m:t>
-                    </m:r>
-                  </m:oMath>
-                </a14:m>
-                <a:r>
-                  <a:rPr lang="en-US" sz="1400" dirty="0"/>
-                  <a:t> most correlated with </a:t>
-                </a:r>
-                <a14:m>
-                  <m:oMath xmlns:m="http://schemas.openxmlformats.org/officeDocument/2006/math">
-                    <m:r>
-                      <a:rPr lang="en-US" sz="1400" b="1" i="1" dirty="0" smtClean="0">
-                        <a:latin typeface="Cambria Math" panose="02040503050406030204" pitchFamily="18" charset="0"/>
-                      </a:rPr>
-                      <m:t>𝒚</m:t>
-                    </m:r>
-                  </m:oMath>
-                </a14:m>
-                <a:r>
-                  <a:rPr lang="en-US" sz="1400" dirty="0"/>
-                  <a:t>.</a:t>
-                </a:r>
-                <a:endParaRPr lang="en-US" sz="1400" b="1" dirty="0"/>
-              </a:p>
-              <a:p>
-                <a:pPr marL="342900" indent="-342900">
-                  <a:buFont typeface="+mj-lt"/>
-                  <a:buAutoNum type="arabicPeriod"/>
-                </a:pPr>
-                <a:r>
-                  <a:rPr lang="en-US" sz="1400" dirty="0"/>
-                  <a:t>Increase the coefficient </a:t>
-                </a:r>
-                <a14:m>
-                  <m:oMath xmlns:m="http://schemas.openxmlformats.org/officeDocument/2006/math">
-                    <m:r>
-                      <a:rPr lang="en-US" sz="1400" i="1" dirty="0" smtClean="0">
-                        <a:latin typeface="Cambria Math" panose="02040503050406030204" pitchFamily="18" charset="0"/>
-                      </a:rPr>
-                      <m:t>𝑠</m:t>
-                    </m:r>
-                    <m:r>
-                      <a:rPr lang="en-US" sz="1400" i="1" baseline="-25000" dirty="0" err="1" smtClean="0">
-                        <a:latin typeface="Cambria Math" panose="02040503050406030204" pitchFamily="18" charset="0"/>
-                      </a:rPr>
-                      <m:t>𝑗</m:t>
-                    </m:r>
-                  </m:oMath>
-                </a14:m>
-                <a:r>
-                  <a:rPr lang="en-US" sz="1400" dirty="0"/>
-                  <a:t> in the direction of the sign of its correlation with </a:t>
-                </a:r>
-                <a14:m>
-                  <m:oMath xmlns:m="http://schemas.openxmlformats.org/officeDocument/2006/math">
-                    <m:r>
-                      <a:rPr lang="en-US" sz="1400" b="1" i="1" dirty="0" smtClean="0">
-                        <a:latin typeface="Cambria Math" panose="02040503050406030204" pitchFamily="18" charset="0"/>
-                      </a:rPr>
-                      <m:t>𝒚</m:t>
-                    </m:r>
-                  </m:oMath>
-                </a14:m>
-                <a:r>
-                  <a:rPr lang="en-US" sz="1400" dirty="0"/>
-                  <a:t>. Take residuals </a:t>
-                </a:r>
-                <a14:m>
-                  <m:oMath xmlns:m="http://schemas.openxmlformats.org/officeDocument/2006/math">
-                    <m:r>
-                      <a:rPr lang="en-US" sz="1400" i="1" dirty="0" smtClean="0">
-                        <a:latin typeface="Cambria Math" panose="02040503050406030204" pitchFamily="18" charset="0"/>
-                      </a:rPr>
-                      <m:t>𝑟</m:t>
-                    </m:r>
-                    <m:r>
-                      <a:rPr lang="en-US" sz="1400" i="1" dirty="0" smtClean="0">
-                        <a:latin typeface="Cambria Math" panose="02040503050406030204" pitchFamily="18" charset="0"/>
-                      </a:rPr>
-                      <m:t>=</m:t>
-                    </m:r>
-                    <m:r>
-                      <a:rPr lang="en-US" sz="1400" i="1" dirty="0" smtClean="0">
-                        <a:latin typeface="Cambria Math" panose="02040503050406030204" pitchFamily="18" charset="0"/>
-                      </a:rPr>
-                      <m:t>𝑦</m:t>
-                    </m:r>
-                    <m:r>
-                      <a:rPr lang="en-US" sz="1400" i="1" dirty="0" smtClean="0">
-                        <a:latin typeface="Cambria Math" panose="02040503050406030204" pitchFamily="18" charset="0"/>
-                      </a:rPr>
-                      <m:t>−</m:t>
-                    </m:r>
-                    <m:acc>
-                      <m:accPr>
-                        <m:chr m:val="̂"/>
-                        <m:ctrlPr>
-                          <a:rPr lang="en-US" sz="1400" i="1" dirty="0" smtClean="0">
-                            <a:latin typeface="Cambria Math" panose="02040503050406030204" pitchFamily="18" charset="0"/>
-                          </a:rPr>
-                        </m:ctrlPr>
-                      </m:accPr>
-                      <m:e>
-                        <m:r>
-                          <a:rPr lang="en-US" sz="1400" b="0" i="1" dirty="0" smtClean="0">
-                            <a:latin typeface="Cambria Math" panose="02040503050406030204" pitchFamily="18" charset="0"/>
-                          </a:rPr>
-                          <m:t>𝑦</m:t>
-                        </m:r>
-                      </m:e>
-                    </m:acc>
-                  </m:oMath>
-                </a14:m>
-                <a:r>
-                  <a:rPr lang="en-US" sz="1400" dirty="0"/>
-                  <a:t> along the way. Stop when some other predictor </a:t>
-                </a:r>
-                <a14:m>
-                  <m:oMath xmlns:m="http://schemas.openxmlformats.org/officeDocument/2006/math">
-                    <m:r>
-                      <a:rPr lang="en-US" sz="1400" i="1" dirty="0" smtClean="0">
-                        <a:latin typeface="Cambria Math" panose="02040503050406030204" pitchFamily="18" charset="0"/>
-                      </a:rPr>
-                      <m:t>𝑥</m:t>
-                    </m:r>
-                    <m:r>
-                      <a:rPr lang="en-US" sz="1400" i="1" baseline="-25000" dirty="0" err="1" smtClean="0">
-                        <a:latin typeface="Cambria Math" panose="02040503050406030204" pitchFamily="18" charset="0"/>
-                      </a:rPr>
-                      <m:t>𝑘</m:t>
-                    </m:r>
-                  </m:oMath>
-                </a14:m>
-                <a:r>
-                  <a:rPr lang="en-US" sz="1400" dirty="0"/>
-                  <a:t> has as much correlation with </a:t>
-                </a:r>
-                <a14:m>
-                  <m:oMath xmlns:m="http://schemas.openxmlformats.org/officeDocument/2006/math">
-                    <m:r>
-                      <a:rPr lang="en-US" sz="1400" i="1" dirty="0" smtClean="0">
-                        <a:latin typeface="Cambria Math" panose="02040503050406030204" pitchFamily="18" charset="0"/>
-                      </a:rPr>
-                      <m:t>𝑟</m:t>
-                    </m:r>
-                  </m:oMath>
-                </a14:m>
-                <a:r>
-                  <a:rPr lang="en-US" sz="1400" dirty="0"/>
-                  <a:t> as </a:t>
-                </a:r>
-                <a14:m>
-                  <m:oMath xmlns:m="http://schemas.openxmlformats.org/officeDocument/2006/math">
-                    <m:r>
-                      <a:rPr lang="en-US" sz="1400" i="1" dirty="0" smtClean="0">
-                        <a:latin typeface="Cambria Math" panose="02040503050406030204" pitchFamily="18" charset="0"/>
-                      </a:rPr>
-                      <m:t>𝑥</m:t>
-                    </m:r>
-                    <m:r>
-                      <a:rPr lang="en-US" sz="1400" i="1" baseline="-25000" dirty="0" err="1" smtClean="0">
-                        <a:latin typeface="Cambria Math" panose="02040503050406030204" pitchFamily="18" charset="0"/>
-                      </a:rPr>
-                      <m:t>𝑗</m:t>
-                    </m:r>
-                  </m:oMath>
-                </a14:m>
-                <a:r>
-                  <a:rPr lang="en-US" sz="1400" baseline="-25000" dirty="0"/>
-                  <a:t> </a:t>
-                </a:r>
-                <a:r>
-                  <a:rPr lang="en-US" sz="1400" dirty="0"/>
-                  <a:t>has.</a:t>
-                </a:r>
-              </a:p>
-              <a:p>
-                <a:pPr marL="342900" indent="-342900">
-                  <a:buFont typeface="+mj-lt"/>
-                  <a:buAutoNum type="arabicPeriod"/>
-                </a:pPr>
-                <a:r>
-                  <a:rPr lang="en-US" sz="1400" dirty="0"/>
-                  <a:t>Increase </a:t>
-                </a:r>
-                <a14:m>
-                  <m:oMath xmlns:m="http://schemas.openxmlformats.org/officeDocument/2006/math">
-                    <m:r>
-                      <a:rPr lang="en-US" sz="1400" i="1" dirty="0" smtClean="0">
-                        <a:latin typeface="Cambria Math" panose="02040503050406030204" pitchFamily="18" charset="0"/>
-                      </a:rPr>
-                      <m:t>(</m:t>
-                    </m:r>
-                    <m:r>
-                      <a:rPr lang="en-US" sz="1400" i="1" dirty="0" err="1" smtClean="0">
-                        <a:latin typeface="Cambria Math" panose="02040503050406030204" pitchFamily="18" charset="0"/>
-                      </a:rPr>
-                      <m:t>𝑠</m:t>
-                    </m:r>
-                    <m:r>
-                      <a:rPr lang="en-US" sz="1400" i="1" baseline="-25000" dirty="0" err="1" smtClean="0">
-                        <a:latin typeface="Cambria Math" panose="02040503050406030204" pitchFamily="18" charset="0"/>
-                      </a:rPr>
-                      <m:t>𝑗</m:t>
-                    </m:r>
-                    <m:r>
-                      <a:rPr lang="en-US" sz="1400" i="1" baseline="-25000" dirty="0" smtClean="0">
-                        <a:latin typeface="Cambria Math" panose="02040503050406030204" pitchFamily="18" charset="0"/>
-                      </a:rPr>
-                      <m:t> </m:t>
-                    </m:r>
-                    <m:r>
-                      <a:rPr lang="en-US" sz="1400" i="1" dirty="0" smtClean="0">
-                        <a:latin typeface="Cambria Math" panose="02040503050406030204" pitchFamily="18" charset="0"/>
-                      </a:rPr>
-                      <m:t>, </m:t>
-                    </m:r>
-                    <m:r>
-                      <a:rPr lang="en-US" sz="1400" i="1" dirty="0" err="1" smtClean="0">
-                        <a:latin typeface="Cambria Math" panose="02040503050406030204" pitchFamily="18" charset="0"/>
-                      </a:rPr>
-                      <m:t>𝑠</m:t>
-                    </m:r>
-                    <m:r>
-                      <a:rPr lang="en-US" sz="1400" i="1" baseline="-25000" dirty="0" err="1" smtClean="0">
-                        <a:latin typeface="Cambria Math" panose="02040503050406030204" pitchFamily="18" charset="0"/>
-                      </a:rPr>
-                      <m:t>𝑘</m:t>
-                    </m:r>
-                    <m:r>
-                      <a:rPr lang="en-US" sz="1400" i="1" dirty="0" smtClean="0">
-                        <a:latin typeface="Cambria Math" panose="02040503050406030204" pitchFamily="18" charset="0"/>
-                      </a:rPr>
-                      <m:t>)</m:t>
-                    </m:r>
-                  </m:oMath>
-                </a14:m>
-                <a:r>
-                  <a:rPr lang="en-US" sz="1400" dirty="0"/>
-                  <a:t> in their joint least-squares direction, until some other predictor </a:t>
-                </a:r>
-                <a14:m>
-                  <m:oMath xmlns:m="http://schemas.openxmlformats.org/officeDocument/2006/math">
-                    <m:r>
-                      <a:rPr lang="en-US" sz="1400" i="1" dirty="0" smtClean="0">
-                        <a:latin typeface="Cambria Math" panose="02040503050406030204" pitchFamily="18" charset="0"/>
-                      </a:rPr>
-                      <m:t>𝑥</m:t>
-                    </m:r>
-                    <m:r>
-                      <a:rPr lang="en-US" sz="1400" i="1" baseline="-25000" dirty="0" err="1" smtClean="0">
-                        <a:latin typeface="Cambria Math" panose="02040503050406030204" pitchFamily="18" charset="0"/>
-                      </a:rPr>
-                      <m:t>𝑚</m:t>
-                    </m:r>
-                  </m:oMath>
-                </a14:m>
-                <a:r>
-                  <a:rPr lang="en-US" sz="1400" dirty="0"/>
-                  <a:t> has as much correlation with the residual </a:t>
-                </a:r>
-                <a14:m>
-                  <m:oMath xmlns:m="http://schemas.openxmlformats.org/officeDocument/2006/math">
-                    <m:r>
-                      <a:rPr lang="en-US" sz="1400" i="1" dirty="0" smtClean="0">
-                        <a:latin typeface="Cambria Math" panose="02040503050406030204" pitchFamily="18" charset="0"/>
-                      </a:rPr>
-                      <m:t>𝑟</m:t>
-                    </m:r>
-                  </m:oMath>
-                </a14:m>
-                <a:r>
-                  <a:rPr lang="en-US" sz="1400" dirty="0"/>
-                  <a:t>.</a:t>
-                </a:r>
-              </a:p>
-              <a:p>
-                <a:pPr marL="342900" indent="-342900">
-                  <a:buFont typeface="+mj-lt"/>
-                  <a:buAutoNum type="arabicPeriod"/>
-                </a:pPr>
-                <a:r>
-                  <a:rPr lang="en-US" sz="1400" dirty="0"/>
-                  <a:t>Increase </a:t>
-                </a:r>
-                <a14:m>
-                  <m:oMath xmlns:m="http://schemas.openxmlformats.org/officeDocument/2006/math">
-                    <m:r>
-                      <a:rPr lang="en-US" sz="1400" i="1" dirty="0" smtClean="0">
-                        <a:latin typeface="Cambria Math" panose="02040503050406030204" pitchFamily="18" charset="0"/>
-                      </a:rPr>
-                      <m:t>(</m:t>
-                    </m:r>
-                    <m:r>
-                      <a:rPr lang="en-US" sz="1400" i="1" dirty="0" err="1" smtClean="0">
-                        <a:latin typeface="Cambria Math" panose="02040503050406030204" pitchFamily="18" charset="0"/>
-                      </a:rPr>
-                      <m:t>𝑠</m:t>
-                    </m:r>
-                    <m:r>
-                      <a:rPr lang="en-US" sz="1400" i="1" baseline="-25000" dirty="0" err="1" smtClean="0">
-                        <a:latin typeface="Cambria Math" panose="02040503050406030204" pitchFamily="18" charset="0"/>
-                      </a:rPr>
-                      <m:t>𝑗</m:t>
-                    </m:r>
-                    <m:r>
-                      <a:rPr lang="en-US" sz="1400" i="1" dirty="0" smtClean="0">
-                        <a:latin typeface="Cambria Math" panose="02040503050406030204" pitchFamily="18" charset="0"/>
-                      </a:rPr>
-                      <m:t>, </m:t>
-                    </m:r>
-                    <m:r>
-                      <a:rPr lang="en-US" sz="1400" i="1" dirty="0" err="1" smtClean="0">
-                        <a:latin typeface="Cambria Math" panose="02040503050406030204" pitchFamily="18" charset="0"/>
-                      </a:rPr>
-                      <m:t>𝑠</m:t>
-                    </m:r>
-                    <m:r>
-                      <a:rPr lang="en-US" sz="1400" i="1" baseline="-25000" dirty="0" err="1" smtClean="0">
-                        <a:latin typeface="Cambria Math" panose="02040503050406030204" pitchFamily="18" charset="0"/>
-                      </a:rPr>
-                      <m:t>𝑘</m:t>
-                    </m:r>
-                    <m:r>
-                      <a:rPr lang="en-US" sz="1400" i="1" dirty="0" smtClean="0">
-                        <a:latin typeface="Cambria Math" panose="02040503050406030204" pitchFamily="18" charset="0"/>
-                      </a:rPr>
-                      <m:t>, </m:t>
-                    </m:r>
-                    <m:r>
-                      <a:rPr lang="en-US" sz="1400" i="1" dirty="0" err="1" smtClean="0">
-                        <a:latin typeface="Cambria Math" panose="02040503050406030204" pitchFamily="18" charset="0"/>
-                      </a:rPr>
-                      <m:t>𝑠</m:t>
-                    </m:r>
-                    <m:r>
-                      <a:rPr lang="en-US" sz="1400" i="1" baseline="-25000" dirty="0" err="1" smtClean="0">
-                        <a:latin typeface="Cambria Math" panose="02040503050406030204" pitchFamily="18" charset="0"/>
-                      </a:rPr>
-                      <m:t>𝑚</m:t>
-                    </m:r>
-                    <m:r>
-                      <a:rPr lang="en-US" sz="1400" i="1" dirty="0" smtClean="0">
-                        <a:latin typeface="Cambria Math" panose="02040503050406030204" pitchFamily="18" charset="0"/>
-                      </a:rPr>
-                      <m:t>)</m:t>
-                    </m:r>
-                  </m:oMath>
-                </a14:m>
-                <a:r>
-                  <a:rPr lang="en-US" sz="1400" dirty="0"/>
-                  <a:t> in their joint least-squares direction, until some other predictor </a:t>
-                </a:r>
-                <a14:m>
-                  <m:oMath xmlns:m="http://schemas.openxmlformats.org/officeDocument/2006/math">
-                    <m:r>
-                      <a:rPr lang="en-US" sz="1400" i="1" dirty="0" smtClean="0">
-                        <a:latin typeface="Cambria Math" panose="02040503050406030204" pitchFamily="18" charset="0"/>
-                      </a:rPr>
-                      <m:t>𝑥</m:t>
-                    </m:r>
-                    <m:r>
-                      <a:rPr lang="en-US" sz="1400" i="1" baseline="-25000" dirty="0" err="1" smtClean="0">
-                        <a:latin typeface="Cambria Math" panose="02040503050406030204" pitchFamily="18" charset="0"/>
-                      </a:rPr>
-                      <m:t>𝑛</m:t>
-                    </m:r>
-                  </m:oMath>
-                </a14:m>
-                <a:r>
-                  <a:rPr lang="en-US" sz="1400" dirty="0"/>
-                  <a:t> has as much correlation with the residual </a:t>
-                </a:r>
-                <a14:m>
-                  <m:oMath xmlns:m="http://schemas.openxmlformats.org/officeDocument/2006/math">
-                    <m:r>
-                      <a:rPr lang="en-US" sz="1400" i="1" dirty="0" smtClean="0">
-                        <a:latin typeface="Cambria Math" panose="02040503050406030204" pitchFamily="18" charset="0"/>
-                      </a:rPr>
-                      <m:t>𝑟</m:t>
-                    </m:r>
-                  </m:oMath>
-                </a14:m>
-                <a:r>
-                  <a:rPr lang="en-US" sz="1400" dirty="0"/>
-                  <a:t>.</a:t>
-                </a:r>
-              </a:p>
-              <a:p>
-                <a:pPr marL="342900" indent="-342900">
-                  <a:buFont typeface="+mj-lt"/>
-                  <a:buAutoNum type="arabicPeriod"/>
-                </a:pPr>
-                <a:r>
-                  <a:rPr lang="en-US" sz="1400" dirty="0"/>
-                  <a:t>Continue until all predictors are in the model.</a:t>
-                </a:r>
-              </a:p>
-            </p:txBody>
-          </p:sp>
-        </mc:Choice>
-        <mc:Fallback>
-          <p:sp>
-            <p:nvSpPr>
-              <p:cNvPr id="156" name="TextBox 155">
-                <a:extLst>
-                  <a:ext uri="{FF2B5EF4-FFF2-40B4-BE49-F238E27FC236}">
-                    <a16:creationId xmlns:a16="http://schemas.microsoft.com/office/drawing/2014/main" id="{F984368F-A389-354C-988A-B03C2B6E5FE0}"/>
-                  </a:ext>
-                </a:extLst>
-              </p:cNvPr>
-              <p:cNvSpPr txBox="1">
-                <a:spLocks noRot="1" noChangeAspect="1" noMove="1" noResize="1" noEditPoints="1" noAdjustHandles="1" noChangeArrowheads="1" noChangeShapeType="1" noTextEdit="1"/>
-              </p:cNvSpPr>
-              <p:nvPr/>
-            </p:nvSpPr>
-            <p:spPr>
-              <a:xfrm>
-                <a:off x="1189268" y="4259590"/>
-                <a:ext cx="3401494" cy="4401205"/>
-              </a:xfrm>
-              <a:prstGeom prst="rect">
-                <a:avLst/>
-              </a:prstGeom>
-              <a:blipFill>
-                <a:blip r:embed="rId40"/>
-                <a:stretch>
-                  <a:fillRect l="-372" t="-287" b="-287"/>
-                </a:stretch>
-              </a:blipFill>
-            </p:spPr>
-            <p:txBody>
-              <a:bodyPr/>
-              <a:lstStyle/>
-              <a:p>
-                <a:r>
-                  <a:rPr lang="en-US">
-                    <a:noFill/>
-                  </a:rPr>
-                  <a:t> </a:t>
-                </a:r>
-              </a:p>
-            </p:txBody>
-          </p:sp>
-        </mc:Fallback>
-      </mc:AlternateContent>
-      <p:grpSp>
-        <p:nvGrpSpPr>
-          <p:cNvPr id="105" name="Group 104">
+      <p:pic>
+        <p:nvPicPr>
+          <p:cNvPr id="128" name="Picture 127" descr="A picture containing chart&#10;&#10;Description automatically generated">
             <a:extLst>
               <a:ext uri="{FF2B5EF4-FFF2-40B4-BE49-F238E27FC236}">
-                <a16:creationId xmlns:a16="http://schemas.microsoft.com/office/drawing/2014/main" id="{AF1180A4-A7E3-B540-B201-5CECCE6CD9A3}"/>
-              </a:ext>
-            </a:extLst>
-          </p:cNvPr>
-          <p:cNvGrpSpPr/>
-          <p:nvPr/>
-        </p:nvGrpSpPr>
-        <p:grpSpPr>
-          <a:xfrm>
-            <a:off x="10865441" y="4258541"/>
-            <a:ext cx="5956894" cy="4029323"/>
-            <a:chOff x="10146421" y="4348075"/>
-            <a:chExt cx="5956894" cy="4029323"/>
-          </a:xfrm>
-        </p:grpSpPr>
-        <mc:AlternateContent xmlns:mc="http://schemas.openxmlformats.org/markup-compatibility/2006">
-          <mc:Choice xmlns:a14="http://schemas.microsoft.com/office/drawing/2010/main" Requires="a14">
-            <p:sp>
-              <p:nvSpPr>
-                <p:cNvPr id="125" name="TextBox 124">
-                  <a:extLst>
-                    <a:ext uri="{FF2B5EF4-FFF2-40B4-BE49-F238E27FC236}">
-                      <a16:creationId xmlns:a16="http://schemas.microsoft.com/office/drawing/2014/main" id="{79DFB7F1-4827-7040-B180-4C4D7832EAAD}"/>
-                    </a:ext>
-                  </a:extLst>
-                </p:cNvPr>
-                <p:cNvSpPr txBox="1"/>
-                <p:nvPr/>
-              </p:nvSpPr>
-              <p:spPr>
-                <a:xfrm>
-                  <a:off x="10442834" y="6416572"/>
-                  <a:ext cx="1469440" cy="224870"/>
-                </a:xfrm>
-                <a:prstGeom prst="rect">
-                  <a:avLst/>
-                </a:prstGeom>
-                <a:noFill/>
-              </p:spPr>
-              <p:txBody>
-                <a:bodyPr wrap="none" lIns="0" tIns="0" rIns="0" bIns="0" rtlCol="0">
-                  <a:spAutoFit/>
-                </a:bodyPr>
-                <a:lstStyle/>
-                <a:p>
-                  <a:pPr/>
-                  <a14:m>
-                    <m:oMathPara xmlns:m="http://schemas.openxmlformats.org/officeDocument/2006/math">
-                      <m:oMathParaPr>
-                        <m:jc m:val="centerGroup"/>
-                      </m:oMathParaPr>
-                      <m:oMath xmlns:m="http://schemas.openxmlformats.org/officeDocument/2006/math">
-                        <m:sSub>
-                          <m:sSubPr>
-                            <m:ctrlPr>
-                              <a:rPr lang="en-US" sz="1400" i="1" smtClean="0">
-                                <a:latin typeface="Cambria Math" panose="02040503050406030204" pitchFamily="18" charset="0"/>
-                              </a:rPr>
-                            </m:ctrlPr>
-                          </m:sSubPr>
-                          <m:e>
-                            <m:r>
-                              <a:rPr lang="en-US" sz="1400" b="0" i="1" smtClean="0">
-                                <a:latin typeface="Cambria Math" panose="02040503050406030204" pitchFamily="18" charset="0"/>
-                              </a:rPr>
-                              <m:t>𝑥</m:t>
-                            </m:r>
-                          </m:e>
-                          <m:sub>
-                            <m:r>
-                              <a:rPr lang="en-US" sz="1400" b="0" i="1" smtClean="0">
-                                <a:latin typeface="Cambria Math" panose="02040503050406030204" pitchFamily="18" charset="0"/>
-                              </a:rPr>
-                              <m:t>𝑘</m:t>
-                            </m:r>
-                          </m:sub>
-                        </m:sSub>
-                        <m:r>
-                          <a:rPr lang="en-US" sz="1400" b="0" i="1" smtClean="0">
-                            <a:latin typeface="Cambria Math" panose="02040503050406030204" pitchFamily="18" charset="0"/>
-                          </a:rPr>
-                          <m:t>=</m:t>
-                        </m:r>
-                        <m:sSub>
-                          <m:sSubPr>
-                            <m:ctrlPr>
-                              <a:rPr lang="en-US" sz="1400" b="0" i="1" smtClean="0">
-                                <a:latin typeface="Cambria Math" panose="02040503050406030204" pitchFamily="18" charset="0"/>
-                              </a:rPr>
-                            </m:ctrlPr>
-                          </m:sSubPr>
-                          <m:e>
-                            <m:r>
-                              <a:rPr lang="en-US" sz="1400" b="0" i="1" smtClean="0">
-                                <a:latin typeface="Cambria Math" panose="02040503050406030204" pitchFamily="18" charset="0"/>
-                              </a:rPr>
-                              <m:t>𝑝𝑟𝑜𝑥</m:t>
-                            </m:r>
-                          </m:e>
-                          <m:sub>
-                            <m:r>
-                              <a:rPr lang="en-US" sz="1400" b="0" i="1" smtClean="0">
-                                <a:latin typeface="Cambria Math" panose="02040503050406030204" pitchFamily="18" charset="0"/>
-                              </a:rPr>
-                              <m:t>𝐿</m:t>
-                            </m:r>
-                            <m:r>
-                              <a:rPr lang="en-US" sz="1400" b="0" i="1" smtClean="0">
-                                <a:latin typeface="Cambria Math" panose="02040503050406030204" pitchFamily="18" charset="0"/>
-                              </a:rPr>
-                              <m:t>,</m:t>
-                            </m:r>
-                            <m:r>
-                              <a:rPr lang="en-US" sz="1400" b="0" i="1" smtClean="0">
-                                <a:latin typeface="Cambria Math" panose="02040503050406030204" pitchFamily="18" charset="0"/>
-                                <a:ea typeface="Cambria Math" panose="02040503050406030204" pitchFamily="18" charset="0"/>
-                              </a:rPr>
-                              <m:t>𝜆</m:t>
-                            </m:r>
-                            <m:r>
-                              <a:rPr lang="en-US" sz="1400" b="0" i="1" smtClean="0">
-                                <a:latin typeface="Cambria Math" panose="02040503050406030204" pitchFamily="18" charset="0"/>
-                                <a:ea typeface="Cambria Math" panose="02040503050406030204" pitchFamily="18" charset="0"/>
-                              </a:rPr>
-                              <m:t>,</m:t>
-                            </m:r>
-                            <m:r>
-                              <m:rPr>
-                                <m:sty m:val="p"/>
-                              </m:rPr>
-                              <a:rPr lang="el-GR" sz="1400" b="0" i="1" smtClean="0">
-                                <a:latin typeface="Cambria Math" panose="02040503050406030204" pitchFamily="18" charset="0"/>
-                                <a:ea typeface="Cambria Math" panose="02040503050406030204" pitchFamily="18" charset="0"/>
-                              </a:rPr>
-                              <m:t>Ω</m:t>
-                            </m:r>
-                          </m:sub>
-                        </m:sSub>
-                        <m:r>
-                          <a:rPr lang="en-US" sz="1400" b="0" i="1" smtClean="0">
-                            <a:latin typeface="Cambria Math" panose="02040503050406030204" pitchFamily="18" charset="0"/>
-                          </a:rPr>
-                          <m:t>(</m:t>
-                        </m:r>
-                        <m:sSub>
-                          <m:sSubPr>
-                            <m:ctrlPr>
-                              <a:rPr lang="en-US" sz="1400" b="0" i="1" smtClean="0">
-                                <a:latin typeface="Cambria Math" panose="02040503050406030204" pitchFamily="18" charset="0"/>
-                              </a:rPr>
-                            </m:ctrlPr>
-                          </m:sSubPr>
-                          <m:e>
-                            <m:r>
-                              <a:rPr lang="en-US" sz="1400" b="0" i="1" smtClean="0">
-                                <a:latin typeface="Cambria Math" panose="02040503050406030204" pitchFamily="18" charset="0"/>
-                              </a:rPr>
-                              <m:t>𝑧</m:t>
-                            </m:r>
-                          </m:e>
-                          <m:sub>
-                            <m:r>
-                              <a:rPr lang="en-US" sz="1400" b="0" i="1" smtClean="0">
-                                <a:latin typeface="Cambria Math" panose="02040503050406030204" pitchFamily="18" charset="0"/>
-                              </a:rPr>
-                              <m:t>𝑘</m:t>
-                            </m:r>
-                          </m:sub>
-                        </m:sSub>
-                        <m:r>
-                          <a:rPr lang="en-US" sz="1400" b="0" i="1" smtClean="0">
-                            <a:latin typeface="Cambria Math" panose="02040503050406030204" pitchFamily="18" charset="0"/>
-                          </a:rPr>
-                          <m:t>)</m:t>
-                        </m:r>
-                      </m:oMath>
-                    </m:oMathPara>
-                  </a14:m>
-                  <a:endParaRPr lang="en-US" sz="1400" dirty="0"/>
-                </a:p>
-              </p:txBody>
-            </p:sp>
-          </mc:Choice>
-          <mc:Fallback>
-            <p:sp>
-              <p:nvSpPr>
-                <p:cNvPr id="125" name="TextBox 124">
-                  <a:extLst>
-                    <a:ext uri="{FF2B5EF4-FFF2-40B4-BE49-F238E27FC236}">
-                      <a16:creationId xmlns:a16="http://schemas.microsoft.com/office/drawing/2014/main" id="{79DFB7F1-4827-7040-B180-4C4D7832EAAD}"/>
-                    </a:ext>
-                  </a:extLst>
-                </p:cNvPr>
-                <p:cNvSpPr txBox="1">
-                  <a:spLocks noRot="1" noChangeAspect="1" noMove="1" noResize="1" noEditPoints="1" noAdjustHandles="1" noChangeArrowheads="1" noChangeShapeType="1" noTextEdit="1"/>
-                </p:cNvSpPr>
-                <p:nvPr/>
-              </p:nvSpPr>
-              <p:spPr>
-                <a:xfrm>
-                  <a:off x="10442834" y="6416572"/>
-                  <a:ext cx="1469440" cy="224870"/>
-                </a:xfrm>
-                <a:prstGeom prst="rect">
-                  <a:avLst/>
-                </a:prstGeom>
-                <a:blipFill>
-                  <a:blip r:embed="rId41"/>
-                  <a:stretch>
-                    <a:fillRect l="-855" t="-5556" r="-4274" b="-27778"/>
-                  </a:stretch>
-                </a:blipFill>
-              </p:spPr>
-              <p:txBody>
-                <a:bodyPr/>
-                <a:lstStyle/>
-                <a:p>
-                  <a:r>
-                    <a:rPr lang="en-US">
-                      <a:noFill/>
-                    </a:rPr>
-                    <a:t> </a:t>
-                  </a:r>
-                </a:p>
-              </p:txBody>
-            </p:sp>
-          </mc:Fallback>
-        </mc:AlternateContent>
-        <mc:AlternateContent xmlns:mc="http://schemas.openxmlformats.org/markup-compatibility/2006">
-          <mc:Choice xmlns:a14="http://schemas.microsoft.com/office/drawing/2010/main" Requires="a14">
-            <p:sp>
-              <p:nvSpPr>
-                <p:cNvPr id="126" name="TextBox 125">
-                  <a:extLst>
-                    <a:ext uri="{FF2B5EF4-FFF2-40B4-BE49-F238E27FC236}">
-                      <a16:creationId xmlns:a16="http://schemas.microsoft.com/office/drawing/2014/main" id="{4424E384-F408-434A-BA25-2C554043690E}"/>
-                    </a:ext>
-                  </a:extLst>
-                </p:cNvPr>
-                <p:cNvSpPr txBox="1"/>
-                <p:nvPr/>
-              </p:nvSpPr>
-              <p:spPr>
-                <a:xfrm>
-                  <a:off x="10442834" y="6890633"/>
-                  <a:ext cx="1627240" cy="638380"/>
-                </a:xfrm>
-                <a:prstGeom prst="rect">
-                  <a:avLst/>
-                </a:prstGeom>
-                <a:noFill/>
-              </p:spPr>
-              <p:txBody>
-                <a:bodyPr wrap="none" lIns="0" tIns="0" rIns="0" bIns="0" rtlCol="0">
-                  <a:spAutoFit/>
-                </a:bodyPr>
-                <a:lstStyle/>
-                <a:p>
-                  <a:pPr/>
-                  <a14:m>
-                    <m:oMathPara xmlns:m="http://schemas.openxmlformats.org/officeDocument/2006/math">
-                      <m:oMathParaPr>
-                        <m:jc m:val="centerGroup"/>
-                      </m:oMathParaPr>
-                      <m:oMath xmlns:m="http://schemas.openxmlformats.org/officeDocument/2006/math">
-                        <m:sSub>
-                          <m:sSubPr>
-                            <m:ctrlPr>
-                              <a:rPr lang="en-US" sz="1400" i="1" smtClean="0">
-                                <a:latin typeface="Cambria Math" panose="02040503050406030204" pitchFamily="18" charset="0"/>
-                              </a:rPr>
-                            </m:ctrlPr>
-                          </m:sSubPr>
-                          <m:e>
-                            <m:r>
-                              <a:rPr lang="en-US" sz="1400" b="0" i="1" smtClean="0">
-                                <a:latin typeface="Cambria Math" panose="02040503050406030204" pitchFamily="18" charset="0"/>
-                              </a:rPr>
-                              <m:t>𝑡</m:t>
-                            </m:r>
-                          </m:e>
-                          <m:sub>
-                            <m:r>
-                              <a:rPr lang="en-US" sz="1400" b="0" i="1" smtClean="0">
-                                <a:latin typeface="Cambria Math" panose="02040503050406030204" pitchFamily="18" charset="0"/>
-                              </a:rPr>
-                              <m:t>𝑘</m:t>
-                            </m:r>
-                            <m:r>
-                              <a:rPr lang="en-US" sz="1400" b="0" i="1" smtClean="0">
-                                <a:latin typeface="Cambria Math" panose="02040503050406030204" pitchFamily="18" charset="0"/>
-                              </a:rPr>
-                              <m:t>+1</m:t>
-                            </m:r>
-                          </m:sub>
-                        </m:sSub>
-                        <m:r>
-                          <a:rPr lang="en-US" sz="1400" b="0" i="1" smtClean="0">
-                            <a:latin typeface="Cambria Math" panose="02040503050406030204" pitchFamily="18" charset="0"/>
-                          </a:rPr>
-                          <m:t>=</m:t>
-                        </m:r>
-                        <m:f>
-                          <m:fPr>
-                            <m:ctrlPr>
-                              <a:rPr lang="en-US" sz="1400" b="0" i="1" smtClean="0">
-                                <a:latin typeface="Cambria Math" panose="02040503050406030204" pitchFamily="18" charset="0"/>
-                              </a:rPr>
-                            </m:ctrlPr>
-                          </m:fPr>
-                          <m:num>
-                            <m:r>
-                              <a:rPr lang="en-US" sz="1400" b="0" i="1" smtClean="0">
-                                <a:latin typeface="Cambria Math" panose="02040503050406030204" pitchFamily="18" charset="0"/>
-                              </a:rPr>
-                              <m:t>1+</m:t>
-                            </m:r>
-                            <m:rad>
-                              <m:radPr>
-                                <m:degHide m:val="on"/>
-                                <m:ctrlPr>
-                                  <a:rPr lang="en-US" sz="1400" b="0" i="1" smtClean="0">
-                                    <a:latin typeface="Cambria Math" panose="02040503050406030204" pitchFamily="18" charset="0"/>
-                                  </a:rPr>
-                                </m:ctrlPr>
-                              </m:radPr>
-                              <m:deg/>
-                              <m:e>
-                                <m:r>
-                                  <a:rPr lang="en-US" sz="1400" b="0" i="1" smtClean="0">
-                                    <a:latin typeface="Cambria Math" panose="02040503050406030204" pitchFamily="18" charset="0"/>
-                                  </a:rPr>
-                                  <m:t>1+4</m:t>
-                                </m:r>
-                                <m:sSubSup>
-                                  <m:sSubSupPr>
-                                    <m:ctrlPr>
-                                      <a:rPr lang="en-US" sz="1400" b="0" i="1" smtClean="0">
-                                        <a:latin typeface="Cambria Math" panose="02040503050406030204" pitchFamily="18" charset="0"/>
-                                      </a:rPr>
-                                    </m:ctrlPr>
-                                  </m:sSubSupPr>
-                                  <m:e>
-                                    <m:r>
-                                      <a:rPr lang="en-US" sz="1400" b="0" i="1" smtClean="0">
-                                        <a:latin typeface="Cambria Math" panose="02040503050406030204" pitchFamily="18" charset="0"/>
-                                      </a:rPr>
-                                      <m:t>𝑡</m:t>
-                                    </m:r>
-                                  </m:e>
-                                  <m:sub>
-                                    <m:r>
-                                      <a:rPr lang="en-US" sz="1400" b="0" i="1" smtClean="0">
-                                        <a:latin typeface="Cambria Math" panose="02040503050406030204" pitchFamily="18" charset="0"/>
-                                      </a:rPr>
-                                      <m:t>𝑘</m:t>
-                                    </m:r>
-                                  </m:sub>
-                                  <m:sup>
-                                    <m:r>
-                                      <a:rPr lang="en-US" sz="1400" b="0" i="1" smtClean="0">
-                                        <a:latin typeface="Cambria Math" panose="02040503050406030204" pitchFamily="18" charset="0"/>
-                                      </a:rPr>
-                                      <m:t>2</m:t>
-                                    </m:r>
-                                  </m:sup>
-                                </m:sSubSup>
-                              </m:e>
-                            </m:rad>
-                          </m:num>
-                          <m:den>
-                            <m:r>
-                              <a:rPr lang="en-US" sz="1400" b="0" i="1" smtClean="0">
-                                <a:latin typeface="Cambria Math" panose="02040503050406030204" pitchFamily="18" charset="0"/>
-                              </a:rPr>
-                              <m:t>2</m:t>
-                            </m:r>
-                          </m:den>
-                        </m:f>
-                      </m:oMath>
-                    </m:oMathPara>
-                  </a14:m>
-                  <a:endParaRPr lang="en-US" sz="1400" dirty="0"/>
-                </a:p>
-              </p:txBody>
-            </p:sp>
-          </mc:Choice>
-          <mc:Fallback>
-            <p:sp>
-              <p:nvSpPr>
-                <p:cNvPr id="126" name="TextBox 125">
-                  <a:extLst>
-                    <a:ext uri="{FF2B5EF4-FFF2-40B4-BE49-F238E27FC236}">
-                      <a16:creationId xmlns:a16="http://schemas.microsoft.com/office/drawing/2014/main" id="{4424E384-F408-434A-BA25-2C554043690E}"/>
-                    </a:ext>
-                  </a:extLst>
-                </p:cNvPr>
-                <p:cNvSpPr txBox="1">
-                  <a:spLocks noRot="1" noChangeAspect="1" noMove="1" noResize="1" noEditPoints="1" noAdjustHandles="1" noChangeArrowheads="1" noChangeShapeType="1" noTextEdit="1"/>
-                </p:cNvSpPr>
-                <p:nvPr/>
-              </p:nvSpPr>
-              <p:spPr>
-                <a:xfrm>
-                  <a:off x="10442834" y="6890633"/>
-                  <a:ext cx="1627240" cy="638380"/>
-                </a:xfrm>
-                <a:prstGeom prst="rect">
-                  <a:avLst/>
-                </a:prstGeom>
-                <a:blipFill>
-                  <a:blip r:embed="rId42"/>
-                  <a:stretch>
-                    <a:fillRect l="-1538" b="-7843"/>
-                  </a:stretch>
-                </a:blipFill>
-              </p:spPr>
-              <p:txBody>
-                <a:bodyPr/>
-                <a:lstStyle/>
-                <a:p>
-                  <a:r>
-                    <a:rPr lang="en-US">
-                      <a:noFill/>
-                    </a:rPr>
-                    <a:t> </a:t>
-                  </a:r>
-                </a:p>
-              </p:txBody>
-            </p:sp>
-          </mc:Fallback>
-        </mc:AlternateContent>
-        <mc:AlternateContent xmlns:mc="http://schemas.openxmlformats.org/markup-compatibility/2006">
-          <mc:Choice xmlns:a14="http://schemas.microsoft.com/office/drawing/2010/main" Requires="a14">
-            <p:sp>
-              <p:nvSpPr>
-                <p:cNvPr id="127" name="TextBox 126">
-                  <a:extLst>
-                    <a:ext uri="{FF2B5EF4-FFF2-40B4-BE49-F238E27FC236}">
-                      <a16:creationId xmlns:a16="http://schemas.microsoft.com/office/drawing/2014/main" id="{90863E3B-2E07-2745-99D6-F24AF3CA5EBE}"/>
-                    </a:ext>
-                  </a:extLst>
-                </p:cNvPr>
-                <p:cNvSpPr txBox="1"/>
-                <p:nvPr/>
-              </p:nvSpPr>
-              <p:spPr>
-                <a:xfrm>
-                  <a:off x="10434880" y="7936315"/>
-                  <a:ext cx="2569486" cy="441083"/>
-                </a:xfrm>
-                <a:prstGeom prst="rect">
-                  <a:avLst/>
-                </a:prstGeom>
-                <a:noFill/>
-              </p:spPr>
-              <p:txBody>
-                <a:bodyPr wrap="none" lIns="0" tIns="0" rIns="0" bIns="0" rtlCol="0">
-                  <a:spAutoFit/>
-                </a:bodyPr>
-                <a:lstStyle/>
-                <a:p>
-                  <a:pPr/>
-                  <a14:m>
-                    <m:oMathPara xmlns:m="http://schemas.openxmlformats.org/officeDocument/2006/math">
-                      <m:oMathParaPr>
-                        <m:jc m:val="centerGroup"/>
-                      </m:oMathParaPr>
-                      <m:oMath xmlns:m="http://schemas.openxmlformats.org/officeDocument/2006/math">
-                        <m:sSub>
-                          <m:sSubPr>
-                            <m:ctrlPr>
-                              <a:rPr lang="en-US" sz="1400" i="1" smtClean="0">
-                                <a:latin typeface="Cambria Math" panose="02040503050406030204" pitchFamily="18" charset="0"/>
-                              </a:rPr>
-                            </m:ctrlPr>
-                          </m:sSubPr>
-                          <m:e>
-                            <m:r>
-                              <a:rPr lang="en-US" sz="1400" b="0" i="1" smtClean="0">
-                                <a:latin typeface="Cambria Math" panose="02040503050406030204" pitchFamily="18" charset="0"/>
-                              </a:rPr>
-                              <m:t>𝑦</m:t>
-                            </m:r>
-                          </m:e>
-                          <m:sub>
-                            <m:r>
-                              <a:rPr lang="en-US" sz="1400" b="0" i="1" smtClean="0">
-                                <a:latin typeface="Cambria Math" panose="02040503050406030204" pitchFamily="18" charset="0"/>
-                              </a:rPr>
-                              <m:t>𝑘</m:t>
-                            </m:r>
-                            <m:r>
-                              <a:rPr lang="en-US" sz="1400" b="0" i="1" smtClean="0">
-                                <a:latin typeface="Cambria Math" panose="02040503050406030204" pitchFamily="18" charset="0"/>
-                              </a:rPr>
-                              <m:t>+1</m:t>
-                            </m:r>
-                          </m:sub>
-                        </m:sSub>
-                        <m:r>
-                          <a:rPr lang="en-US" sz="1400" b="0" i="1" smtClean="0">
-                            <a:latin typeface="Cambria Math" panose="02040503050406030204" pitchFamily="18" charset="0"/>
-                          </a:rPr>
-                          <m:t>=</m:t>
-                        </m:r>
-                        <m:sSub>
-                          <m:sSubPr>
-                            <m:ctrlPr>
-                              <a:rPr lang="en-US" sz="1400" b="0" i="1" smtClean="0">
-                                <a:latin typeface="Cambria Math" panose="02040503050406030204" pitchFamily="18" charset="0"/>
-                              </a:rPr>
-                            </m:ctrlPr>
-                          </m:sSubPr>
-                          <m:e>
-                            <m:r>
-                              <a:rPr lang="en-US" sz="1400" b="0" i="1" smtClean="0">
-                                <a:latin typeface="Cambria Math" panose="02040503050406030204" pitchFamily="18" charset="0"/>
-                              </a:rPr>
-                              <m:t>𝑥</m:t>
-                            </m:r>
-                          </m:e>
-                          <m:sub>
-                            <m:r>
-                              <a:rPr lang="en-US" sz="1400" b="0" i="1" smtClean="0">
-                                <a:latin typeface="Cambria Math" panose="02040503050406030204" pitchFamily="18" charset="0"/>
-                              </a:rPr>
-                              <m:t>𝑘</m:t>
-                            </m:r>
-                          </m:sub>
-                        </m:sSub>
-                        <m:r>
-                          <a:rPr lang="en-US" sz="1400" b="0" i="1" smtClean="0">
-                            <a:latin typeface="Cambria Math" panose="02040503050406030204" pitchFamily="18" charset="0"/>
-                          </a:rPr>
-                          <m:t>+</m:t>
-                        </m:r>
-                        <m:d>
-                          <m:dPr>
-                            <m:ctrlPr>
-                              <a:rPr lang="en-US" sz="1400" b="0" i="1" smtClean="0">
-                                <a:latin typeface="Cambria Math" panose="02040503050406030204" pitchFamily="18" charset="0"/>
-                              </a:rPr>
-                            </m:ctrlPr>
-                          </m:dPr>
-                          <m:e>
-                            <m:f>
-                              <m:fPr>
-                                <m:ctrlPr>
-                                  <a:rPr lang="en-US" sz="1400" b="0" i="1" smtClean="0">
-                                    <a:latin typeface="Cambria Math" panose="02040503050406030204" pitchFamily="18" charset="0"/>
-                                  </a:rPr>
-                                </m:ctrlPr>
-                              </m:fPr>
-                              <m:num>
-                                <m:sSub>
-                                  <m:sSubPr>
-                                    <m:ctrlPr>
-                                      <a:rPr lang="en-US" sz="1400" b="0" i="1" smtClean="0">
-                                        <a:latin typeface="Cambria Math" panose="02040503050406030204" pitchFamily="18" charset="0"/>
-                                      </a:rPr>
-                                    </m:ctrlPr>
-                                  </m:sSubPr>
-                                  <m:e>
-                                    <m:r>
-                                      <a:rPr lang="en-US" sz="1400" b="0" i="1" smtClean="0">
-                                        <a:latin typeface="Cambria Math" panose="02040503050406030204" pitchFamily="18" charset="0"/>
-                                      </a:rPr>
-                                      <m:t>𝑡</m:t>
-                                    </m:r>
-                                  </m:e>
-                                  <m:sub>
-                                    <m:r>
-                                      <a:rPr lang="en-US" sz="1400" b="0" i="1" smtClean="0">
-                                        <a:latin typeface="Cambria Math" panose="02040503050406030204" pitchFamily="18" charset="0"/>
-                                      </a:rPr>
-                                      <m:t>𝑘</m:t>
-                                    </m:r>
-                                  </m:sub>
-                                </m:sSub>
-                                <m:r>
-                                  <a:rPr lang="en-US" sz="1400" b="0" i="1" smtClean="0">
-                                    <a:latin typeface="Cambria Math" panose="02040503050406030204" pitchFamily="18" charset="0"/>
-                                  </a:rPr>
-                                  <m:t>−1</m:t>
-                                </m:r>
-                              </m:num>
-                              <m:den>
-                                <m:sSub>
-                                  <m:sSubPr>
-                                    <m:ctrlPr>
-                                      <a:rPr lang="en-US" sz="1400" b="0" i="1" smtClean="0">
-                                        <a:latin typeface="Cambria Math" panose="02040503050406030204" pitchFamily="18" charset="0"/>
-                                      </a:rPr>
-                                    </m:ctrlPr>
-                                  </m:sSubPr>
-                                  <m:e>
-                                    <m:r>
-                                      <a:rPr lang="en-US" sz="1400" b="0" i="1" smtClean="0">
-                                        <a:latin typeface="Cambria Math" panose="02040503050406030204" pitchFamily="18" charset="0"/>
-                                      </a:rPr>
-                                      <m:t>𝑡</m:t>
-                                    </m:r>
-                                  </m:e>
-                                  <m:sub>
-                                    <m:r>
-                                      <a:rPr lang="en-US" sz="1400" b="0" i="1" smtClean="0">
-                                        <a:latin typeface="Cambria Math" panose="02040503050406030204" pitchFamily="18" charset="0"/>
-                                      </a:rPr>
-                                      <m:t>𝑘</m:t>
-                                    </m:r>
-                                    <m:r>
-                                      <a:rPr lang="en-US" sz="1400" b="0" i="1" smtClean="0">
-                                        <a:latin typeface="Cambria Math" panose="02040503050406030204" pitchFamily="18" charset="0"/>
-                                      </a:rPr>
-                                      <m:t>+1</m:t>
-                                    </m:r>
-                                  </m:sub>
-                                </m:sSub>
-                              </m:den>
-                            </m:f>
-                          </m:e>
-                        </m:d>
-                        <m:d>
-                          <m:dPr>
-                            <m:ctrlPr>
-                              <a:rPr lang="en-US" sz="1400" b="0" i="1" smtClean="0">
-                                <a:latin typeface="Cambria Math" panose="02040503050406030204" pitchFamily="18" charset="0"/>
-                              </a:rPr>
-                            </m:ctrlPr>
-                          </m:dPr>
-                          <m:e>
-                            <m:sSub>
-                              <m:sSubPr>
-                                <m:ctrlPr>
-                                  <a:rPr lang="en-US" sz="1400" b="0" i="1" smtClean="0">
-                                    <a:latin typeface="Cambria Math" panose="02040503050406030204" pitchFamily="18" charset="0"/>
-                                  </a:rPr>
-                                </m:ctrlPr>
-                              </m:sSubPr>
-                              <m:e>
-                                <m:r>
-                                  <a:rPr lang="en-US" sz="1400" b="0" i="1" smtClean="0">
-                                    <a:latin typeface="Cambria Math" panose="02040503050406030204" pitchFamily="18" charset="0"/>
-                                  </a:rPr>
-                                  <m:t>𝑥</m:t>
-                                </m:r>
-                              </m:e>
-                              <m:sub>
-                                <m:r>
-                                  <a:rPr lang="en-US" sz="1400" b="0" i="1" smtClean="0">
-                                    <a:latin typeface="Cambria Math" panose="02040503050406030204" pitchFamily="18" charset="0"/>
-                                  </a:rPr>
-                                  <m:t>𝑘</m:t>
-                                </m:r>
-                              </m:sub>
-                            </m:sSub>
-                            <m:sSub>
-                              <m:sSubPr>
-                                <m:ctrlPr>
-                                  <a:rPr lang="en-US" sz="1400" b="0" i="1" smtClean="0">
-                                    <a:latin typeface="Cambria Math" panose="02040503050406030204" pitchFamily="18" charset="0"/>
-                                  </a:rPr>
-                                </m:ctrlPr>
-                              </m:sSubPr>
-                              <m:e>
-                                <m:r>
-                                  <a:rPr lang="en-US" sz="1400" b="0" i="1" smtClean="0">
-                                    <a:latin typeface="Cambria Math" panose="02040503050406030204" pitchFamily="18" charset="0"/>
-                                  </a:rPr>
-                                  <m:t>−</m:t>
-                                </m:r>
-                                <m:r>
-                                  <a:rPr lang="en-US" sz="1400" b="0" i="1" smtClean="0">
-                                    <a:latin typeface="Cambria Math" panose="02040503050406030204" pitchFamily="18" charset="0"/>
-                                  </a:rPr>
-                                  <m:t>𝑥</m:t>
-                                </m:r>
-                              </m:e>
-                              <m:sub>
-                                <m:r>
-                                  <a:rPr lang="en-US" sz="1400" b="0" i="1" smtClean="0">
-                                    <a:latin typeface="Cambria Math" panose="02040503050406030204" pitchFamily="18" charset="0"/>
-                                  </a:rPr>
-                                  <m:t>𝑘</m:t>
-                                </m:r>
-                                <m:r>
-                                  <a:rPr lang="en-US" sz="1400" b="0" i="1" smtClean="0">
-                                    <a:latin typeface="Cambria Math" panose="02040503050406030204" pitchFamily="18" charset="0"/>
-                                  </a:rPr>
-                                  <m:t>−1</m:t>
-                                </m:r>
-                              </m:sub>
-                            </m:sSub>
-                          </m:e>
-                        </m:d>
-                      </m:oMath>
-                    </m:oMathPara>
-                  </a14:m>
-                  <a:endParaRPr lang="en-US" sz="1400" dirty="0"/>
-                </a:p>
-              </p:txBody>
-            </p:sp>
-          </mc:Choice>
-          <mc:Fallback>
-            <p:sp>
-              <p:nvSpPr>
-                <p:cNvPr id="127" name="TextBox 126">
-                  <a:extLst>
-                    <a:ext uri="{FF2B5EF4-FFF2-40B4-BE49-F238E27FC236}">
-                      <a16:creationId xmlns:a16="http://schemas.microsoft.com/office/drawing/2014/main" id="{90863E3B-2E07-2745-99D6-F24AF3CA5EBE}"/>
-                    </a:ext>
-                  </a:extLst>
-                </p:cNvPr>
-                <p:cNvSpPr txBox="1">
-                  <a:spLocks noRot="1" noChangeAspect="1" noMove="1" noResize="1" noEditPoints="1" noAdjustHandles="1" noChangeArrowheads="1" noChangeShapeType="1" noTextEdit="1"/>
-                </p:cNvSpPr>
-                <p:nvPr/>
-              </p:nvSpPr>
-              <p:spPr>
-                <a:xfrm>
-                  <a:off x="10434880" y="7936315"/>
-                  <a:ext cx="2569486" cy="441083"/>
-                </a:xfrm>
-                <a:prstGeom prst="rect">
-                  <a:avLst/>
-                </a:prstGeom>
-                <a:blipFill>
-                  <a:blip r:embed="rId43"/>
-                  <a:stretch>
-                    <a:fillRect l="-1478" t="-2778" b="-8333"/>
-                  </a:stretch>
-                </a:blipFill>
-              </p:spPr>
-              <p:txBody>
-                <a:bodyPr/>
-                <a:lstStyle/>
-                <a:p>
-                  <a:r>
-                    <a:rPr lang="en-US">
-                      <a:noFill/>
-                    </a:rPr>
-                    <a:t> </a:t>
-                  </a:r>
-                </a:p>
-              </p:txBody>
-            </p:sp>
-          </mc:Fallback>
-        </mc:AlternateContent>
-        <mc:AlternateContent xmlns:mc="http://schemas.openxmlformats.org/markup-compatibility/2006">
-          <mc:Choice xmlns:a14="http://schemas.microsoft.com/office/drawing/2010/main" Requires="a14">
-            <p:sp>
-              <p:nvSpPr>
-                <p:cNvPr id="154" name="TextBox 153">
-                  <a:extLst>
-                    <a:ext uri="{FF2B5EF4-FFF2-40B4-BE49-F238E27FC236}">
-                      <a16:creationId xmlns:a16="http://schemas.microsoft.com/office/drawing/2014/main" id="{A648AA0A-5D6E-244E-835F-2BBB7FE685E7}"/>
-                    </a:ext>
-                  </a:extLst>
-                </p:cNvPr>
-                <p:cNvSpPr txBox="1"/>
-                <p:nvPr/>
-              </p:nvSpPr>
-              <p:spPr>
-                <a:xfrm>
-                  <a:off x="10610683" y="5380445"/>
-                  <a:ext cx="812979" cy="215444"/>
-                </a:xfrm>
-                <a:prstGeom prst="rect">
-                  <a:avLst/>
-                </a:prstGeom>
-                <a:noFill/>
-              </p:spPr>
-              <p:txBody>
-                <a:bodyPr wrap="none" lIns="0" tIns="0" rIns="0" bIns="0" rtlCol="0">
-                  <a:spAutoFit/>
-                </a:bodyPr>
-                <a:lstStyle/>
-                <a:p>
-                  <a:pPr/>
-                  <a14:m>
-                    <m:oMathPara xmlns:m="http://schemas.openxmlformats.org/officeDocument/2006/math">
-                      <m:oMathParaPr>
-                        <m:jc m:val="centerGroup"/>
-                      </m:oMathParaPr>
-                      <m:oMath xmlns:m="http://schemas.openxmlformats.org/officeDocument/2006/math">
-                        <m:sSub>
-                          <m:sSubPr>
-                            <m:ctrlPr>
-                              <a:rPr lang="en-US" sz="1400" i="1" smtClean="0">
-                                <a:latin typeface="Cambria Math" panose="02040503050406030204" pitchFamily="18" charset="0"/>
-                              </a:rPr>
-                            </m:ctrlPr>
-                          </m:sSubPr>
-                          <m:e>
-                            <m:r>
-                              <a:rPr lang="en-US" sz="1400" b="0" i="1" smtClean="0">
-                                <a:latin typeface="Cambria Math" panose="02040503050406030204" pitchFamily="18" charset="0"/>
-                              </a:rPr>
-                              <m:t>𝑥</m:t>
-                            </m:r>
-                          </m:e>
-                          <m:sub>
-                            <m:r>
-                              <a:rPr lang="en-US" sz="1400" b="0" i="1" smtClean="0">
-                                <a:latin typeface="Cambria Math" panose="02040503050406030204" pitchFamily="18" charset="0"/>
-                              </a:rPr>
-                              <m:t>𝑘</m:t>
-                            </m:r>
-                            <m:r>
-                              <a:rPr lang="en-US" sz="1400" b="0" i="1" smtClean="0">
-                                <a:latin typeface="Cambria Math" panose="02040503050406030204" pitchFamily="18" charset="0"/>
-                              </a:rPr>
-                              <m:t>−1</m:t>
-                            </m:r>
-                          </m:sub>
-                        </m:sSub>
-                        <m:r>
-                          <a:rPr lang="en-US" sz="1400" b="0" i="1" smtClean="0">
-                            <a:latin typeface="Cambria Math" panose="02040503050406030204" pitchFamily="18" charset="0"/>
-                          </a:rPr>
-                          <m:t>=</m:t>
-                        </m:r>
-                        <m:sSub>
-                          <m:sSubPr>
-                            <m:ctrlPr>
-                              <a:rPr lang="en-US" sz="1400" b="0" i="1" smtClean="0">
-                                <a:latin typeface="Cambria Math" panose="02040503050406030204" pitchFamily="18" charset="0"/>
-                              </a:rPr>
-                            </m:ctrlPr>
-                          </m:sSubPr>
-                          <m:e>
-                            <m:r>
-                              <a:rPr lang="en-US" sz="1400" b="0" i="1" smtClean="0">
-                                <a:latin typeface="Cambria Math" panose="02040503050406030204" pitchFamily="18" charset="0"/>
-                              </a:rPr>
-                              <m:t>𝑥</m:t>
-                            </m:r>
-                          </m:e>
-                          <m:sub>
-                            <m:r>
-                              <a:rPr lang="en-US" sz="1400" b="0" i="1" smtClean="0">
-                                <a:latin typeface="Cambria Math" panose="02040503050406030204" pitchFamily="18" charset="0"/>
-                              </a:rPr>
-                              <m:t>𝑘</m:t>
-                            </m:r>
-                          </m:sub>
-                        </m:sSub>
-                      </m:oMath>
-                    </m:oMathPara>
-                  </a14:m>
-                  <a:endParaRPr lang="en-US" sz="1400" dirty="0"/>
-                </a:p>
-              </p:txBody>
-            </p:sp>
-          </mc:Choice>
-          <mc:Fallback>
-            <p:sp>
-              <p:nvSpPr>
-                <p:cNvPr id="154" name="TextBox 153">
-                  <a:extLst>
-                    <a:ext uri="{FF2B5EF4-FFF2-40B4-BE49-F238E27FC236}">
-                      <a16:creationId xmlns:a16="http://schemas.microsoft.com/office/drawing/2014/main" id="{A648AA0A-5D6E-244E-835F-2BBB7FE685E7}"/>
-                    </a:ext>
-                  </a:extLst>
-                </p:cNvPr>
-                <p:cNvSpPr txBox="1">
-                  <a:spLocks noRot="1" noChangeAspect="1" noMove="1" noResize="1" noEditPoints="1" noAdjustHandles="1" noChangeArrowheads="1" noChangeShapeType="1" noTextEdit="1"/>
-                </p:cNvSpPr>
-                <p:nvPr/>
-              </p:nvSpPr>
-              <p:spPr>
-                <a:xfrm>
-                  <a:off x="10610683" y="5380445"/>
-                  <a:ext cx="812979" cy="215444"/>
-                </a:xfrm>
-                <a:prstGeom prst="rect">
-                  <a:avLst/>
-                </a:prstGeom>
-                <a:blipFill>
-                  <a:blip r:embed="rId44"/>
-                  <a:stretch>
-                    <a:fillRect l="-3077" r="-1538" b="-16667"/>
-                  </a:stretch>
-                </a:blipFill>
-              </p:spPr>
-              <p:txBody>
-                <a:bodyPr/>
-                <a:lstStyle/>
-                <a:p>
-                  <a:r>
-                    <a:rPr lang="en-US">
-                      <a:noFill/>
-                    </a:rPr>
-                    <a:t> </a:t>
-                  </a:r>
-                </a:p>
-              </p:txBody>
-            </p:sp>
-          </mc:Fallback>
-        </mc:AlternateContent>
-        <mc:AlternateContent xmlns:mc="http://schemas.openxmlformats.org/markup-compatibility/2006">
-          <mc:Choice xmlns:a14="http://schemas.microsoft.com/office/drawing/2010/main" Requires="a14">
-            <p:sp>
-              <p:nvSpPr>
-                <p:cNvPr id="155" name="TextBox 154">
-                  <a:extLst>
-                    <a:ext uri="{FF2B5EF4-FFF2-40B4-BE49-F238E27FC236}">
-                      <a16:creationId xmlns:a16="http://schemas.microsoft.com/office/drawing/2014/main" id="{013EF34C-8572-1443-8A5E-9E5823F41B0A}"/>
-                    </a:ext>
-                  </a:extLst>
-                </p:cNvPr>
-                <p:cNvSpPr txBox="1"/>
-                <p:nvPr/>
-              </p:nvSpPr>
-              <p:spPr>
-                <a:xfrm>
-                  <a:off x="10472217" y="5914857"/>
-                  <a:ext cx="1106264" cy="215444"/>
-                </a:xfrm>
-                <a:prstGeom prst="rect">
-                  <a:avLst/>
-                </a:prstGeom>
-                <a:noFill/>
-              </p:spPr>
-              <p:txBody>
-                <a:bodyPr wrap="none" lIns="0" tIns="0" rIns="0" bIns="0" rtlCol="0">
-                  <a:spAutoFit/>
-                </a:bodyPr>
-                <a:lstStyle/>
-                <a:p>
-                  <a:pPr/>
-                  <a14:m>
-                    <m:oMathPara xmlns:m="http://schemas.openxmlformats.org/officeDocument/2006/math">
-                      <m:oMathParaPr>
-                        <m:jc m:val="centerGroup"/>
-                      </m:oMathParaPr>
-                      <m:oMath xmlns:m="http://schemas.openxmlformats.org/officeDocument/2006/math">
-                        <m:sSub>
-                          <m:sSubPr>
-                            <m:ctrlPr>
-                              <a:rPr lang="en-US" sz="1400" i="1" smtClean="0">
-                                <a:latin typeface="Cambria Math" panose="02040503050406030204" pitchFamily="18" charset="0"/>
-                              </a:rPr>
-                            </m:ctrlPr>
-                          </m:sSubPr>
-                          <m:e>
-                            <m:r>
-                              <a:rPr lang="en-US" sz="1400" b="0" i="1" smtClean="0">
-                                <a:latin typeface="Cambria Math" panose="02040503050406030204" pitchFamily="18" charset="0"/>
-                              </a:rPr>
-                              <m:t>𝑧</m:t>
-                            </m:r>
-                          </m:e>
-                          <m:sub>
-                            <m:r>
-                              <a:rPr lang="en-US" sz="1400" b="0" i="1" smtClean="0">
-                                <a:latin typeface="Cambria Math" panose="02040503050406030204" pitchFamily="18" charset="0"/>
-                              </a:rPr>
-                              <m:t>𝑘</m:t>
-                            </m:r>
-                          </m:sub>
-                        </m:sSub>
-                        <m:r>
-                          <a:rPr lang="en-US" sz="1400" b="0" i="1" smtClean="0">
-                            <a:latin typeface="Cambria Math" panose="02040503050406030204" pitchFamily="18" charset="0"/>
-                          </a:rPr>
-                          <m:t>=</m:t>
-                        </m:r>
-                        <m:r>
-                          <a:rPr lang="en-US" sz="1400" b="0" i="1" smtClean="0">
-                            <a:latin typeface="Cambria Math" panose="02040503050406030204" pitchFamily="18" charset="0"/>
-                          </a:rPr>
-                          <m:t>𝑓</m:t>
-                        </m:r>
-                        <m:d>
-                          <m:dPr>
-                            <m:ctrlPr>
-                              <a:rPr lang="en-US" sz="1400" b="0" i="1" smtClean="0">
-                                <a:latin typeface="Cambria Math" panose="02040503050406030204" pitchFamily="18" charset="0"/>
-                              </a:rPr>
-                            </m:ctrlPr>
-                          </m:dPr>
-                          <m:e>
-                            <m:sSub>
-                              <m:sSubPr>
-                                <m:ctrlPr>
-                                  <a:rPr lang="en-US" sz="1400" b="0" i="1" smtClean="0">
-                                    <a:latin typeface="Cambria Math" panose="02040503050406030204" pitchFamily="18" charset="0"/>
-                                  </a:rPr>
-                                </m:ctrlPr>
-                              </m:sSubPr>
-                              <m:e>
-                                <m:r>
-                                  <a:rPr lang="en-US" sz="1400" b="0" i="1" smtClean="0">
-                                    <a:latin typeface="Cambria Math" panose="02040503050406030204" pitchFamily="18" charset="0"/>
-                                  </a:rPr>
-                                  <m:t>𝑦</m:t>
-                                </m:r>
-                              </m:e>
-                              <m:sub>
-                                <m:r>
-                                  <a:rPr lang="en-US" sz="1400" b="0" i="1" smtClean="0">
-                                    <a:latin typeface="Cambria Math" panose="02040503050406030204" pitchFamily="18" charset="0"/>
-                                  </a:rPr>
-                                  <m:t>𝑘</m:t>
-                                </m:r>
-                              </m:sub>
-                            </m:sSub>
-                            <m:r>
-                              <a:rPr lang="en-US" sz="1400" b="0" i="1" smtClean="0">
-                                <a:latin typeface="Cambria Math" panose="02040503050406030204" pitchFamily="18" charset="0"/>
-                              </a:rPr>
-                              <m:t>, </m:t>
-                            </m:r>
-                            <m:r>
-                              <a:rPr lang="en-US" sz="1400" b="1" i="0" smtClean="0">
-                                <a:latin typeface="Cambria Math" panose="02040503050406030204" pitchFamily="18" charset="0"/>
-                              </a:rPr>
-                              <m:t>𝐌</m:t>
-                            </m:r>
-                          </m:e>
-                        </m:d>
-                      </m:oMath>
-                    </m:oMathPara>
-                  </a14:m>
-                  <a:endParaRPr lang="en-US" sz="1400" dirty="0"/>
-                </a:p>
-              </p:txBody>
-            </p:sp>
-          </mc:Choice>
-          <mc:Fallback>
-            <p:sp>
-              <p:nvSpPr>
-                <p:cNvPr id="155" name="TextBox 154">
-                  <a:extLst>
-                    <a:ext uri="{FF2B5EF4-FFF2-40B4-BE49-F238E27FC236}">
-                      <a16:creationId xmlns:a16="http://schemas.microsoft.com/office/drawing/2014/main" id="{013EF34C-8572-1443-8A5E-9E5823F41B0A}"/>
-                    </a:ext>
-                  </a:extLst>
-                </p:cNvPr>
-                <p:cNvSpPr txBox="1">
-                  <a:spLocks noRot="1" noChangeAspect="1" noMove="1" noResize="1" noEditPoints="1" noAdjustHandles="1" noChangeArrowheads="1" noChangeShapeType="1" noTextEdit="1"/>
-                </p:cNvSpPr>
-                <p:nvPr/>
-              </p:nvSpPr>
-              <p:spPr>
-                <a:xfrm>
-                  <a:off x="10472217" y="5914857"/>
-                  <a:ext cx="1106264" cy="215444"/>
-                </a:xfrm>
-                <a:prstGeom prst="rect">
-                  <a:avLst/>
-                </a:prstGeom>
-                <a:blipFill>
-                  <a:blip r:embed="rId45"/>
-                  <a:stretch>
-                    <a:fillRect l="-2273" b="-33333"/>
-                  </a:stretch>
-                </a:blipFill>
-              </p:spPr>
-              <p:txBody>
-                <a:bodyPr/>
-                <a:lstStyle/>
-                <a:p>
-                  <a:r>
-                    <a:rPr lang="en-US">
-                      <a:noFill/>
-                    </a:rPr>
-                    <a:t> </a:t>
-                  </a:r>
-                </a:p>
-              </p:txBody>
-            </p:sp>
-          </mc:Fallback>
-        </mc:AlternateContent>
-        <mc:AlternateContent xmlns:mc="http://schemas.openxmlformats.org/markup-compatibility/2006">
-          <mc:Choice xmlns:a14="http://schemas.microsoft.com/office/drawing/2010/main" Requires="a14">
-            <p:sp>
-              <p:nvSpPr>
-                <p:cNvPr id="157" name="TextBox 156">
-                  <a:extLst>
-                    <a:ext uri="{FF2B5EF4-FFF2-40B4-BE49-F238E27FC236}">
-                      <a16:creationId xmlns:a16="http://schemas.microsoft.com/office/drawing/2014/main" id="{E9FC65D7-5567-5E49-AF19-3F6B20023E12}"/>
-                    </a:ext>
-                  </a:extLst>
-                </p:cNvPr>
-                <p:cNvSpPr txBox="1"/>
-                <p:nvPr/>
-              </p:nvSpPr>
-              <p:spPr>
-                <a:xfrm>
-                  <a:off x="10372355" y="4348075"/>
-                  <a:ext cx="5730960" cy="738664"/>
-                </a:xfrm>
-                <a:prstGeom prst="rect">
-                  <a:avLst/>
-                </a:prstGeom>
-                <a:noFill/>
-              </p:spPr>
-              <p:txBody>
-                <a:bodyPr wrap="square" rtlCol="0">
-                  <a:spAutoFit/>
-                </a:bodyPr>
-                <a:lstStyle/>
-                <a:p>
-                  <a:r>
-                    <a:rPr lang="en-US" sz="1400" dirty="0"/>
-                    <a:t>Inputs: </a:t>
-                  </a:r>
-                  <a14:m>
-                    <m:oMath xmlns:m="http://schemas.openxmlformats.org/officeDocument/2006/math">
-                      <m:r>
-                        <a:rPr lang="en-US" sz="1400" i="1" dirty="0" smtClean="0">
-                          <a:latin typeface="Cambria Math" panose="02040503050406030204" pitchFamily="18" charset="0"/>
-                        </a:rPr>
-                        <m:t>𝜆</m:t>
-                      </m:r>
-                      <m:r>
-                        <a:rPr lang="en-US" sz="1400" i="1" dirty="0" smtClean="0">
-                          <a:latin typeface="Cambria Math" panose="02040503050406030204" pitchFamily="18" charset="0"/>
-                        </a:rPr>
-                        <m:t>, </m:t>
-                      </m:r>
-                      <m:r>
-                        <a:rPr lang="en-US" sz="1400" i="1" dirty="0" smtClean="0">
-                          <a:latin typeface="Cambria Math" panose="02040503050406030204" pitchFamily="18" charset="0"/>
-                        </a:rPr>
-                        <m:t>𝐿</m:t>
-                      </m:r>
-                      <m:r>
-                        <a:rPr lang="en-US" sz="1400" i="1" dirty="0" smtClean="0">
-                          <a:latin typeface="Cambria Math" panose="02040503050406030204" pitchFamily="18" charset="0"/>
-                        </a:rPr>
-                        <m:t>, </m:t>
-                      </m:r>
-                      <m:r>
-                        <a:rPr lang="en-US" sz="1400" b="1" i="0" dirty="0" smtClean="0">
-                          <a:latin typeface="Cambria Math" panose="02040503050406030204" pitchFamily="18" charset="0"/>
-                        </a:rPr>
-                        <m:t>𝐌</m:t>
-                      </m:r>
-                    </m:oMath>
-                  </a14:m>
-                  <a:r>
-                    <a:rPr lang="en-US" sz="1400" b="1" dirty="0"/>
-                    <a:t> </a:t>
-                  </a:r>
-                  <a:r>
-                    <a:rPr lang="en-US" sz="1400" dirty="0"/>
-                    <a:t>(measurements), </a:t>
-                  </a:r>
-                  <a14:m>
-                    <m:oMath xmlns:m="http://schemas.openxmlformats.org/officeDocument/2006/math">
-                      <m:sSub>
-                        <m:sSubPr>
-                          <m:ctrlPr>
-                            <a:rPr lang="en-US" sz="1400" i="1" dirty="0" smtClean="0">
-                              <a:latin typeface="Cambria Math" panose="02040503050406030204" pitchFamily="18" charset="0"/>
-                            </a:rPr>
-                          </m:ctrlPr>
-                        </m:sSubPr>
-                        <m:e>
-                          <m:r>
-                            <a:rPr lang="en-US" sz="1400" b="0" i="1" dirty="0" smtClean="0">
-                              <a:latin typeface="Cambria Math" panose="02040503050406030204" pitchFamily="18" charset="0"/>
-                            </a:rPr>
-                            <m:t>𝑡</m:t>
-                          </m:r>
-                        </m:e>
-                        <m:sub>
-                          <m:r>
-                            <a:rPr lang="en-US" sz="1400" b="0" i="1" dirty="0" smtClean="0">
-                              <a:latin typeface="Cambria Math" panose="02040503050406030204" pitchFamily="18" charset="0"/>
-                            </a:rPr>
-                            <m:t>0</m:t>
-                          </m:r>
-                        </m:sub>
-                      </m:sSub>
-                      <m:r>
-                        <a:rPr lang="en-US" sz="1400" i="1" dirty="0" smtClean="0">
-                          <a:latin typeface="Cambria Math" panose="02040503050406030204" pitchFamily="18" charset="0"/>
-                        </a:rPr>
-                        <m:t>=1</m:t>
-                      </m:r>
-                    </m:oMath>
-                  </a14:m>
-                  <a:r>
-                    <a:rPr lang="en-US" sz="1400" dirty="0"/>
-                    <a:t> </a:t>
-                  </a:r>
-                  <a:endParaRPr lang="en-US" sz="1400" b="1" dirty="0"/>
-                </a:p>
-                <a:p>
-                  <a:r>
-                    <a:rPr lang="en-US" sz="1400" dirty="0"/>
-                    <a:t>Output: </a:t>
-                  </a:r>
-                  <a:r>
-                    <a:rPr lang="en-US" sz="1400" b="1" dirty="0"/>
-                    <a:t>x</a:t>
-                  </a:r>
-                </a:p>
-                <a:p>
-                  <a:r>
-                    <a:rPr lang="en-US" sz="1400" dirty="0"/>
-                    <a:t>Until convergence do:</a:t>
-                  </a:r>
-                </a:p>
-              </p:txBody>
-            </p:sp>
-          </mc:Choice>
-          <mc:Fallback>
-            <p:sp>
-              <p:nvSpPr>
-                <p:cNvPr id="157" name="TextBox 156">
-                  <a:extLst>
-                    <a:ext uri="{FF2B5EF4-FFF2-40B4-BE49-F238E27FC236}">
-                      <a16:creationId xmlns:a16="http://schemas.microsoft.com/office/drawing/2014/main" id="{E9FC65D7-5567-5E49-AF19-3F6B20023E12}"/>
-                    </a:ext>
-                  </a:extLst>
-                </p:cNvPr>
-                <p:cNvSpPr txBox="1">
-                  <a:spLocks noRot="1" noChangeAspect="1" noMove="1" noResize="1" noEditPoints="1" noAdjustHandles="1" noChangeArrowheads="1" noChangeShapeType="1" noTextEdit="1"/>
-                </p:cNvSpPr>
-                <p:nvPr/>
-              </p:nvSpPr>
-              <p:spPr>
-                <a:xfrm>
-                  <a:off x="10372355" y="4348075"/>
-                  <a:ext cx="5730960" cy="738664"/>
-                </a:xfrm>
-                <a:prstGeom prst="rect">
-                  <a:avLst/>
-                </a:prstGeom>
-                <a:blipFill>
-                  <a:blip r:embed="rId46"/>
-                  <a:stretch>
-                    <a:fillRect l="-442" t="-1695" b="-8475"/>
-                  </a:stretch>
-                </a:blipFill>
-              </p:spPr>
-              <p:txBody>
-                <a:bodyPr/>
-                <a:lstStyle/>
-                <a:p>
-                  <a:r>
-                    <a:rPr lang="en-US">
-                      <a:noFill/>
-                    </a:rPr>
-                    <a:t> </a:t>
-                  </a:r>
-                </a:p>
-              </p:txBody>
-            </p:sp>
-          </mc:Fallback>
-        </mc:AlternateContent>
-        <p:sp>
-          <p:nvSpPr>
-            <p:cNvPr id="159" name="TextBox 158">
-              <a:extLst>
-                <a:ext uri="{FF2B5EF4-FFF2-40B4-BE49-F238E27FC236}">
-                  <a16:creationId xmlns:a16="http://schemas.microsoft.com/office/drawing/2014/main" id="{14C3BD54-E7C8-9742-A82B-4C7575ADA9F7}"/>
-                </a:ext>
-              </a:extLst>
-            </p:cNvPr>
-            <p:cNvSpPr txBox="1"/>
-            <p:nvPr/>
-          </p:nvSpPr>
-          <p:spPr>
-            <a:xfrm>
-              <a:off x="10149310" y="5359181"/>
-              <a:ext cx="224996" cy="307777"/>
-            </a:xfrm>
-            <a:prstGeom prst="rect">
-              <a:avLst/>
-            </a:prstGeom>
-            <a:noFill/>
-          </p:spPr>
-          <p:txBody>
-            <a:bodyPr wrap="square" rtlCol="0">
-              <a:spAutoFit/>
-            </a:bodyPr>
-            <a:lstStyle/>
-            <a:p>
-              <a:r>
-                <a:rPr lang="en-US" sz="1400" dirty="0"/>
-                <a:t>1</a:t>
-              </a:r>
-            </a:p>
-          </p:txBody>
-        </p:sp>
-        <p:sp>
-          <p:nvSpPr>
-            <p:cNvPr id="163" name="TextBox 162">
-              <a:extLst>
-                <a:ext uri="{FF2B5EF4-FFF2-40B4-BE49-F238E27FC236}">
-                  <a16:creationId xmlns:a16="http://schemas.microsoft.com/office/drawing/2014/main" id="{73983BEA-7FAB-224C-BAB6-77F92EA96EB9}"/>
-                </a:ext>
-              </a:extLst>
-            </p:cNvPr>
-            <p:cNvSpPr txBox="1"/>
-            <p:nvPr/>
-          </p:nvSpPr>
-          <p:spPr>
-            <a:xfrm>
-              <a:off x="10146421" y="5868331"/>
-              <a:ext cx="224996" cy="307777"/>
-            </a:xfrm>
-            <a:prstGeom prst="rect">
-              <a:avLst/>
-            </a:prstGeom>
-            <a:noFill/>
-          </p:spPr>
-          <p:txBody>
-            <a:bodyPr wrap="square" rtlCol="0">
-              <a:spAutoFit/>
-            </a:bodyPr>
-            <a:lstStyle/>
-            <a:p>
-              <a:r>
-                <a:rPr lang="en-US" sz="1400" dirty="0"/>
-                <a:t>2</a:t>
-              </a:r>
-            </a:p>
-          </p:txBody>
-        </p:sp>
-        <p:sp>
-          <p:nvSpPr>
-            <p:cNvPr id="164" name="TextBox 163">
-              <a:extLst>
-                <a:ext uri="{FF2B5EF4-FFF2-40B4-BE49-F238E27FC236}">
-                  <a16:creationId xmlns:a16="http://schemas.microsoft.com/office/drawing/2014/main" id="{CD139922-5FA9-884F-AFA5-5E029839286A}"/>
-                </a:ext>
-              </a:extLst>
-            </p:cNvPr>
-            <p:cNvSpPr txBox="1"/>
-            <p:nvPr/>
-          </p:nvSpPr>
-          <p:spPr>
-            <a:xfrm>
-              <a:off x="10146421" y="6382867"/>
-              <a:ext cx="224996" cy="307777"/>
-            </a:xfrm>
-            <a:prstGeom prst="rect">
-              <a:avLst/>
-            </a:prstGeom>
-            <a:noFill/>
-          </p:spPr>
-          <p:txBody>
-            <a:bodyPr wrap="square" rtlCol="0">
-              <a:spAutoFit/>
-            </a:bodyPr>
-            <a:lstStyle/>
-            <a:p>
-              <a:r>
-                <a:rPr lang="en-US" sz="1400" dirty="0"/>
-                <a:t>3</a:t>
-              </a:r>
-            </a:p>
-          </p:txBody>
-        </p:sp>
-        <p:sp>
-          <p:nvSpPr>
-            <p:cNvPr id="165" name="TextBox 164">
-              <a:extLst>
-                <a:ext uri="{FF2B5EF4-FFF2-40B4-BE49-F238E27FC236}">
-                  <a16:creationId xmlns:a16="http://schemas.microsoft.com/office/drawing/2014/main" id="{0507F2A4-4F25-A341-92EC-AC12C35190FC}"/>
-                </a:ext>
-              </a:extLst>
-            </p:cNvPr>
-            <p:cNvSpPr txBox="1"/>
-            <p:nvPr/>
-          </p:nvSpPr>
-          <p:spPr>
-            <a:xfrm>
-              <a:off x="10149310" y="7139136"/>
-              <a:ext cx="224996" cy="307777"/>
-            </a:xfrm>
-            <a:prstGeom prst="rect">
-              <a:avLst/>
-            </a:prstGeom>
-            <a:noFill/>
-          </p:spPr>
-          <p:txBody>
-            <a:bodyPr wrap="square" rtlCol="0">
-              <a:spAutoFit/>
-            </a:bodyPr>
-            <a:lstStyle/>
-            <a:p>
-              <a:r>
-                <a:rPr lang="en-US" sz="1400" dirty="0"/>
-                <a:t>4</a:t>
-              </a:r>
-            </a:p>
-          </p:txBody>
-        </p:sp>
-        <p:sp>
-          <p:nvSpPr>
-            <p:cNvPr id="166" name="TextBox 165">
-              <a:extLst>
-                <a:ext uri="{FF2B5EF4-FFF2-40B4-BE49-F238E27FC236}">
-                  <a16:creationId xmlns:a16="http://schemas.microsoft.com/office/drawing/2014/main" id="{54DEDB9C-62A9-CA4C-A6C4-20BACB7DF9F0}"/>
-                </a:ext>
-              </a:extLst>
-            </p:cNvPr>
-            <p:cNvSpPr txBox="1"/>
-            <p:nvPr/>
-          </p:nvSpPr>
-          <p:spPr>
-            <a:xfrm>
-              <a:off x="10149310" y="8018997"/>
-              <a:ext cx="224996" cy="307777"/>
-            </a:xfrm>
-            <a:prstGeom prst="rect">
-              <a:avLst/>
-            </a:prstGeom>
-            <a:noFill/>
-          </p:spPr>
-          <p:txBody>
-            <a:bodyPr wrap="square" rtlCol="0">
-              <a:spAutoFit/>
-            </a:bodyPr>
-            <a:lstStyle/>
-            <a:p>
-              <a:r>
-                <a:rPr lang="en-US" sz="1400" dirty="0"/>
-                <a:t>5</a:t>
-              </a:r>
-            </a:p>
-          </p:txBody>
-        </p:sp>
-      </p:grpSp>
-      <p:pic>
-        <p:nvPicPr>
-          <p:cNvPr id="104" name="Picture 103">
-            <a:extLst>
-              <a:ext uri="{FF2B5EF4-FFF2-40B4-BE49-F238E27FC236}">
-                <a16:creationId xmlns:a16="http://schemas.microsoft.com/office/drawing/2014/main" id="{D0570C95-9C42-1D48-A8D9-94927809E05E}"/>
+                <a16:creationId xmlns:a16="http://schemas.microsoft.com/office/drawing/2014/main" id="{63DC3739-5213-774D-9210-7C36A60687D8}"/>
               </a:ext>
             </a:extLst>
           </p:cNvPr>
@@ -35686,14 +33693,15 @@
           <p:nvPr/>
         </p:nvPicPr>
         <p:blipFill>
-          <a:blip r:embed="rId47"/>
-          <a:srcRect/>
-          <a:stretch/>
+          <a:blip r:embed="rId40"/>
+          <a:stretch>
+            <a:fillRect/>
+          </a:stretch>
         </p:blipFill>
         <p:spPr>
           <a:xfrm>
-            <a:off x="4547455" y="4997205"/>
-            <a:ext cx="6000549" cy="2849576"/>
+            <a:off x="1685977" y="4239160"/>
+            <a:ext cx="4596733" cy="3772582"/>
           </a:xfrm>
           <a:prstGeom prst="rect">
             <a:avLst/>
@@ -35702,10 +33710,10 @@
       </p:pic>
       <p:pic>
         <p:nvPicPr>
-          <p:cNvPr id="124" name="Picture 123">
+          <p:cNvPr id="153" name="Picture 152" descr="Shape, rectangle&#10;&#10;Description automatically generated">
             <a:extLst>
               <a:ext uri="{FF2B5EF4-FFF2-40B4-BE49-F238E27FC236}">
-                <a16:creationId xmlns:a16="http://schemas.microsoft.com/office/drawing/2014/main" id="{BB5965FA-EBBA-594A-843D-4996991A19ED}"/>
+                <a16:creationId xmlns:a16="http://schemas.microsoft.com/office/drawing/2014/main" id="{D39D127B-478F-CA48-9645-2041A79551EB}"/>
               </a:ext>
             </a:extLst>
           </p:cNvPr>
@@ -35715,20 +33723,86 @@
           <p:nvPr/>
         </p:nvPicPr>
         <p:blipFill>
-          <a:blip r:embed="rId48"/>
-          <a:srcRect/>
-          <a:stretch/>
+          <a:blip r:embed="rId41"/>
+          <a:stretch>
+            <a:fillRect/>
+          </a:stretch>
         </p:blipFill>
         <p:spPr>
           <a:xfrm>
-            <a:off x="13222470" y="5013239"/>
-            <a:ext cx="5932850" cy="2833542"/>
+            <a:off x="6737301" y="4606715"/>
+            <a:ext cx="6333366" cy="3074409"/>
           </a:xfrm>
           <a:prstGeom prst="rect">
             <a:avLst/>
           </a:prstGeom>
         </p:spPr>
       </p:pic>
+      <p:pic>
+        <p:nvPicPr>
+          <p:cNvPr id="160" name="Picture 159" descr="Shape, rectangle&#10;&#10;Description automatically generated">
+            <a:extLst>
+              <a:ext uri="{FF2B5EF4-FFF2-40B4-BE49-F238E27FC236}">
+                <a16:creationId xmlns:a16="http://schemas.microsoft.com/office/drawing/2014/main" id="{0D9973D5-D642-004D-9D33-C7CDEED8BD22}"/>
+              </a:ext>
+            </a:extLst>
+          </p:cNvPr>
+          <p:cNvPicPr>
+            <a:picLocks noChangeAspect="1"/>
+          </p:cNvPicPr>
+          <p:nvPr/>
+        </p:nvPicPr>
+        <p:blipFill>
+          <a:blip r:embed="rId42"/>
+          <a:stretch>
+            <a:fillRect/>
+          </a:stretch>
+        </p:blipFill>
+        <p:spPr>
+          <a:xfrm>
+            <a:off x="13290025" y="4606715"/>
+            <a:ext cx="6408863" cy="3074409"/>
+          </a:xfrm>
+          <a:prstGeom prst="rect">
+            <a:avLst/>
+          </a:prstGeom>
+        </p:spPr>
+      </p:pic>
+      <p:sp>
+        <p:nvSpPr>
+          <p:cNvPr id="167" name="TextBox 166">
+            <a:extLst>
+              <a:ext uri="{FF2B5EF4-FFF2-40B4-BE49-F238E27FC236}">
+                <a16:creationId xmlns:a16="http://schemas.microsoft.com/office/drawing/2014/main" id="{9DDD6FFE-9709-6340-8B99-1F4983491FA4}"/>
+              </a:ext>
+            </a:extLst>
+          </p:cNvPr>
+          <p:cNvSpPr txBox="1"/>
+          <p:nvPr/>
+        </p:nvSpPr>
+        <p:spPr>
+          <a:xfrm>
+            <a:off x="2432675" y="3818086"/>
+            <a:ext cx="2650996" cy="369332"/>
+          </a:xfrm>
+          <a:prstGeom prst="rect">
+            <a:avLst/>
+          </a:prstGeom>
+          <a:noFill/>
+        </p:spPr>
+        <p:txBody>
+          <a:bodyPr wrap="square" rtlCol="0">
+            <a:spAutoFit/>
+          </a:bodyPr>
+          <a:lstStyle/>
+          <a:p>
+            <a:r>
+              <a:rPr lang="en-US" b="1" dirty="0"/>
+              <a:t>LARS: regularization path</a:t>
+            </a:r>
+          </a:p>
+        </p:txBody>
+      </p:sp>
     </p:spTree>
     <p:extLst>
       <p:ext uri="{BB962C8B-B14F-4D97-AF65-F5344CB8AC3E}">
@@ -35864,51 +33938,6 @@
                                         </p:cTn>
                                         <p:tgtEl>
                                           <p:spTgt spid="47"/>
-                                        </p:tgtEl>
-                                        <p:attrNameLst>
-                                          <p:attrName>style.visibility</p:attrName>
-                                        </p:attrNameLst>
-                                      </p:cBhvr>
-                                      <p:to>
-                                        <p:strVal val="visible"/>
-                                      </p:to>
-                                    </p:set>
-                                  </p:childTnLst>
-                                </p:cTn>
-                              </p:par>
-                            </p:childTnLst>
-                          </p:cTn>
-                        </p:par>
-                      </p:childTnLst>
-                    </p:cTn>
-                  </p:par>
-                  <p:par>
-                    <p:cTn id="15" fill="hold">
-                      <p:stCondLst>
-                        <p:cond delay="indefinite"/>
-                      </p:stCondLst>
-                      <p:childTnLst>
-                        <p:par>
-                          <p:cTn id="16" fill="hold">
-                            <p:stCondLst>
-                              <p:cond delay="0"/>
-                            </p:stCondLst>
-                            <p:childTnLst>
-                              <p:par>
-                                <p:cTn id="17" presetID="1" presetClass="entr" presetSubtype="0" fill="hold" nodeType="clickEffect">
-                                  <p:stCondLst>
-                                    <p:cond delay="0"/>
-                                  </p:stCondLst>
-                                  <p:childTnLst>
-                                    <p:set>
-                                      <p:cBhvr>
-                                        <p:cTn id="18" dur="1" fill="hold">
-                                          <p:stCondLst>
-                                            <p:cond delay="0"/>
-                                          </p:stCondLst>
-                                        </p:cTn>
-                                        <p:tgtEl>
-                                          <p:spTgt spid="64"/>
                                         </p:tgtEl>
                                         <p:attrNameLst>
                                           <p:attrName>style.visibility</p:attrName>

--- a/paper/figures/flowchart.pptx
+++ b/paper/figures/flowchart.pptx
@@ -243,7 +243,7 @@
           <a:p>
             <a:fld id="{83E1F2E6-4236-A345-B1DA-533C51C1D65E}" type="datetimeFigureOut">
               <a:rPr lang="en-US" smtClean="0"/>
-              <a:t>5/31/21</a:t>
+              <a:t>4/12/22</a:t>
             </a:fld>
             <a:endParaRPr lang="en-US"/>
           </a:p>
@@ -413,7 +413,7 @@
           <a:p>
             <a:fld id="{83E1F2E6-4236-A345-B1DA-533C51C1D65E}" type="datetimeFigureOut">
               <a:rPr lang="en-US" smtClean="0"/>
-              <a:t>5/31/21</a:t>
+              <a:t>4/12/22</a:t>
             </a:fld>
             <a:endParaRPr lang="en-US"/>
           </a:p>
@@ -593,7 +593,7 @@
           <a:p>
             <a:fld id="{83E1F2E6-4236-A345-B1DA-533C51C1D65E}" type="datetimeFigureOut">
               <a:rPr lang="en-US" smtClean="0"/>
-              <a:t>5/31/21</a:t>
+              <a:t>4/12/22</a:t>
             </a:fld>
             <a:endParaRPr lang="en-US"/>
           </a:p>
@@ -763,7 +763,7 @@
           <a:p>
             <a:fld id="{83E1F2E6-4236-A345-B1DA-533C51C1D65E}" type="datetimeFigureOut">
               <a:rPr lang="en-US" smtClean="0"/>
-              <a:t>5/31/21</a:t>
+              <a:t>4/12/22</a:t>
             </a:fld>
             <a:endParaRPr lang="en-US"/>
           </a:p>
@@ -1009,7 +1009,7 @@
           <a:p>
             <a:fld id="{83E1F2E6-4236-A345-B1DA-533C51C1D65E}" type="datetimeFigureOut">
               <a:rPr lang="en-US" smtClean="0"/>
-              <a:t>5/31/21</a:t>
+              <a:t>4/12/22</a:t>
             </a:fld>
             <a:endParaRPr lang="en-US"/>
           </a:p>
@@ -1241,7 +1241,7 @@
           <a:p>
             <a:fld id="{83E1F2E6-4236-A345-B1DA-533C51C1D65E}" type="datetimeFigureOut">
               <a:rPr lang="en-US" smtClean="0"/>
-              <a:t>5/31/21</a:t>
+              <a:t>4/12/22</a:t>
             </a:fld>
             <a:endParaRPr lang="en-US"/>
           </a:p>
@@ -1608,7 +1608,7 @@
           <a:p>
             <a:fld id="{83E1F2E6-4236-A345-B1DA-533C51C1D65E}" type="datetimeFigureOut">
               <a:rPr lang="en-US" smtClean="0"/>
-              <a:t>5/31/21</a:t>
+              <a:t>4/12/22</a:t>
             </a:fld>
             <a:endParaRPr lang="en-US"/>
           </a:p>
@@ -1726,7 +1726,7 @@
           <a:p>
             <a:fld id="{83E1F2E6-4236-A345-B1DA-533C51C1D65E}" type="datetimeFigureOut">
               <a:rPr lang="en-US" smtClean="0"/>
-              <a:t>5/31/21</a:t>
+              <a:t>4/12/22</a:t>
             </a:fld>
             <a:endParaRPr lang="en-US"/>
           </a:p>
@@ -1821,7 +1821,7 @@
           <a:p>
             <a:fld id="{83E1F2E6-4236-A345-B1DA-533C51C1D65E}" type="datetimeFigureOut">
               <a:rPr lang="en-US" smtClean="0"/>
-              <a:t>5/31/21</a:t>
+              <a:t>4/12/22</a:t>
             </a:fld>
             <a:endParaRPr lang="en-US"/>
           </a:p>
@@ -2098,7 +2098,7 @@
           <a:p>
             <a:fld id="{83E1F2E6-4236-A345-B1DA-533C51C1D65E}" type="datetimeFigureOut">
               <a:rPr lang="en-US" smtClean="0"/>
-              <a:t>5/31/21</a:t>
+              <a:t>4/12/22</a:t>
             </a:fld>
             <a:endParaRPr lang="en-US"/>
           </a:p>
@@ -2355,7 +2355,7 @@
           <a:p>
             <a:fld id="{83E1F2E6-4236-A345-B1DA-533C51C1D65E}" type="datetimeFigureOut">
               <a:rPr lang="en-US" smtClean="0"/>
-              <a:t>5/31/21</a:t>
+              <a:t>4/12/22</a:t>
             </a:fld>
             <a:endParaRPr lang="en-US"/>
           </a:p>
@@ -2568,7 +2568,7 @@
           <a:p>
             <a:fld id="{83E1F2E6-4236-A345-B1DA-533C51C1D65E}" type="datetimeFigureOut">
               <a:rPr lang="en-US" smtClean="0"/>
-              <a:t>5/31/21</a:t>
+              <a:t>4/12/22</a:t>
             </a:fld>
             <a:endParaRPr lang="en-US"/>
           </a:p>
@@ -28800,8 +28800,8 @@
           </p:txBody>
         </p:sp>
       </p:grpSp>
-      <mc:AlternateContent xmlns:mc="http://schemas.openxmlformats.org/markup-compatibility/2006">
-        <mc:Choice xmlns:a14="http://schemas.microsoft.com/office/drawing/2010/main" Requires="a14">
+      <mc:AlternateContent xmlns:mc="http://schemas.openxmlformats.org/markup-compatibility/2006" xmlns:a14="http://schemas.microsoft.com/office/drawing/2010/main">
+        <mc:Choice Requires="a14">
           <p:sp>
             <p:nvSpPr>
               <p:cNvPr id="73" name="TextBox 72">
@@ -28893,7 +28893,7 @@
             </p:txBody>
           </p:sp>
         </mc:Choice>
-        <mc:Fallback>
+        <mc:Fallback xmlns="">
           <p:sp>
             <p:nvSpPr>
               <p:cNvPr id="73" name="TextBox 72">
@@ -28938,8 +28938,8 @@
           </p:sp>
         </mc:Fallback>
       </mc:AlternateContent>
-      <mc:AlternateContent xmlns:mc="http://schemas.openxmlformats.org/markup-compatibility/2006">
-        <mc:Choice xmlns:a14="http://schemas.microsoft.com/office/drawing/2010/main" Requires="a14">
+      <mc:AlternateContent xmlns:mc="http://schemas.openxmlformats.org/markup-compatibility/2006" xmlns:a14="http://schemas.microsoft.com/office/drawing/2010/main">
+        <mc:Choice Requires="a14">
           <p:sp>
             <p:nvSpPr>
               <p:cNvPr id="74" name="TextBox 73">
@@ -29095,7 +29095,7 @@
             </p:txBody>
           </p:sp>
         </mc:Choice>
-        <mc:Fallback>
+        <mc:Fallback xmlns="">
           <p:sp>
             <p:nvSpPr>
               <p:cNvPr id="74" name="TextBox 73">
@@ -30552,8 +30552,8 @@
           </p:sp>
         </mc:Fallback>
       </mc:AlternateContent>
-      <mc:AlternateContent xmlns:mc="http://schemas.openxmlformats.org/markup-compatibility/2006">
-        <mc:Choice xmlns:a14="http://schemas.microsoft.com/office/drawing/2010/main" Requires="a14">
+      <mc:AlternateContent xmlns:mc="http://schemas.openxmlformats.org/markup-compatibility/2006" xmlns:a14="http://schemas.microsoft.com/office/drawing/2010/main">
+        <mc:Choice Requires="a14">
           <p:sp>
             <p:nvSpPr>
               <p:cNvPr id="102" name="TextBox 101">
@@ -30645,7 +30645,7 @@
             </p:txBody>
           </p:sp>
         </mc:Choice>
-        <mc:Fallback>
+        <mc:Fallback xmlns="">
           <p:sp>
             <p:nvSpPr>
               <p:cNvPr id="102" name="TextBox 101">
@@ -30690,8 +30690,8 @@
           </p:sp>
         </mc:Fallback>
       </mc:AlternateContent>
-      <mc:AlternateContent xmlns:mc="http://schemas.openxmlformats.org/markup-compatibility/2006">
-        <mc:Choice xmlns:a14="http://schemas.microsoft.com/office/drawing/2010/main" Requires="a14">
+      <mc:AlternateContent xmlns:mc="http://schemas.openxmlformats.org/markup-compatibility/2006" xmlns:a14="http://schemas.microsoft.com/office/drawing/2010/main">
+        <mc:Choice Requires="a14">
           <p:sp>
             <p:nvSpPr>
               <p:cNvPr id="103" name="TextBox 102">
@@ -30847,7 +30847,7 @@
             </p:txBody>
           </p:sp>
         </mc:Choice>
-        <mc:Fallback>
+        <mc:Fallback xmlns="">
           <p:sp>
             <p:nvSpPr>
               <p:cNvPr id="103" name="TextBox 102">
@@ -31090,8 +31090,8 @@
           </a:p>
         </p:txBody>
       </p:sp>
-      <mc:AlternateContent xmlns:mc="http://schemas.openxmlformats.org/markup-compatibility/2006">
-        <mc:Choice xmlns:a14="http://schemas.microsoft.com/office/drawing/2010/main" Requires="a14">
+      <mc:AlternateContent xmlns:mc="http://schemas.openxmlformats.org/markup-compatibility/2006" xmlns:a14="http://schemas.microsoft.com/office/drawing/2010/main">
+        <mc:Choice Requires="a14">
           <p:sp>
             <p:nvSpPr>
               <p:cNvPr id="112" name="TextBox 111">
@@ -31144,7 +31144,7 @@
             </p:txBody>
           </p:sp>
         </mc:Choice>
-        <mc:Fallback>
+        <mc:Fallback xmlns="">
           <p:sp>
             <p:nvSpPr>
               <p:cNvPr id="112" name="TextBox 111">
@@ -31189,8 +31189,8 @@
           </p:sp>
         </mc:Fallback>
       </mc:AlternateContent>
-      <mc:AlternateContent xmlns:mc="http://schemas.openxmlformats.org/markup-compatibility/2006">
-        <mc:Choice xmlns:a14="http://schemas.microsoft.com/office/drawing/2010/main" Requires="a14">
+      <mc:AlternateContent xmlns:mc="http://schemas.openxmlformats.org/markup-compatibility/2006" xmlns:a14="http://schemas.microsoft.com/office/drawing/2010/main">
+        <mc:Choice Requires="a14">
           <p:sp>
             <p:nvSpPr>
               <p:cNvPr id="113" name="TextBox 112">
@@ -31238,7 +31238,7 @@
             </p:txBody>
           </p:sp>
         </mc:Choice>
-        <mc:Fallback>
+        <mc:Fallback xmlns="">
           <p:sp>
             <p:nvSpPr>
               <p:cNvPr id="113" name="TextBox 112">
@@ -32703,8 +32703,8 @@
           </p:sp>
         </mc:Fallback>
       </mc:AlternateContent>
-      <mc:AlternateContent xmlns:mc="http://schemas.openxmlformats.org/markup-compatibility/2006">
-        <mc:Choice xmlns:a14="http://schemas.microsoft.com/office/drawing/2010/main" Requires="a14">
+      <mc:AlternateContent xmlns:mc="http://schemas.openxmlformats.org/markup-compatibility/2006" xmlns:a14="http://schemas.microsoft.com/office/drawing/2010/main">
+        <mc:Choice Requires="a14">
           <p:sp>
             <p:nvSpPr>
               <p:cNvPr id="145" name="TextBox 144">
@@ -32860,7 +32860,7 @@
             </p:txBody>
           </p:sp>
         </mc:Choice>
-        <mc:Fallback>
+        <mc:Fallback xmlns="">
           <p:sp>
             <p:nvSpPr>
               <p:cNvPr id="145" name="TextBox 144">
@@ -32905,8 +32905,8 @@
           </p:sp>
         </mc:Fallback>
       </mc:AlternateContent>
-      <mc:AlternateContent xmlns:mc="http://schemas.openxmlformats.org/markup-compatibility/2006">
-        <mc:Choice xmlns:a14="http://schemas.microsoft.com/office/drawing/2010/main" Requires="a14">
+      <mc:AlternateContent xmlns:mc="http://schemas.openxmlformats.org/markup-compatibility/2006" xmlns:a14="http://schemas.microsoft.com/office/drawing/2010/main">
+        <mc:Choice Requires="a14">
           <p:sp>
             <p:nvSpPr>
               <p:cNvPr id="147" name="TextBox 146">
@@ -32954,7 +32954,7 @@
             </p:txBody>
           </p:sp>
         </mc:Choice>
-        <mc:Fallback>
+        <mc:Fallback xmlns="">
           <p:sp>
             <p:nvSpPr>
               <p:cNvPr id="147" name="TextBox 146">
@@ -32999,8 +32999,8 @@
           </p:sp>
         </mc:Fallback>
       </mc:AlternateContent>
-      <mc:AlternateContent xmlns:mc="http://schemas.openxmlformats.org/markup-compatibility/2006">
-        <mc:Choice xmlns:a14="http://schemas.microsoft.com/office/drawing/2010/main" Requires="a14">
+      <mc:AlternateContent xmlns:mc="http://schemas.openxmlformats.org/markup-compatibility/2006" xmlns:a14="http://schemas.microsoft.com/office/drawing/2010/main">
+        <mc:Choice Requires="a14">
           <p:sp>
             <p:nvSpPr>
               <p:cNvPr id="148" name="TextBox 147">
@@ -33156,7 +33156,7 @@
             </p:txBody>
           </p:sp>
         </mc:Choice>
-        <mc:Fallback>
+        <mc:Fallback xmlns="">
           <p:sp>
             <p:nvSpPr>
               <p:cNvPr id="148" name="TextBox 147">
@@ -33680,7 +33680,7 @@
       </p:cxnSp>
       <p:pic>
         <p:nvPicPr>
-          <p:cNvPr id="128" name="Picture 127" descr="A picture containing chart&#10;&#10;Description automatically generated">
+          <p:cNvPr id="128" name="Picture 127">
             <a:extLst>
               <a:ext uri="{FF2B5EF4-FFF2-40B4-BE49-F238E27FC236}">
                 <a16:creationId xmlns:a16="http://schemas.microsoft.com/office/drawing/2014/main" id="{63DC3739-5213-774D-9210-7C36A60687D8}"/>
@@ -33694,14 +33694,13 @@
         </p:nvPicPr>
         <p:blipFill>
           <a:blip r:embed="rId40"/>
-          <a:stretch>
-            <a:fillRect/>
-          </a:stretch>
+          <a:srcRect/>
+          <a:stretch/>
         </p:blipFill>
         <p:spPr>
           <a:xfrm>
-            <a:off x="1685977" y="4239160"/>
-            <a:ext cx="4596733" cy="3772582"/>
+            <a:off x="1685977" y="4276002"/>
+            <a:ext cx="4596733" cy="3698897"/>
           </a:xfrm>
           <a:prstGeom prst="rect">
             <a:avLst/>
@@ -33710,7 +33709,7 @@
       </p:pic>
       <p:pic>
         <p:nvPicPr>
-          <p:cNvPr id="153" name="Picture 152" descr="Shape, rectangle&#10;&#10;Description automatically generated">
+          <p:cNvPr id="153" name="Picture 152">
             <a:extLst>
               <a:ext uri="{FF2B5EF4-FFF2-40B4-BE49-F238E27FC236}">
                 <a16:creationId xmlns:a16="http://schemas.microsoft.com/office/drawing/2014/main" id="{D39D127B-478F-CA48-9645-2041A79551EB}"/>
@@ -33724,14 +33723,13 @@
         </p:nvPicPr>
         <p:blipFill>
           <a:blip r:embed="rId41"/>
-          <a:stretch>
-            <a:fillRect/>
-          </a:stretch>
+          <a:srcRect/>
+          <a:stretch/>
         </p:blipFill>
         <p:spPr>
           <a:xfrm>
-            <a:off x="6737301" y="4606715"/>
-            <a:ext cx="6333366" cy="3074409"/>
+            <a:off x="6762297" y="4606715"/>
+            <a:ext cx="6283374" cy="3074409"/>
           </a:xfrm>
           <a:prstGeom prst="rect">
             <a:avLst/>
@@ -33740,7 +33738,7 @@
       </p:pic>
       <p:pic>
         <p:nvPicPr>
-          <p:cNvPr id="160" name="Picture 159" descr="Shape, rectangle&#10;&#10;Description automatically generated">
+          <p:cNvPr id="160" name="Picture 159">
             <a:extLst>
               <a:ext uri="{FF2B5EF4-FFF2-40B4-BE49-F238E27FC236}">
                 <a16:creationId xmlns:a16="http://schemas.microsoft.com/office/drawing/2014/main" id="{0D9973D5-D642-004D-9D33-C7CDEED8BD22}"/>
@@ -33754,14 +33752,13 @@
         </p:nvPicPr>
         <p:blipFill>
           <a:blip r:embed="rId42"/>
-          <a:stretch>
-            <a:fillRect/>
-          </a:stretch>
+          <a:srcRect/>
+          <a:stretch/>
         </p:blipFill>
         <p:spPr>
           <a:xfrm>
-            <a:off x="13290025" y="4606715"/>
-            <a:ext cx="6408863" cy="3074409"/>
+            <a:off x="13307917" y="4606715"/>
+            <a:ext cx="6373078" cy="3074409"/>
           </a:xfrm>
           <a:prstGeom prst="rect">
             <a:avLst/>
@@ -33799,6 +33796,45 @@
             <a:r>
               <a:rPr lang="en-US" b="1" dirty="0"/>
               <a:t>LARS: regularization path</a:t>
+            </a:r>
+          </a:p>
+        </p:txBody>
+      </p:sp>
+      <p:sp>
+        <p:nvSpPr>
+          <p:cNvPr id="154" name="TextBox 153">
+            <a:extLst>
+              <a:ext uri="{FF2B5EF4-FFF2-40B4-BE49-F238E27FC236}">
+                <a16:creationId xmlns:a16="http://schemas.microsoft.com/office/drawing/2014/main" id="{AD794936-4E5F-1348-BD0E-7EA947681125}"/>
+              </a:ext>
+            </a:extLst>
+          </p:cNvPr>
+          <p:cNvSpPr txBox="1"/>
+          <p:nvPr/>
+        </p:nvSpPr>
+        <p:spPr>
+          <a:xfrm rot="5400000">
+            <a:off x="5748236" y="5818528"/>
+            <a:ext cx="1238947" cy="338554"/>
+          </a:xfrm>
+          <a:prstGeom prst="rect">
+            <a:avLst/>
+          </a:prstGeom>
+          <a:noFill/>
+        </p:spPr>
+        <p:txBody>
+          <a:bodyPr wrap="square" rtlCol="0">
+            <a:spAutoFit/>
+          </a:bodyPr>
+          <a:lstStyle/>
+          <a:p>
+            <a:r>
+              <a:rPr lang="en-US" sz="1600" dirty="0">
+                <a:latin typeface="DEJAVU SANS" panose="020B0603030804020204" pitchFamily="34" charset="0"/>
+                <a:ea typeface="DEJAVU SANS" panose="020B0603030804020204" pitchFamily="34" charset="0"/>
+                <a:cs typeface="DEJAVU SANS" panose="020B0603030804020204" pitchFamily="34" charset="0"/>
+              </a:rPr>
+              <a:t>Amplitude</a:t>
             </a:r>
           </a:p>
         </p:txBody>
